--- a/Diapositivas/5. Web Testing.pptx
+++ b/Diapositivas/5. Web Testing.pptx
@@ -5,7 +5,7 @@
     <p:sldMasterId id="2147483684" r:id="rId1"/>
   </p:sldMasterIdLst>
   <p:notesMasterIdLst>
-    <p:notesMasterId r:id="rId31"/>
+    <p:notesMasterId r:id="rId34"/>
   </p:notesMasterIdLst>
   <p:sldIdLst>
     <p:sldId id="701" r:id="rId2"/>
@@ -21,22 +21,25 @@
     <p:sldId id="594" r:id="rId12"/>
     <p:sldId id="595" r:id="rId13"/>
     <p:sldId id="692" r:id="rId14"/>
-    <p:sldId id="598" r:id="rId15"/>
-    <p:sldId id="650" r:id="rId16"/>
-    <p:sldId id="699" r:id="rId17"/>
-    <p:sldId id="599" r:id="rId18"/>
-    <p:sldId id="606" r:id="rId19"/>
-    <p:sldId id="693" r:id="rId20"/>
-    <p:sldId id="694" r:id="rId21"/>
-    <p:sldId id="695" r:id="rId22"/>
-    <p:sldId id="696" r:id="rId23"/>
-    <p:sldId id="697" r:id="rId24"/>
-    <p:sldId id="651" r:id="rId25"/>
-    <p:sldId id="648" r:id="rId26"/>
-    <p:sldId id="698" r:id="rId27"/>
-    <p:sldId id="646" r:id="rId28"/>
-    <p:sldId id="702" r:id="rId29"/>
-    <p:sldId id="600" r:id="rId30"/>
+    <p:sldId id="703" r:id="rId15"/>
+    <p:sldId id="598" r:id="rId16"/>
+    <p:sldId id="650" r:id="rId17"/>
+    <p:sldId id="699" r:id="rId18"/>
+    <p:sldId id="599" r:id="rId19"/>
+    <p:sldId id="704" r:id="rId20"/>
+    <p:sldId id="606" r:id="rId21"/>
+    <p:sldId id="693" r:id="rId22"/>
+    <p:sldId id="694" r:id="rId23"/>
+    <p:sldId id="695" r:id="rId24"/>
+    <p:sldId id="696" r:id="rId25"/>
+    <p:sldId id="697" r:id="rId26"/>
+    <p:sldId id="705" r:id="rId27"/>
+    <p:sldId id="651" r:id="rId28"/>
+    <p:sldId id="648" r:id="rId29"/>
+    <p:sldId id="698" r:id="rId30"/>
+    <p:sldId id="646" r:id="rId31"/>
+    <p:sldId id="702" r:id="rId32"/>
+    <p:sldId id="600" r:id="rId33"/>
   </p:sldIdLst>
   <p:sldSz cx="9144000" cy="6858000" type="screen4x3"/>
   <p:notesSz cx="6858000" cy="9144000"/>
@@ -135,7 +138,22 @@
       </a:defRPr>
     </a:lvl9pPr>
   </p:defaultTextStyle>
-  <p:extLst/>
+  <p:extLst>
+    <p:ext uri="{EFAFB233-063F-42B5-8137-9DF3F51BA10A}">
+      <p15:sldGuideLst xmlns:p15="http://schemas.microsoft.com/office/powerpoint/2012/main">
+        <p15:guide id="1" orient="horz" pos="2160">
+          <p15:clr>
+            <a:srgbClr val="A4A3A4"/>
+          </p15:clr>
+        </p15:guide>
+        <p15:guide id="2" pos="2880">
+          <p15:clr>
+            <a:srgbClr val="A4A3A4"/>
+          </p15:clr>
+        </p15:guide>
+      </p15:sldGuideLst>
+    </p:ext>
+  </p:extLst>
 </p:presentation>
 </file>
 
@@ -148,7 +166,7 @@
 <file path=ppt/charts/chart1.xml><?xml version="1.0" encoding="utf-8"?>
 <c:chartSpace xmlns:c="http://schemas.openxmlformats.org/drawingml/2006/chart" xmlns:a="http://schemas.openxmlformats.org/drawingml/2006/main" xmlns:r="http://schemas.openxmlformats.org/officeDocument/2006/relationships">
   <c:date1904 val="0"/>
-  <c:lang val="es-PE"/>
+  <c:lang val="es-ES"/>
   <c:roundedCorners val="0"/>
   <mc:AlternateContent xmlns:mc="http://schemas.openxmlformats.org/markup-compatibility/2006">
     <mc:Choice xmlns:c14="http://schemas.microsoft.com/office/drawing/2007/8/2/chart" Requires="c14">
@@ -164,7 +182,6 @@
       <c:rotX val="30"/>
       <c:rotY val="170"/>
       <c:rAngAx val="0"/>
-      <c:perspective val="30"/>
     </c:view3D>
     <c:floor>
       <c:thickness val="0"/>
@@ -363,7 +380,7 @@
           <a:p>
             <a:fld id="{63D5FC4C-9EE1-4746-A368-724F618FC790}" type="datetimeFigureOut">
               <a:rPr lang="es-PE" smtClean="0"/>
-              <a:t>26/04/2013</a:t>
+              <a:t>19/12/2013</a:t>
             </a:fld>
             <a:endParaRPr lang="es-PE"/>
           </a:p>
@@ -1151,24 +1168,35 @@
           <a:bodyPr/>
           <a:lstStyle/>
           <a:p>
-            <a:pPr marL="0" marR="0" indent="0" algn="l" defTabSz="914400" rtl="0" eaLnBrk="1" fontAlgn="auto" latinLnBrk="0" hangingPunct="1">
-              <a:lnSpc>
-                <a:spcPct val="100000"/>
-              </a:lnSpc>
-              <a:spcBef>
-                <a:spcPts val="0"/>
-              </a:spcBef>
-              <a:spcAft>
-                <a:spcPts val="0"/>
-              </a:spcAft>
-              <a:buClrTx/>
-              <a:buSzTx/>
+            <a:pPr marL="0" indent="0">
               <a:buFontTx/>
               <a:buNone/>
-              <a:tabLst/>
-              <a:defRPr/>
             </a:pPr>
-            <a:endParaRPr lang="es-PE" dirty="0"/>
+            <a:r>
+              <a:rPr lang="es-PE" noProof="0" dirty="0" smtClean="0"/>
+              <a:t>1. ¿Cuál es el costo de diseñar / ejecutar / mantener las pruebas?</a:t>
+            </a:r>
+          </a:p>
+          <a:p>
+            <a:pPr marL="0" indent="0">
+              <a:buFontTx/>
+              <a:buNone/>
+            </a:pPr>
+            <a:r>
+              <a:rPr lang="es-PE" noProof="0" dirty="0" smtClean="0"/>
+              <a:t>2. ¿Qué dificultades encontraron para construir los casos?</a:t>
+            </a:r>
+          </a:p>
+          <a:p>
+            <a:pPr marL="0" indent="0">
+              <a:buFontTx/>
+              <a:buNone/>
+            </a:pPr>
+            <a:r>
+              <a:rPr lang="es-PE" noProof="0" dirty="0" smtClean="0"/>
+              <a:t>3. ¿Pueden usar estos casos para carga masiva de datos? ¿Cómo, qué necesitarían hacer?</a:t>
+            </a:r>
+            <a:endParaRPr lang="es-PE" noProof="0" dirty="0"/>
           </a:p>
         </p:txBody>
       </p:sp>
@@ -1292,7 +1320,7 @@
               <a:rPr lang="es-PE" smtClean="0"/>
               <a:t>15</a:t>
             </a:fld>
-            <a:endParaRPr lang="es-PE"/>
+            <a:endParaRPr lang="es-PE" dirty="0"/>
           </a:p>
         </p:txBody>
       </p:sp>
@@ -1353,15 +1381,24 @@
           <a:bodyPr/>
           <a:lstStyle/>
           <a:p>
-            <a:pPr marL="0" indent="0">
+            <a:pPr marL="0" marR="0" indent="0" algn="l" defTabSz="914400" rtl="0" eaLnBrk="1" fontAlgn="auto" latinLnBrk="0" hangingPunct="1">
+              <a:lnSpc>
+                <a:spcPct val="100000"/>
+              </a:lnSpc>
+              <a:spcBef>
+                <a:spcPts val="0"/>
+              </a:spcBef>
+              <a:spcAft>
+                <a:spcPts val="0"/>
+              </a:spcAft>
+              <a:buClrTx/>
+              <a:buSzTx/>
               <a:buFontTx/>
               <a:buNone/>
+              <a:tabLst/>
+              <a:defRPr/>
             </a:pPr>
-            <a:r>
-              <a:rPr lang="es-PE" noProof="0" dirty="0" smtClean="0"/>
-              <a:t>translate.reference.com</a:t>
-            </a:r>
-            <a:endParaRPr lang="es-PE" noProof="0" dirty="0"/>
+            <a:endParaRPr lang="es-PE" dirty="0"/>
           </a:p>
         </p:txBody>
       </p:sp>
@@ -1384,7 +1421,7 @@
               <a:rPr lang="es-PE" smtClean="0"/>
               <a:t>16</a:t>
             </a:fld>
-            <a:endParaRPr lang="es-PE" dirty="0"/>
+            <a:endParaRPr lang="es-PE"/>
           </a:p>
         </p:txBody>
       </p:sp>
@@ -1445,24 +1482,15 @@
           <a:bodyPr/>
           <a:lstStyle/>
           <a:p>
-            <a:pPr marL="0" marR="0" indent="0" algn="l" defTabSz="914400" rtl="0" eaLnBrk="1" fontAlgn="auto" latinLnBrk="0" hangingPunct="1">
-              <a:lnSpc>
-                <a:spcPct val="100000"/>
-              </a:lnSpc>
-              <a:spcBef>
-                <a:spcPts val="0"/>
-              </a:spcBef>
-              <a:spcAft>
-                <a:spcPts val="0"/>
-              </a:spcAft>
-              <a:buClrTx/>
-              <a:buSzTx/>
+            <a:pPr marL="0" indent="0">
               <a:buFontTx/>
               <a:buNone/>
-              <a:tabLst/>
-              <a:defRPr/>
             </a:pPr>
-            <a:endParaRPr lang="es-PE" dirty="0"/>
+            <a:r>
+              <a:rPr lang="es-PE" noProof="0" dirty="0" smtClean="0"/>
+              <a:t>translate.reference.com</a:t>
+            </a:r>
+            <a:endParaRPr lang="es-PE" noProof="0" dirty="0"/>
           </a:p>
         </p:txBody>
       </p:sp>
@@ -1485,7 +1513,7 @@
               <a:rPr lang="es-PE" smtClean="0"/>
               <a:t>17</a:t>
             </a:fld>
-            <a:endParaRPr lang="es-PE"/>
+            <a:endParaRPr lang="es-PE" dirty="0"/>
           </a:p>
         </p:txBody>
       </p:sp>
@@ -1563,705 +1591,6 @@
               <a:tabLst/>
               <a:defRPr/>
             </a:pPr>
-            <a:r>
-              <a:rPr lang="en-US" sz="1200" b="0" i="0" kern="1200" dirty="0" err="1" smtClean="0">
-                <a:solidFill>
-                  <a:schemeClr val="tx1"/>
-                </a:solidFill>
-                <a:effectLst/>
-                <a:latin typeface="+mn-lt"/>
-                <a:ea typeface="+mn-ea"/>
-                <a:cs typeface="+mn-cs"/>
-              </a:rPr>
-              <a:t>Reproducción</a:t>
-            </a:r>
-            <a:r>
-              <a:rPr lang="en-US" sz="1200" b="0" i="0" kern="1200" baseline="0" dirty="0" smtClean="0">
-                <a:solidFill>
-                  <a:schemeClr val="tx1"/>
-                </a:solidFill>
-                <a:effectLst/>
-                <a:latin typeface="+mn-lt"/>
-                <a:ea typeface="+mn-ea"/>
-                <a:cs typeface="+mn-cs"/>
-              </a:rPr>
-              <a:t> de bugs.</a:t>
-            </a:r>
-            <a:endParaRPr lang="en-US" sz="1200" b="0" i="0" kern="1200" dirty="0" smtClean="0">
-              <a:solidFill>
-                <a:schemeClr val="tx1"/>
-              </a:solidFill>
-              <a:effectLst/>
-              <a:latin typeface="+mn-lt"/>
-              <a:ea typeface="+mn-ea"/>
-              <a:cs typeface="+mn-cs"/>
-            </a:endParaRPr>
-          </a:p>
-          <a:p>
-            <a:pPr marL="0" marR="0" indent="0" algn="l" defTabSz="914400" rtl="0" eaLnBrk="1" fontAlgn="auto" latinLnBrk="0" hangingPunct="1">
-              <a:lnSpc>
-                <a:spcPct val="100000"/>
-              </a:lnSpc>
-              <a:spcBef>
-                <a:spcPts val="0"/>
-              </a:spcBef>
-              <a:spcAft>
-                <a:spcPts val="0"/>
-              </a:spcAft>
-              <a:buClrTx/>
-              <a:buSzTx/>
-              <a:buFontTx/>
-              <a:buNone/>
-              <a:tabLst/>
-              <a:defRPr/>
-            </a:pPr>
-            <a:r>
-              <a:rPr lang="en-US" sz="1200" b="0" i="0" kern="1200" dirty="0" smtClean="0">
-                <a:solidFill>
-                  <a:schemeClr val="tx1"/>
-                </a:solidFill>
-                <a:effectLst/>
-                <a:latin typeface="+mn-lt"/>
-                <a:ea typeface="+mn-ea"/>
-                <a:cs typeface="+mn-cs"/>
-              </a:rPr>
-              <a:t>I ask testers to record their steps and attach the script to their defects. This is a simple way to communicate exactly how they found an issue.  This technique significantly cuts down on communication overhead.</a:t>
-            </a:r>
-          </a:p>
-          <a:p>
-            <a:pPr marL="0" marR="0" indent="0" algn="l" defTabSz="914400" rtl="0" eaLnBrk="1" fontAlgn="auto" latinLnBrk="0" hangingPunct="1">
-              <a:lnSpc>
-                <a:spcPct val="100000"/>
-              </a:lnSpc>
-              <a:spcBef>
-                <a:spcPts val="0"/>
-              </a:spcBef>
-              <a:spcAft>
-                <a:spcPts val="0"/>
-              </a:spcAft>
-              <a:buClrTx/>
-              <a:buSzTx/>
-              <a:buFontTx/>
-              <a:buNone/>
-              <a:tabLst/>
-              <a:defRPr/>
-            </a:pPr>
-            <a:endParaRPr lang="en-US" sz="1200" b="0" i="0" kern="1200" dirty="0" smtClean="0">
-              <a:solidFill>
-                <a:schemeClr val="tx1"/>
-              </a:solidFill>
-              <a:effectLst/>
-              <a:latin typeface="+mn-lt"/>
-              <a:ea typeface="+mn-ea"/>
-              <a:cs typeface="+mn-cs"/>
-            </a:endParaRPr>
-          </a:p>
-          <a:p>
-            <a:pPr marL="0" marR="0" indent="0" algn="l" defTabSz="914400" rtl="0" eaLnBrk="1" fontAlgn="auto" latinLnBrk="0" hangingPunct="1">
-              <a:lnSpc>
-                <a:spcPct val="100000"/>
-              </a:lnSpc>
-              <a:spcBef>
-                <a:spcPts val="0"/>
-              </a:spcBef>
-              <a:spcAft>
-                <a:spcPts val="0"/>
-              </a:spcAft>
-              <a:buClrTx/>
-              <a:buSzTx/>
-              <a:buFontTx/>
-              <a:buNone/>
-              <a:tabLst/>
-              <a:defRPr/>
-            </a:pPr>
-            <a:r>
-              <a:rPr lang="en-US" sz="1200" b="0" i="0" kern="1200" dirty="0" smtClean="0">
-                <a:solidFill>
-                  <a:schemeClr val="tx1"/>
-                </a:solidFill>
-                <a:effectLst/>
-                <a:latin typeface="+mn-lt"/>
-                <a:ea typeface="+mn-ea"/>
-                <a:cs typeface="+mn-cs"/>
-              </a:rPr>
-              <a:t>Exploratory Testing: </a:t>
-            </a:r>
-            <a:r>
-              <a:rPr lang="en-US" sz="1200" b="0" i="0" kern="1200" dirty="0" err="1" smtClean="0">
-                <a:solidFill>
-                  <a:schemeClr val="tx1"/>
-                </a:solidFill>
-                <a:effectLst/>
-                <a:latin typeface="+mn-lt"/>
-                <a:ea typeface="+mn-ea"/>
-                <a:cs typeface="+mn-cs"/>
-              </a:rPr>
-              <a:t>Es</a:t>
-            </a:r>
-            <a:r>
-              <a:rPr lang="en-US" sz="1200" b="0" i="0" kern="1200" dirty="0" smtClean="0">
-                <a:solidFill>
-                  <a:schemeClr val="tx1"/>
-                </a:solidFill>
-                <a:effectLst/>
-                <a:latin typeface="+mn-lt"/>
-                <a:ea typeface="+mn-ea"/>
-                <a:cs typeface="+mn-cs"/>
-              </a:rPr>
-              <a:t> el testing en el </a:t>
-            </a:r>
-            <a:r>
-              <a:rPr lang="en-US" sz="1200" b="0" i="0" kern="1200" dirty="0" err="1" smtClean="0">
-                <a:solidFill>
-                  <a:schemeClr val="tx1"/>
-                </a:solidFill>
-                <a:effectLst/>
-                <a:latin typeface="+mn-lt"/>
-                <a:ea typeface="+mn-ea"/>
-                <a:cs typeface="+mn-cs"/>
-              </a:rPr>
-              <a:t>cuál</a:t>
-            </a:r>
-            <a:r>
-              <a:rPr lang="en-US" sz="1200" b="0" i="0" kern="1200" dirty="0" smtClean="0">
-                <a:solidFill>
-                  <a:schemeClr val="tx1"/>
-                </a:solidFill>
-                <a:effectLst/>
-                <a:latin typeface="+mn-lt"/>
-                <a:ea typeface="+mn-ea"/>
-                <a:cs typeface="+mn-cs"/>
-              </a:rPr>
-              <a:t> el </a:t>
-            </a:r>
-            <a:r>
-              <a:rPr lang="en-US" sz="1200" b="0" i="0" kern="1200" dirty="0" err="1" smtClean="0">
-                <a:solidFill>
-                  <a:schemeClr val="tx1"/>
-                </a:solidFill>
-                <a:effectLst/>
-                <a:latin typeface="+mn-lt"/>
-                <a:ea typeface="+mn-ea"/>
-                <a:cs typeface="+mn-cs"/>
-              </a:rPr>
-              <a:t>equipo</a:t>
-            </a:r>
-            <a:r>
-              <a:rPr lang="en-US" sz="1200" b="0" i="0" kern="1200" baseline="0" dirty="0" smtClean="0">
-                <a:solidFill>
-                  <a:schemeClr val="tx1"/>
-                </a:solidFill>
-                <a:effectLst/>
-                <a:latin typeface="+mn-lt"/>
-                <a:ea typeface="+mn-ea"/>
-                <a:cs typeface="+mn-cs"/>
-              </a:rPr>
-              <a:t> de </a:t>
-            </a:r>
-            <a:r>
-              <a:rPr lang="en-US" sz="1200" b="0" i="0" kern="1200" baseline="0" dirty="0" err="1" smtClean="0">
-                <a:solidFill>
-                  <a:schemeClr val="tx1"/>
-                </a:solidFill>
-                <a:effectLst/>
-                <a:latin typeface="+mn-lt"/>
-                <a:ea typeface="+mn-ea"/>
-                <a:cs typeface="+mn-cs"/>
-              </a:rPr>
-              <a:t>pruebas</a:t>
-            </a:r>
-            <a:r>
-              <a:rPr lang="en-US" sz="1200" b="0" i="0" kern="1200" baseline="0" dirty="0" smtClean="0">
-                <a:solidFill>
-                  <a:schemeClr val="tx1"/>
-                </a:solidFill>
-                <a:effectLst/>
-                <a:latin typeface="+mn-lt"/>
-                <a:ea typeface="+mn-ea"/>
-                <a:cs typeface="+mn-cs"/>
-              </a:rPr>
-              <a:t>, de </a:t>
-            </a:r>
-            <a:r>
-              <a:rPr lang="en-US" sz="1200" b="0" i="0" kern="1200" baseline="0" dirty="0" err="1" smtClean="0">
-                <a:solidFill>
-                  <a:schemeClr val="tx1"/>
-                </a:solidFill>
-                <a:effectLst/>
-                <a:latin typeface="+mn-lt"/>
-                <a:ea typeface="+mn-ea"/>
-                <a:cs typeface="+mn-cs"/>
-              </a:rPr>
-              <a:t>manera</a:t>
-            </a:r>
-            <a:r>
-              <a:rPr lang="en-US" sz="1200" b="0" i="0" kern="1200" baseline="0" dirty="0" smtClean="0">
-                <a:solidFill>
-                  <a:schemeClr val="tx1"/>
-                </a:solidFill>
-                <a:effectLst/>
-                <a:latin typeface="+mn-lt"/>
-                <a:ea typeface="+mn-ea"/>
-                <a:cs typeface="+mn-cs"/>
-              </a:rPr>
-              <a:t> </a:t>
-            </a:r>
-            <a:r>
-              <a:rPr lang="en-US" sz="1200" b="0" i="0" kern="1200" baseline="0" dirty="0" err="1" smtClean="0">
-                <a:solidFill>
-                  <a:schemeClr val="tx1"/>
-                </a:solidFill>
-                <a:effectLst/>
-                <a:latin typeface="+mn-lt"/>
-                <a:ea typeface="+mn-ea"/>
-                <a:cs typeface="+mn-cs"/>
-              </a:rPr>
-              <a:t>simultanea</a:t>
-            </a:r>
-            <a:r>
-              <a:rPr lang="en-US" sz="1200" b="0" i="0" kern="1200" baseline="0" dirty="0" smtClean="0">
-                <a:solidFill>
-                  <a:schemeClr val="tx1"/>
-                </a:solidFill>
-                <a:effectLst/>
-                <a:latin typeface="+mn-lt"/>
-                <a:ea typeface="+mn-ea"/>
-                <a:cs typeface="+mn-cs"/>
-              </a:rPr>
-              <a:t>, </a:t>
-            </a:r>
-            <a:r>
-              <a:rPr lang="en-US" sz="1200" b="0" i="0" kern="1200" baseline="0" dirty="0" err="1" smtClean="0">
-                <a:solidFill>
-                  <a:schemeClr val="tx1"/>
-                </a:solidFill>
-                <a:effectLst/>
-                <a:latin typeface="+mn-lt"/>
-                <a:ea typeface="+mn-ea"/>
-                <a:cs typeface="+mn-cs"/>
-              </a:rPr>
-              <a:t>aprende</a:t>
-            </a:r>
-            <a:r>
-              <a:rPr lang="en-US" sz="1200" b="0" i="0" kern="1200" baseline="0" dirty="0" smtClean="0">
-                <a:solidFill>
-                  <a:schemeClr val="tx1"/>
-                </a:solidFill>
-                <a:effectLst/>
-                <a:latin typeface="+mn-lt"/>
-                <a:ea typeface="+mn-ea"/>
-                <a:cs typeface="+mn-cs"/>
-              </a:rPr>
-              <a:t> del </a:t>
-            </a:r>
-            <a:r>
-              <a:rPr lang="en-US" sz="1200" b="0" i="0" kern="1200" baseline="0" dirty="0" err="1" smtClean="0">
-                <a:solidFill>
-                  <a:schemeClr val="tx1"/>
-                </a:solidFill>
-                <a:effectLst/>
-                <a:latin typeface="+mn-lt"/>
-                <a:ea typeface="+mn-ea"/>
-                <a:cs typeface="+mn-cs"/>
-              </a:rPr>
-              <a:t>sistema</a:t>
-            </a:r>
-            <a:r>
-              <a:rPr lang="en-US" sz="1200" b="0" i="0" kern="1200" baseline="0" dirty="0" smtClean="0">
-                <a:solidFill>
-                  <a:schemeClr val="tx1"/>
-                </a:solidFill>
-                <a:effectLst/>
-                <a:latin typeface="+mn-lt"/>
-                <a:ea typeface="+mn-ea"/>
-                <a:cs typeface="+mn-cs"/>
-              </a:rPr>
-              <a:t>, </a:t>
-            </a:r>
-            <a:r>
-              <a:rPr lang="en-US" sz="1200" b="0" i="0" kern="1200" baseline="0" dirty="0" err="1" smtClean="0">
-                <a:solidFill>
-                  <a:schemeClr val="tx1"/>
-                </a:solidFill>
-                <a:effectLst/>
-                <a:latin typeface="+mn-lt"/>
-                <a:ea typeface="+mn-ea"/>
-                <a:cs typeface="+mn-cs"/>
-              </a:rPr>
-              <a:t>diseña</a:t>
-            </a:r>
-            <a:r>
-              <a:rPr lang="en-US" sz="1200" b="0" i="0" kern="1200" baseline="0" dirty="0" smtClean="0">
-                <a:solidFill>
-                  <a:schemeClr val="tx1"/>
-                </a:solidFill>
-                <a:effectLst/>
-                <a:latin typeface="+mn-lt"/>
-                <a:ea typeface="+mn-ea"/>
-                <a:cs typeface="+mn-cs"/>
-              </a:rPr>
-              <a:t> y </a:t>
-            </a:r>
-            <a:r>
-              <a:rPr lang="en-US" sz="1200" b="0" i="0" kern="1200" baseline="0" dirty="0" err="1" smtClean="0">
-                <a:solidFill>
-                  <a:schemeClr val="tx1"/>
-                </a:solidFill>
-                <a:effectLst/>
-                <a:latin typeface="+mn-lt"/>
-                <a:ea typeface="+mn-ea"/>
-                <a:cs typeface="+mn-cs"/>
-              </a:rPr>
-              <a:t>ejecuta</a:t>
-            </a:r>
-            <a:r>
-              <a:rPr lang="en-US" sz="1200" b="0" i="0" kern="1200" baseline="0" dirty="0" smtClean="0">
-                <a:solidFill>
-                  <a:schemeClr val="tx1"/>
-                </a:solidFill>
-                <a:effectLst/>
-                <a:latin typeface="+mn-lt"/>
-                <a:ea typeface="+mn-ea"/>
-                <a:cs typeface="+mn-cs"/>
-              </a:rPr>
-              <a:t> </a:t>
-            </a:r>
-            <a:r>
-              <a:rPr lang="en-US" sz="1200" b="0" i="0" kern="1200" baseline="0" dirty="0" err="1" smtClean="0">
-                <a:solidFill>
-                  <a:schemeClr val="tx1"/>
-                </a:solidFill>
-                <a:effectLst/>
-                <a:latin typeface="+mn-lt"/>
-                <a:ea typeface="+mn-ea"/>
-                <a:cs typeface="+mn-cs"/>
-              </a:rPr>
-              <a:t>sus</a:t>
-            </a:r>
-            <a:r>
-              <a:rPr lang="en-US" sz="1200" b="0" i="0" kern="1200" baseline="0" dirty="0" smtClean="0">
-                <a:solidFill>
-                  <a:schemeClr val="tx1"/>
-                </a:solidFill>
-                <a:effectLst/>
-                <a:latin typeface="+mn-lt"/>
-                <a:ea typeface="+mn-ea"/>
-                <a:cs typeface="+mn-cs"/>
-              </a:rPr>
-              <a:t> </a:t>
-            </a:r>
-            <a:r>
-              <a:rPr lang="en-US" sz="1200" b="0" i="0" kern="1200" baseline="0" dirty="0" err="1" smtClean="0">
-                <a:solidFill>
-                  <a:schemeClr val="tx1"/>
-                </a:solidFill>
-                <a:effectLst/>
-                <a:latin typeface="+mn-lt"/>
-                <a:ea typeface="+mn-ea"/>
-                <a:cs typeface="+mn-cs"/>
-              </a:rPr>
-              <a:t>pruebas</a:t>
-            </a:r>
-            <a:r>
-              <a:rPr lang="en-US" sz="1200" b="0" i="0" kern="1200" baseline="0" dirty="0" smtClean="0">
-                <a:solidFill>
-                  <a:schemeClr val="tx1"/>
-                </a:solidFill>
-                <a:effectLst/>
-                <a:latin typeface="+mn-lt"/>
-                <a:ea typeface="+mn-ea"/>
-                <a:cs typeface="+mn-cs"/>
-              </a:rPr>
-              <a:t>. A </a:t>
-            </a:r>
-            <a:r>
-              <a:rPr lang="en-US" sz="1200" b="0" i="0" kern="1200" baseline="0" dirty="0" err="1" smtClean="0">
-                <a:solidFill>
-                  <a:schemeClr val="tx1"/>
-                </a:solidFill>
-                <a:effectLst/>
-                <a:latin typeface="+mn-lt"/>
-                <a:ea typeface="+mn-ea"/>
-                <a:cs typeface="+mn-cs"/>
-              </a:rPr>
-              <a:t>medida</a:t>
-            </a:r>
-            <a:r>
-              <a:rPr lang="en-US" sz="1200" b="0" i="0" kern="1200" baseline="0" dirty="0" smtClean="0">
-                <a:solidFill>
-                  <a:schemeClr val="tx1"/>
-                </a:solidFill>
-                <a:effectLst/>
-                <a:latin typeface="+mn-lt"/>
-                <a:ea typeface="+mn-ea"/>
-                <a:cs typeface="+mn-cs"/>
-              </a:rPr>
-              <a:t> </a:t>
-            </a:r>
-            <a:r>
-              <a:rPr lang="en-US" sz="1200" b="0" i="0" kern="1200" baseline="0" dirty="0" err="1" smtClean="0">
-                <a:solidFill>
-                  <a:schemeClr val="tx1"/>
-                </a:solidFill>
-                <a:effectLst/>
-                <a:latin typeface="+mn-lt"/>
-                <a:ea typeface="+mn-ea"/>
-                <a:cs typeface="+mn-cs"/>
-              </a:rPr>
-              <a:t>que</a:t>
-            </a:r>
-            <a:r>
-              <a:rPr lang="en-US" sz="1200" b="0" i="0" kern="1200" baseline="0" dirty="0" smtClean="0">
-                <a:solidFill>
-                  <a:schemeClr val="tx1"/>
-                </a:solidFill>
-                <a:effectLst/>
-                <a:latin typeface="+mn-lt"/>
-                <a:ea typeface="+mn-ea"/>
-                <a:cs typeface="+mn-cs"/>
-              </a:rPr>
-              <a:t> </a:t>
-            </a:r>
-            <a:r>
-              <a:rPr lang="en-US" sz="1200" b="0" i="0" kern="1200" baseline="0" dirty="0" err="1" smtClean="0">
-                <a:solidFill>
-                  <a:schemeClr val="tx1"/>
-                </a:solidFill>
-                <a:effectLst/>
-                <a:latin typeface="+mn-lt"/>
-                <a:ea typeface="+mn-ea"/>
-                <a:cs typeface="+mn-cs"/>
-              </a:rPr>
-              <a:t>va</a:t>
-            </a:r>
-            <a:r>
-              <a:rPr lang="en-US" sz="1200" b="0" i="0" kern="1200" baseline="0" dirty="0" smtClean="0">
-                <a:solidFill>
-                  <a:schemeClr val="tx1"/>
-                </a:solidFill>
-                <a:effectLst/>
-                <a:latin typeface="+mn-lt"/>
-                <a:ea typeface="+mn-ea"/>
-                <a:cs typeface="+mn-cs"/>
-              </a:rPr>
-              <a:t> </a:t>
-            </a:r>
-            <a:r>
-              <a:rPr lang="en-US" sz="1200" b="0" i="0" kern="1200" baseline="0" dirty="0" err="1" smtClean="0">
-                <a:solidFill>
-                  <a:schemeClr val="tx1"/>
-                </a:solidFill>
-                <a:effectLst/>
-                <a:latin typeface="+mn-lt"/>
-                <a:ea typeface="+mn-ea"/>
-                <a:cs typeface="+mn-cs"/>
-              </a:rPr>
-              <a:t>aprendiendo</a:t>
-            </a:r>
-            <a:r>
-              <a:rPr lang="en-US" sz="1200" b="0" i="0" kern="1200" baseline="0" dirty="0" smtClean="0">
-                <a:solidFill>
-                  <a:schemeClr val="tx1"/>
-                </a:solidFill>
-                <a:effectLst/>
-                <a:latin typeface="+mn-lt"/>
-                <a:ea typeface="+mn-ea"/>
-                <a:cs typeface="+mn-cs"/>
-              </a:rPr>
-              <a:t> </a:t>
-            </a:r>
-            <a:r>
-              <a:rPr lang="en-US" sz="1200" b="0" i="0" kern="1200" baseline="0" dirty="0" err="1" smtClean="0">
-                <a:solidFill>
-                  <a:schemeClr val="tx1"/>
-                </a:solidFill>
-                <a:effectLst/>
-                <a:latin typeface="+mn-lt"/>
-                <a:ea typeface="+mn-ea"/>
-                <a:cs typeface="+mn-cs"/>
-              </a:rPr>
-              <a:t>va</a:t>
-            </a:r>
-            <a:r>
-              <a:rPr lang="en-US" sz="1200" b="0" i="0" kern="1200" baseline="0" dirty="0" smtClean="0">
-                <a:solidFill>
-                  <a:schemeClr val="tx1"/>
-                </a:solidFill>
-                <a:effectLst/>
-                <a:latin typeface="+mn-lt"/>
-                <a:ea typeface="+mn-ea"/>
-                <a:cs typeface="+mn-cs"/>
-              </a:rPr>
-              <a:t> </a:t>
-            </a:r>
-            <a:r>
-              <a:rPr lang="en-US" sz="1200" b="0" i="0" kern="1200" baseline="0" dirty="0" err="1" smtClean="0">
-                <a:solidFill>
-                  <a:schemeClr val="tx1"/>
-                </a:solidFill>
-                <a:effectLst/>
-                <a:latin typeface="+mn-lt"/>
-                <a:ea typeface="+mn-ea"/>
-                <a:cs typeface="+mn-cs"/>
-              </a:rPr>
-              <a:t>generando</a:t>
-            </a:r>
-            <a:r>
-              <a:rPr lang="en-US" sz="1200" b="0" i="0" kern="1200" baseline="0" dirty="0" smtClean="0">
-                <a:solidFill>
-                  <a:schemeClr val="tx1"/>
-                </a:solidFill>
-                <a:effectLst/>
-                <a:latin typeface="+mn-lt"/>
-                <a:ea typeface="+mn-ea"/>
-                <a:cs typeface="+mn-cs"/>
-              </a:rPr>
-              <a:t> </a:t>
-            </a:r>
-            <a:r>
-              <a:rPr lang="en-US" sz="1200" b="0" i="0" kern="1200" baseline="0" dirty="0" err="1" smtClean="0">
-                <a:solidFill>
-                  <a:schemeClr val="tx1"/>
-                </a:solidFill>
-                <a:effectLst/>
-                <a:latin typeface="+mn-lt"/>
-                <a:ea typeface="+mn-ea"/>
-                <a:cs typeface="+mn-cs"/>
-              </a:rPr>
-              <a:t>nuevos</a:t>
-            </a:r>
-            <a:r>
-              <a:rPr lang="en-US" sz="1200" b="0" i="0" kern="1200" baseline="0" dirty="0" smtClean="0">
-                <a:solidFill>
-                  <a:schemeClr val="tx1"/>
-                </a:solidFill>
-                <a:effectLst/>
-                <a:latin typeface="+mn-lt"/>
-                <a:ea typeface="+mn-ea"/>
-                <a:cs typeface="+mn-cs"/>
-              </a:rPr>
-              <a:t> </a:t>
-            </a:r>
-            <a:r>
-              <a:rPr lang="en-US" sz="1200" b="0" i="0" kern="1200" baseline="0" dirty="0" err="1" smtClean="0">
-                <a:solidFill>
-                  <a:schemeClr val="tx1"/>
-                </a:solidFill>
-                <a:effectLst/>
-                <a:latin typeface="+mn-lt"/>
-                <a:ea typeface="+mn-ea"/>
-                <a:cs typeface="+mn-cs"/>
-              </a:rPr>
-              <a:t>casos</a:t>
-            </a:r>
-            <a:r>
-              <a:rPr lang="en-US" sz="1200" b="0" i="0" kern="1200" baseline="0" dirty="0" smtClean="0">
-                <a:solidFill>
-                  <a:schemeClr val="tx1"/>
-                </a:solidFill>
-                <a:effectLst/>
-                <a:latin typeface="+mn-lt"/>
-                <a:ea typeface="+mn-ea"/>
-                <a:cs typeface="+mn-cs"/>
-              </a:rPr>
-              <a:t> de </a:t>
-            </a:r>
-            <a:r>
-              <a:rPr lang="en-US" sz="1200" b="0" i="0" kern="1200" baseline="0" dirty="0" err="1" smtClean="0">
-                <a:solidFill>
-                  <a:schemeClr val="tx1"/>
-                </a:solidFill>
-                <a:effectLst/>
-                <a:latin typeface="+mn-lt"/>
-                <a:ea typeface="+mn-ea"/>
-                <a:cs typeface="+mn-cs"/>
-              </a:rPr>
-              <a:t>prueba</a:t>
-            </a:r>
-            <a:r>
-              <a:rPr lang="en-US" sz="1200" b="0" i="0" kern="1200" baseline="0" dirty="0" smtClean="0">
-                <a:solidFill>
-                  <a:schemeClr val="tx1"/>
-                </a:solidFill>
-                <a:effectLst/>
-                <a:latin typeface="+mn-lt"/>
-                <a:ea typeface="+mn-ea"/>
-                <a:cs typeface="+mn-cs"/>
-              </a:rPr>
-              <a:t> y </a:t>
-            </a:r>
-            <a:r>
-              <a:rPr lang="en-US" sz="1200" b="0" i="0" kern="1200" baseline="0" dirty="0" err="1" smtClean="0">
-                <a:solidFill>
-                  <a:schemeClr val="tx1"/>
-                </a:solidFill>
-                <a:effectLst/>
-                <a:latin typeface="+mn-lt"/>
-                <a:ea typeface="+mn-ea"/>
-                <a:cs typeface="+mn-cs"/>
-              </a:rPr>
-              <a:t>optimizando</a:t>
-            </a:r>
-            <a:r>
-              <a:rPr lang="en-US" sz="1200" b="0" i="0" kern="1200" baseline="0" dirty="0" smtClean="0">
-                <a:solidFill>
-                  <a:schemeClr val="tx1"/>
-                </a:solidFill>
-                <a:effectLst/>
-                <a:latin typeface="+mn-lt"/>
-                <a:ea typeface="+mn-ea"/>
-                <a:cs typeface="+mn-cs"/>
-              </a:rPr>
-              <a:t> </a:t>
-            </a:r>
-            <a:r>
-              <a:rPr lang="en-US" sz="1200" b="0" i="0" kern="1200" baseline="0" dirty="0" err="1" smtClean="0">
-                <a:solidFill>
-                  <a:schemeClr val="tx1"/>
-                </a:solidFill>
-                <a:effectLst/>
-                <a:latin typeface="+mn-lt"/>
-                <a:ea typeface="+mn-ea"/>
-                <a:cs typeface="+mn-cs"/>
-              </a:rPr>
-              <a:t>su</a:t>
-            </a:r>
-            <a:r>
-              <a:rPr lang="en-US" sz="1200" b="0" i="0" kern="1200" baseline="0" dirty="0" smtClean="0">
-                <a:solidFill>
-                  <a:schemeClr val="tx1"/>
-                </a:solidFill>
-                <a:effectLst/>
-                <a:latin typeface="+mn-lt"/>
-                <a:ea typeface="+mn-ea"/>
-                <a:cs typeface="+mn-cs"/>
-              </a:rPr>
-              <a:t> </a:t>
-            </a:r>
-            <a:r>
-              <a:rPr lang="en-US" sz="1200" b="0" i="0" kern="1200" baseline="0" dirty="0" err="1" smtClean="0">
-                <a:solidFill>
-                  <a:schemeClr val="tx1"/>
-                </a:solidFill>
-                <a:effectLst/>
-                <a:latin typeface="+mn-lt"/>
-                <a:ea typeface="+mn-ea"/>
-                <a:cs typeface="+mn-cs"/>
-              </a:rPr>
-              <a:t>trabajo</a:t>
-            </a:r>
-            <a:r>
-              <a:rPr lang="en-US" sz="1200" b="0" i="0" kern="1200" baseline="0" dirty="0" smtClean="0">
-                <a:solidFill>
-                  <a:schemeClr val="tx1"/>
-                </a:solidFill>
-                <a:effectLst/>
-                <a:latin typeface="+mn-lt"/>
-                <a:ea typeface="+mn-ea"/>
-                <a:cs typeface="+mn-cs"/>
-              </a:rPr>
-              <a:t>.</a:t>
-            </a:r>
             <a:endParaRPr lang="es-PE" dirty="0"/>
           </a:p>
         </p:txBody>
@@ -2346,866 +1675,35 @@
           <a:bodyPr/>
           <a:lstStyle/>
           <a:p>
-            <a:pPr marL="0" marR="0" indent="0" algn="l" defTabSz="914400" rtl="0" eaLnBrk="1" fontAlgn="auto" latinLnBrk="0" hangingPunct="1">
-              <a:lnSpc>
-                <a:spcPct val="100000"/>
-              </a:lnSpc>
-              <a:spcBef>
-                <a:spcPts val="0"/>
-              </a:spcBef>
-              <a:spcAft>
-                <a:spcPts val="0"/>
-              </a:spcAft>
-              <a:buClrTx/>
-              <a:buSzTx/>
+            <a:pPr marL="0" indent="0">
               <a:buFontTx/>
               <a:buNone/>
-              <a:tabLst/>
-              <a:defRPr/>
             </a:pPr>
             <a:r>
-              <a:rPr lang="en-US" sz="1200" b="0" i="0" kern="1200" dirty="0" smtClean="0">
-                <a:solidFill>
-                  <a:schemeClr val="tx1"/>
-                </a:solidFill>
-                <a:effectLst/>
-                <a:latin typeface="+mn-lt"/>
-                <a:ea typeface="+mn-ea"/>
-                <a:cs typeface="+mn-cs"/>
-              </a:rPr>
-              <a:t>Headless</a:t>
-            </a:r>
-            <a:r>
-              <a:rPr lang="en-US" sz="1200" b="0" i="0" kern="1200" baseline="0" dirty="0" smtClean="0">
-                <a:solidFill>
-                  <a:schemeClr val="tx1"/>
-                </a:solidFill>
-                <a:effectLst/>
-                <a:latin typeface="+mn-lt"/>
-                <a:ea typeface="+mn-ea"/>
-                <a:cs typeface="+mn-cs"/>
-              </a:rPr>
-              <a:t> Browser</a:t>
-            </a:r>
-            <a:endParaRPr lang="en-US" sz="1200" b="0" i="0" kern="1200" dirty="0" smtClean="0">
-              <a:solidFill>
-                <a:schemeClr val="tx1"/>
-              </a:solidFill>
-              <a:effectLst/>
-              <a:latin typeface="+mn-lt"/>
-              <a:ea typeface="+mn-ea"/>
-              <a:cs typeface="+mn-cs"/>
-            </a:endParaRPr>
-          </a:p>
-          <a:p>
-            <a:pPr marL="0" marR="0" indent="0" algn="l" defTabSz="914400" rtl="0" eaLnBrk="1" fontAlgn="auto" latinLnBrk="0" hangingPunct="1">
-              <a:lnSpc>
-                <a:spcPct val="100000"/>
-              </a:lnSpc>
-              <a:spcBef>
-                <a:spcPts val="0"/>
-              </a:spcBef>
-              <a:spcAft>
-                <a:spcPts val="0"/>
-              </a:spcAft>
-              <a:buClrTx/>
-              <a:buSzTx/>
+              <a:rPr lang="es-PE" noProof="0" dirty="0" smtClean="0"/>
+              <a:t>1. ¿Cuál es el costo de diseñar / ejecutar / mantener las pruebas?</a:t>
+            </a:r>
+          </a:p>
+          <a:p>
+            <a:pPr marL="0" indent="0">
               <a:buFontTx/>
               <a:buNone/>
-              <a:tabLst/>
-              <a:defRPr/>
             </a:pPr>
             <a:r>
-              <a:rPr lang="en-US" sz="1200" b="0" i="0" kern="1200" dirty="0" smtClean="0">
-                <a:solidFill>
-                  <a:schemeClr val="tx1"/>
-                </a:solidFill>
-                <a:effectLst/>
-                <a:latin typeface="+mn-lt"/>
-                <a:ea typeface="+mn-ea"/>
-                <a:cs typeface="+mn-cs"/>
-              </a:rPr>
-              <a:t>Is a web browser without a</a:t>
-            </a:r>
-            <a:r>
-              <a:rPr lang="en-US" sz="1200" b="0" i="0" kern="1200" baseline="0" dirty="0" smtClean="0">
-                <a:solidFill>
-                  <a:schemeClr val="tx1"/>
-                </a:solidFill>
-                <a:effectLst/>
-                <a:latin typeface="+mn-lt"/>
-                <a:ea typeface="+mn-ea"/>
-                <a:cs typeface="+mn-cs"/>
-              </a:rPr>
-              <a:t> UI</a:t>
-            </a:r>
-            <a:r>
-              <a:rPr lang="en-US" sz="1200" b="0" i="0" kern="1200" dirty="0" smtClean="0">
-                <a:solidFill>
-                  <a:schemeClr val="tx1"/>
-                </a:solidFill>
-                <a:effectLst/>
-                <a:latin typeface="+mn-lt"/>
-                <a:ea typeface="+mn-ea"/>
-                <a:cs typeface="+mn-cs"/>
-              </a:rPr>
-              <a:t>. In other words it is a browser, a piece of software, that access web pages but doesn’t show them to any human being. They’re actually used to provide the content of web pages to other programs.</a:t>
-            </a:r>
-          </a:p>
-          <a:p>
-            <a:pPr marL="0" marR="0" indent="0" algn="l" defTabSz="914400" rtl="0" eaLnBrk="1" fontAlgn="auto" latinLnBrk="0" hangingPunct="1">
-              <a:lnSpc>
-                <a:spcPct val="100000"/>
-              </a:lnSpc>
-              <a:spcBef>
-                <a:spcPts val="0"/>
-              </a:spcBef>
-              <a:spcAft>
-                <a:spcPts val="0"/>
-              </a:spcAft>
-              <a:buClrTx/>
-              <a:buSzTx/>
+              <a:rPr lang="es-PE" noProof="0" dirty="0" smtClean="0"/>
+              <a:t>2. ¿Qué dificultades encontraron para construir los casos?</a:t>
+            </a:r>
+          </a:p>
+          <a:p>
+            <a:pPr marL="0" indent="0">
               <a:buFontTx/>
               <a:buNone/>
-              <a:tabLst/>
-              <a:defRPr/>
             </a:pPr>
-            <a:endParaRPr lang="en-US" sz="1200" b="0" i="0" kern="1200" dirty="0" smtClean="0">
-              <a:solidFill>
-                <a:schemeClr val="tx1"/>
-              </a:solidFill>
-              <a:effectLst/>
-              <a:latin typeface="+mn-lt"/>
-              <a:ea typeface="+mn-ea"/>
-              <a:cs typeface="+mn-cs"/>
-            </a:endParaRPr>
-          </a:p>
-          <a:p>
-            <a:pPr marL="0" marR="0" indent="0" algn="l" defTabSz="914400" rtl="0" eaLnBrk="1" fontAlgn="auto" latinLnBrk="0" hangingPunct="1">
-              <a:lnSpc>
-                <a:spcPct val="100000"/>
-              </a:lnSpc>
-              <a:spcBef>
-                <a:spcPts val="0"/>
-              </a:spcBef>
-              <a:spcAft>
-                <a:spcPts val="0"/>
-              </a:spcAft>
-              <a:buClrTx/>
-              <a:buSzTx/>
-              <a:buFontTx/>
-              <a:buNone/>
-              <a:tabLst/>
-              <a:defRPr/>
-            </a:pPr>
-            <a:r>
-              <a:rPr lang="en-US" sz="1200" b="0" i="0" kern="1200" dirty="0" smtClean="0">
-                <a:solidFill>
-                  <a:schemeClr val="tx1"/>
-                </a:solidFill>
-                <a:effectLst/>
-                <a:latin typeface="+mn-lt"/>
-                <a:ea typeface="+mn-ea"/>
-                <a:cs typeface="+mn-cs"/>
-              </a:rPr>
-              <a:t>No son los </a:t>
-            </a:r>
-            <a:r>
-              <a:rPr lang="en-US" sz="1200" b="0" i="0" kern="1200" dirty="0" err="1" smtClean="0">
-                <a:solidFill>
-                  <a:schemeClr val="tx1"/>
-                </a:solidFill>
-                <a:effectLst/>
-                <a:latin typeface="+mn-lt"/>
-                <a:ea typeface="+mn-ea"/>
-                <a:cs typeface="+mn-cs"/>
-              </a:rPr>
-              <a:t>navegadores</a:t>
-            </a:r>
-            <a:r>
-              <a:rPr lang="en-US" sz="1200" b="0" i="0" kern="1200" baseline="0" dirty="0" smtClean="0">
-                <a:solidFill>
-                  <a:schemeClr val="tx1"/>
-                </a:solidFill>
-                <a:effectLst/>
-                <a:latin typeface="+mn-lt"/>
-                <a:ea typeface="+mn-ea"/>
-                <a:cs typeface="+mn-cs"/>
-              </a:rPr>
-              <a:t> </a:t>
-            </a:r>
-            <a:r>
-              <a:rPr lang="en-US" sz="1200" b="0" i="0" kern="1200" baseline="0" dirty="0" err="1" smtClean="0">
-                <a:solidFill>
-                  <a:schemeClr val="tx1"/>
-                </a:solidFill>
-                <a:effectLst/>
-                <a:latin typeface="+mn-lt"/>
-                <a:ea typeface="+mn-ea"/>
-                <a:cs typeface="+mn-cs"/>
-              </a:rPr>
-              <a:t>como</a:t>
-            </a:r>
-            <a:r>
-              <a:rPr lang="en-US" sz="1200" b="0" i="0" kern="1200" baseline="0" dirty="0" smtClean="0">
-                <a:solidFill>
-                  <a:schemeClr val="tx1"/>
-                </a:solidFill>
-                <a:effectLst/>
-                <a:latin typeface="+mn-lt"/>
-                <a:ea typeface="+mn-ea"/>
-                <a:cs typeface="+mn-cs"/>
-              </a:rPr>
-              <a:t> </a:t>
-            </a:r>
-            <a:r>
-              <a:rPr lang="en-US" sz="1200" b="0" i="0" kern="1200" baseline="0" dirty="0" err="1" smtClean="0">
-                <a:solidFill>
-                  <a:schemeClr val="tx1"/>
-                </a:solidFill>
-                <a:effectLst/>
-                <a:latin typeface="+mn-lt"/>
-                <a:ea typeface="+mn-ea"/>
-                <a:cs typeface="+mn-cs"/>
-              </a:rPr>
-              <a:t>tal</a:t>
-            </a:r>
-            <a:r>
-              <a:rPr lang="en-US" sz="1200" b="0" i="0" kern="1200" baseline="0" dirty="0" smtClean="0">
-                <a:solidFill>
-                  <a:schemeClr val="tx1"/>
-                </a:solidFill>
-                <a:effectLst/>
-                <a:latin typeface="+mn-lt"/>
-                <a:ea typeface="+mn-ea"/>
-                <a:cs typeface="+mn-cs"/>
-              </a:rPr>
-              <a:t>, </a:t>
-            </a:r>
-            <a:r>
-              <a:rPr lang="en-US" sz="1200" b="0" i="0" kern="1200" baseline="0" dirty="0" err="1" smtClean="0">
-                <a:solidFill>
-                  <a:schemeClr val="tx1"/>
-                </a:solidFill>
-                <a:effectLst/>
-                <a:latin typeface="+mn-lt"/>
-                <a:ea typeface="+mn-ea"/>
-                <a:cs typeface="+mn-cs"/>
-              </a:rPr>
-              <a:t>sino</a:t>
-            </a:r>
-            <a:r>
-              <a:rPr lang="en-US" sz="1200" b="0" i="0" kern="1200" baseline="0" dirty="0" smtClean="0">
-                <a:solidFill>
-                  <a:schemeClr val="tx1"/>
-                </a:solidFill>
-                <a:effectLst/>
-                <a:latin typeface="+mn-lt"/>
-                <a:ea typeface="+mn-ea"/>
-                <a:cs typeface="+mn-cs"/>
-              </a:rPr>
-              <a:t> </a:t>
-            </a:r>
-            <a:r>
-              <a:rPr lang="en-US" sz="1200" b="0" i="0" kern="1200" baseline="0" dirty="0" err="1" smtClean="0">
-                <a:solidFill>
-                  <a:schemeClr val="tx1"/>
-                </a:solidFill>
-                <a:effectLst/>
-                <a:latin typeface="+mn-lt"/>
-                <a:ea typeface="+mn-ea"/>
-                <a:cs typeface="+mn-cs"/>
-              </a:rPr>
-              <a:t>emulan</a:t>
-            </a:r>
-            <a:r>
-              <a:rPr lang="en-US" sz="1200" b="0" i="0" kern="1200" baseline="0" dirty="0" smtClean="0">
-                <a:solidFill>
-                  <a:schemeClr val="tx1"/>
-                </a:solidFill>
-                <a:effectLst/>
-                <a:latin typeface="+mn-lt"/>
-                <a:ea typeface="+mn-ea"/>
-                <a:cs typeface="+mn-cs"/>
-              </a:rPr>
-              <a:t> el </a:t>
-            </a:r>
-            <a:r>
-              <a:rPr lang="en-US" sz="1200" b="0" i="0" kern="1200" baseline="0" dirty="0" err="1" smtClean="0">
-                <a:solidFill>
-                  <a:schemeClr val="tx1"/>
-                </a:solidFill>
-                <a:effectLst/>
-                <a:latin typeface="+mn-lt"/>
-                <a:ea typeface="+mn-ea"/>
-                <a:cs typeface="+mn-cs"/>
-              </a:rPr>
-              <a:t>comportamiento</a:t>
-            </a:r>
-            <a:r>
-              <a:rPr lang="en-US" sz="1200" b="0" i="0" kern="1200" baseline="0" dirty="0" smtClean="0">
-                <a:solidFill>
-                  <a:schemeClr val="tx1"/>
-                </a:solidFill>
-                <a:effectLst/>
-                <a:latin typeface="+mn-lt"/>
-                <a:ea typeface="+mn-ea"/>
-                <a:cs typeface="+mn-cs"/>
-              </a:rPr>
-              <a:t> del </a:t>
-            </a:r>
-            <a:r>
-              <a:rPr lang="en-US" sz="1200" b="0" i="0" kern="1200" baseline="0" dirty="0" err="1" smtClean="0">
-                <a:solidFill>
-                  <a:schemeClr val="tx1"/>
-                </a:solidFill>
-                <a:effectLst/>
-                <a:latin typeface="+mn-lt"/>
-                <a:ea typeface="+mn-ea"/>
-                <a:cs typeface="+mn-cs"/>
-              </a:rPr>
-              <a:t>navegador</a:t>
-            </a:r>
-            <a:r>
-              <a:rPr lang="en-US" sz="1200" b="0" i="0" kern="1200" baseline="0" dirty="0" smtClean="0">
-                <a:solidFill>
-                  <a:schemeClr val="tx1"/>
-                </a:solidFill>
-                <a:effectLst/>
-                <a:latin typeface="+mn-lt"/>
-                <a:ea typeface="+mn-ea"/>
-                <a:cs typeface="+mn-cs"/>
-              </a:rPr>
-              <a:t>, </a:t>
-            </a:r>
-            <a:r>
-              <a:rPr lang="en-US" sz="1200" b="0" i="0" kern="1200" baseline="0" dirty="0" err="1" smtClean="0">
-                <a:solidFill>
-                  <a:schemeClr val="tx1"/>
-                </a:solidFill>
-                <a:effectLst/>
-                <a:latin typeface="+mn-lt"/>
-                <a:ea typeface="+mn-ea"/>
-                <a:cs typeface="+mn-cs"/>
-              </a:rPr>
-              <a:t>como</a:t>
-            </a:r>
-            <a:r>
-              <a:rPr lang="en-US" sz="1200" b="0" i="0" kern="1200" baseline="0" dirty="0" smtClean="0">
-                <a:solidFill>
-                  <a:schemeClr val="tx1"/>
-                </a:solidFill>
-                <a:effectLst/>
-                <a:latin typeface="+mn-lt"/>
-                <a:ea typeface="+mn-ea"/>
-                <a:cs typeface="+mn-cs"/>
-              </a:rPr>
-              <a:t> son </a:t>
-            </a:r>
-            <a:r>
-              <a:rPr lang="en-US" sz="1200" b="0" i="0" kern="1200" baseline="0" dirty="0" err="1" smtClean="0">
-                <a:solidFill>
-                  <a:schemeClr val="tx1"/>
-                </a:solidFill>
-                <a:effectLst/>
-                <a:latin typeface="+mn-lt"/>
-                <a:ea typeface="+mn-ea"/>
-                <a:cs typeface="+mn-cs"/>
-              </a:rPr>
-              <a:t>son</a:t>
-            </a:r>
-            <a:r>
-              <a:rPr lang="en-US" sz="1200" b="0" i="0" kern="1200" baseline="0" dirty="0" smtClean="0">
-                <a:solidFill>
-                  <a:schemeClr val="tx1"/>
-                </a:solidFill>
-                <a:effectLst/>
-                <a:latin typeface="+mn-lt"/>
-                <a:ea typeface="+mn-ea"/>
-                <a:cs typeface="+mn-cs"/>
-              </a:rPr>
-              <a:t> </a:t>
-            </a:r>
-            <a:r>
-              <a:rPr lang="en-US" sz="1200" b="0" i="0" kern="1200" baseline="0" dirty="0" err="1" smtClean="0">
-                <a:solidFill>
-                  <a:schemeClr val="tx1"/>
-                </a:solidFill>
-                <a:effectLst/>
-                <a:latin typeface="+mn-lt"/>
-                <a:ea typeface="+mn-ea"/>
-                <a:cs typeface="+mn-cs"/>
-              </a:rPr>
-              <a:t>navegadores</a:t>
-            </a:r>
-            <a:r>
-              <a:rPr lang="en-US" sz="1200" b="0" i="0" kern="1200" baseline="0" dirty="0" smtClean="0">
-                <a:solidFill>
-                  <a:schemeClr val="tx1"/>
-                </a:solidFill>
-                <a:effectLst/>
-                <a:latin typeface="+mn-lt"/>
-                <a:ea typeface="+mn-ea"/>
-                <a:cs typeface="+mn-cs"/>
-              </a:rPr>
-              <a:t> no </a:t>
-            </a:r>
-            <a:r>
-              <a:rPr lang="en-US" sz="1200" b="0" i="0" kern="1200" baseline="0" dirty="0" err="1" smtClean="0">
-                <a:solidFill>
-                  <a:schemeClr val="tx1"/>
-                </a:solidFill>
-                <a:effectLst/>
-                <a:latin typeface="+mn-lt"/>
-                <a:ea typeface="+mn-ea"/>
-                <a:cs typeface="+mn-cs"/>
-              </a:rPr>
-              <a:t>soportan</a:t>
-            </a:r>
-            <a:r>
-              <a:rPr lang="en-US" sz="1200" b="0" i="0" kern="1200" baseline="0" dirty="0" smtClean="0">
-                <a:solidFill>
-                  <a:schemeClr val="tx1"/>
-                </a:solidFill>
-                <a:effectLst/>
-                <a:latin typeface="+mn-lt"/>
-                <a:ea typeface="+mn-ea"/>
-                <a:cs typeface="+mn-cs"/>
-              </a:rPr>
-              <a:t> </a:t>
-            </a:r>
-            <a:r>
-              <a:rPr lang="en-US" sz="1200" b="0" i="0" kern="1200" baseline="0" dirty="0" err="1" smtClean="0">
-                <a:solidFill>
-                  <a:schemeClr val="tx1"/>
-                </a:solidFill>
-                <a:effectLst/>
-                <a:latin typeface="+mn-lt"/>
-                <a:ea typeface="+mn-ea"/>
-                <a:cs typeface="+mn-cs"/>
-              </a:rPr>
-              <a:t>todas</a:t>
-            </a:r>
-            <a:r>
-              <a:rPr lang="en-US" sz="1200" b="0" i="0" kern="1200" baseline="0" dirty="0" smtClean="0">
-                <a:solidFill>
-                  <a:schemeClr val="tx1"/>
-                </a:solidFill>
-                <a:effectLst/>
-                <a:latin typeface="+mn-lt"/>
-                <a:ea typeface="+mn-ea"/>
-                <a:cs typeface="+mn-cs"/>
-              </a:rPr>
-              <a:t> </a:t>
-            </a:r>
-            <a:r>
-              <a:rPr lang="en-US" sz="1200" b="0" i="0" kern="1200" baseline="0" dirty="0" err="1" smtClean="0">
-                <a:solidFill>
-                  <a:schemeClr val="tx1"/>
-                </a:solidFill>
-                <a:effectLst/>
-                <a:latin typeface="+mn-lt"/>
-                <a:ea typeface="+mn-ea"/>
-                <a:cs typeface="+mn-cs"/>
-              </a:rPr>
-              <a:t>las</a:t>
-            </a:r>
-            <a:r>
-              <a:rPr lang="en-US" sz="1200" b="0" i="0" kern="1200" baseline="0" dirty="0" smtClean="0">
-                <a:solidFill>
-                  <a:schemeClr val="tx1"/>
-                </a:solidFill>
-                <a:effectLst/>
-                <a:latin typeface="+mn-lt"/>
-                <a:ea typeface="+mn-ea"/>
-                <a:cs typeface="+mn-cs"/>
-              </a:rPr>
-              <a:t> </a:t>
-            </a:r>
-            <a:r>
-              <a:rPr lang="en-US" sz="1200" b="0" i="0" kern="1200" baseline="0" dirty="0" err="1" smtClean="0">
-                <a:solidFill>
-                  <a:schemeClr val="tx1"/>
-                </a:solidFill>
-                <a:effectLst/>
-                <a:latin typeface="+mn-lt"/>
-                <a:ea typeface="+mn-ea"/>
-                <a:cs typeface="+mn-cs"/>
-              </a:rPr>
-              <a:t>características</a:t>
-            </a:r>
-            <a:r>
-              <a:rPr lang="en-US" sz="1200" b="0" i="0" kern="1200" baseline="0" dirty="0" smtClean="0">
-                <a:solidFill>
-                  <a:schemeClr val="tx1"/>
-                </a:solidFill>
-                <a:effectLst/>
-                <a:latin typeface="+mn-lt"/>
-                <a:ea typeface="+mn-ea"/>
-                <a:cs typeface="+mn-cs"/>
-              </a:rPr>
-              <a:t> de </a:t>
-            </a:r>
-            <a:r>
-              <a:rPr lang="en-US" sz="1200" b="0" i="0" kern="1200" baseline="0" dirty="0" err="1" smtClean="0">
-                <a:solidFill>
-                  <a:schemeClr val="tx1"/>
-                </a:solidFill>
-                <a:effectLst/>
-                <a:latin typeface="+mn-lt"/>
-                <a:ea typeface="+mn-ea"/>
-                <a:cs typeface="+mn-cs"/>
-              </a:rPr>
-              <a:t>estos</a:t>
-            </a:r>
-            <a:r>
-              <a:rPr lang="en-US" sz="1200" b="0" i="0" kern="1200" baseline="0" dirty="0" smtClean="0">
-                <a:solidFill>
-                  <a:schemeClr val="tx1"/>
-                </a:solidFill>
-                <a:effectLst/>
-                <a:latin typeface="+mn-lt"/>
-                <a:ea typeface="+mn-ea"/>
-                <a:cs typeface="+mn-cs"/>
-              </a:rPr>
-              <a:t>, </a:t>
-            </a:r>
-            <a:r>
-              <a:rPr lang="en-US" sz="1200" b="0" i="0" kern="1200" baseline="0" dirty="0" err="1" smtClean="0">
-                <a:solidFill>
-                  <a:schemeClr val="tx1"/>
-                </a:solidFill>
-                <a:effectLst/>
-                <a:latin typeface="+mn-lt"/>
-                <a:ea typeface="+mn-ea"/>
-                <a:cs typeface="+mn-cs"/>
-              </a:rPr>
-              <a:t>especialmente</a:t>
-            </a:r>
-            <a:r>
-              <a:rPr lang="en-US" sz="1200" b="0" i="0" kern="1200" baseline="0" dirty="0" smtClean="0">
-                <a:solidFill>
-                  <a:schemeClr val="tx1"/>
-                </a:solidFill>
-                <a:effectLst/>
-                <a:latin typeface="+mn-lt"/>
-                <a:ea typeface="+mn-ea"/>
-                <a:cs typeface="+mn-cs"/>
-              </a:rPr>
-              <a:t> </a:t>
-            </a:r>
-            <a:r>
-              <a:rPr lang="en-US" sz="1200" b="0" i="0" kern="1200" baseline="0" dirty="0" err="1" smtClean="0">
-                <a:solidFill>
-                  <a:schemeClr val="tx1"/>
-                </a:solidFill>
-                <a:effectLst/>
-                <a:latin typeface="+mn-lt"/>
-                <a:ea typeface="+mn-ea"/>
-                <a:cs typeface="+mn-cs"/>
-              </a:rPr>
-              <a:t>algunas</a:t>
-            </a:r>
-            <a:r>
-              <a:rPr lang="en-US" sz="1200" b="0" i="0" kern="1200" baseline="0" dirty="0" smtClean="0">
-                <a:solidFill>
-                  <a:schemeClr val="tx1"/>
-                </a:solidFill>
-                <a:effectLst/>
-                <a:latin typeface="+mn-lt"/>
-                <a:ea typeface="+mn-ea"/>
-                <a:cs typeface="+mn-cs"/>
-              </a:rPr>
-              <a:t> </a:t>
-            </a:r>
-            <a:r>
-              <a:rPr lang="en-US" sz="1200" b="0" i="0" kern="1200" baseline="0" dirty="0" err="1" smtClean="0">
-                <a:solidFill>
-                  <a:schemeClr val="tx1"/>
-                </a:solidFill>
-                <a:effectLst/>
-                <a:latin typeface="+mn-lt"/>
-                <a:ea typeface="+mn-ea"/>
-                <a:cs typeface="+mn-cs"/>
-              </a:rPr>
-              <a:t>cosas</a:t>
-            </a:r>
-            <a:r>
-              <a:rPr lang="en-US" sz="1200" b="0" i="0" kern="1200" baseline="0" dirty="0" smtClean="0">
-                <a:solidFill>
-                  <a:schemeClr val="tx1"/>
-                </a:solidFill>
-                <a:effectLst/>
-                <a:latin typeface="+mn-lt"/>
-                <a:ea typeface="+mn-ea"/>
-                <a:cs typeface="+mn-cs"/>
-              </a:rPr>
-              <a:t> de HTML 5 y JS.  </a:t>
-            </a:r>
-          </a:p>
-          <a:p>
-            <a:pPr marL="0" marR="0" indent="0" algn="l" defTabSz="914400" rtl="0" eaLnBrk="1" fontAlgn="auto" latinLnBrk="0" hangingPunct="1">
-              <a:lnSpc>
-                <a:spcPct val="100000"/>
-              </a:lnSpc>
-              <a:spcBef>
-                <a:spcPts val="0"/>
-              </a:spcBef>
-              <a:spcAft>
-                <a:spcPts val="0"/>
-              </a:spcAft>
-              <a:buClrTx/>
-              <a:buSzTx/>
-              <a:buFontTx/>
-              <a:buNone/>
-              <a:tabLst/>
-              <a:defRPr/>
-            </a:pPr>
-            <a:endParaRPr lang="en-US" sz="1200" b="0" i="0" kern="1200" baseline="0" dirty="0" smtClean="0">
-              <a:solidFill>
-                <a:schemeClr val="tx1"/>
-              </a:solidFill>
-              <a:effectLst/>
-              <a:latin typeface="+mn-lt"/>
-              <a:ea typeface="+mn-ea"/>
-              <a:cs typeface="+mn-cs"/>
-            </a:endParaRPr>
-          </a:p>
-          <a:p>
-            <a:pPr marL="0" marR="0" indent="0" algn="l" defTabSz="914400" rtl="0" eaLnBrk="1" fontAlgn="auto" latinLnBrk="0" hangingPunct="1">
-              <a:lnSpc>
-                <a:spcPct val="100000"/>
-              </a:lnSpc>
-              <a:spcBef>
-                <a:spcPts val="0"/>
-              </a:spcBef>
-              <a:spcAft>
-                <a:spcPts val="0"/>
-              </a:spcAft>
-              <a:buClrTx/>
-              <a:buSzTx/>
-              <a:buFontTx/>
-              <a:buNone/>
-              <a:tabLst/>
-              <a:defRPr/>
-            </a:pPr>
-            <a:r>
-              <a:rPr lang="en-US" sz="1200" b="0" i="0" kern="1200" baseline="0" dirty="0" err="1" smtClean="0">
-                <a:solidFill>
-                  <a:schemeClr val="tx1"/>
-                </a:solidFill>
-                <a:effectLst/>
-                <a:latin typeface="+mn-lt"/>
-                <a:ea typeface="+mn-ea"/>
-                <a:cs typeface="+mn-cs"/>
-              </a:rPr>
-              <a:t>Algunos</a:t>
-            </a:r>
-            <a:r>
-              <a:rPr lang="en-US" sz="1200" b="0" i="0" kern="1200" baseline="0" dirty="0" smtClean="0">
-                <a:solidFill>
-                  <a:schemeClr val="tx1"/>
-                </a:solidFill>
-                <a:effectLst/>
-                <a:latin typeface="+mn-lt"/>
-                <a:ea typeface="+mn-ea"/>
-                <a:cs typeface="+mn-cs"/>
-              </a:rPr>
-              <a:t> </a:t>
-            </a:r>
-            <a:r>
-              <a:rPr lang="en-US" sz="1200" b="0" i="0" kern="1200" baseline="0" dirty="0" err="1" smtClean="0">
-                <a:solidFill>
-                  <a:schemeClr val="tx1"/>
-                </a:solidFill>
-                <a:effectLst/>
-                <a:latin typeface="+mn-lt"/>
-                <a:ea typeface="+mn-ea"/>
-                <a:cs typeface="+mn-cs"/>
-              </a:rPr>
-              <a:t>basados</a:t>
-            </a:r>
-            <a:r>
-              <a:rPr lang="en-US" sz="1200" b="0" i="0" kern="1200" baseline="0" dirty="0" smtClean="0">
-                <a:solidFill>
-                  <a:schemeClr val="tx1"/>
-                </a:solidFill>
-                <a:effectLst/>
-                <a:latin typeface="+mn-lt"/>
-                <a:ea typeface="+mn-ea"/>
-                <a:cs typeface="+mn-cs"/>
-              </a:rPr>
-              <a:t> en </a:t>
-            </a:r>
-            <a:r>
-              <a:rPr lang="en-US" sz="1200" b="0" i="0" kern="1200" baseline="0" dirty="0" err="1" smtClean="0">
-                <a:solidFill>
-                  <a:schemeClr val="tx1"/>
-                </a:solidFill>
-                <a:effectLst/>
-                <a:latin typeface="+mn-lt"/>
-                <a:ea typeface="+mn-ea"/>
-                <a:cs typeface="+mn-cs"/>
-              </a:rPr>
-              <a:t>motores</a:t>
-            </a:r>
-            <a:r>
-              <a:rPr lang="en-US" sz="1200" b="0" i="0" kern="1200" baseline="0" dirty="0" smtClean="0">
-                <a:solidFill>
-                  <a:schemeClr val="tx1"/>
-                </a:solidFill>
-                <a:effectLst/>
-                <a:latin typeface="+mn-lt"/>
-                <a:ea typeface="+mn-ea"/>
-                <a:cs typeface="+mn-cs"/>
-              </a:rPr>
-              <a:t> </a:t>
-            </a:r>
-            <a:r>
-              <a:rPr lang="en-US" sz="1200" b="0" i="0" kern="1200" baseline="0" dirty="0" err="1" smtClean="0">
-                <a:solidFill>
-                  <a:schemeClr val="tx1"/>
-                </a:solidFill>
-                <a:effectLst/>
-                <a:latin typeface="+mn-lt"/>
-                <a:ea typeface="+mn-ea"/>
-                <a:cs typeface="+mn-cs"/>
-              </a:rPr>
-              <a:t>como</a:t>
-            </a:r>
-            <a:r>
-              <a:rPr lang="en-US" sz="1200" b="0" i="0" kern="1200" baseline="0" dirty="0" smtClean="0">
-                <a:solidFill>
-                  <a:schemeClr val="tx1"/>
-                </a:solidFill>
-                <a:effectLst/>
-                <a:latin typeface="+mn-lt"/>
-                <a:ea typeface="+mn-ea"/>
-                <a:cs typeface="+mn-cs"/>
-              </a:rPr>
-              <a:t> </a:t>
-            </a:r>
-            <a:r>
-              <a:rPr lang="en-US" sz="1200" b="0" i="0" kern="1200" baseline="0" dirty="0" err="1" smtClean="0">
-                <a:solidFill>
-                  <a:schemeClr val="tx1"/>
-                </a:solidFill>
-                <a:effectLst/>
-                <a:latin typeface="+mn-lt"/>
-                <a:ea typeface="+mn-ea"/>
-                <a:cs typeface="+mn-cs"/>
-              </a:rPr>
-              <a:t>Webkit</a:t>
-            </a:r>
-            <a:r>
-              <a:rPr lang="en-US" sz="1200" b="0" i="0" kern="1200" baseline="0" dirty="0" smtClean="0">
-                <a:solidFill>
-                  <a:schemeClr val="tx1"/>
-                </a:solidFill>
-                <a:effectLst/>
-                <a:latin typeface="+mn-lt"/>
-                <a:ea typeface="+mn-ea"/>
-                <a:cs typeface="+mn-cs"/>
-              </a:rPr>
-              <a:t> (motor </a:t>
-            </a:r>
-            <a:r>
-              <a:rPr lang="en-US" sz="1200" b="0" i="0" kern="1200" baseline="0" dirty="0" err="1" smtClean="0">
-                <a:solidFill>
-                  <a:schemeClr val="tx1"/>
-                </a:solidFill>
-                <a:effectLst/>
-                <a:latin typeface="+mn-lt"/>
-                <a:ea typeface="+mn-ea"/>
-                <a:cs typeface="+mn-cs"/>
-              </a:rPr>
-              <a:t>sobre</a:t>
-            </a:r>
-            <a:r>
-              <a:rPr lang="en-US" sz="1200" b="0" i="0" kern="1200" baseline="0" dirty="0" smtClean="0">
-                <a:solidFill>
-                  <a:schemeClr val="tx1"/>
-                </a:solidFill>
-                <a:effectLst/>
-                <a:latin typeface="+mn-lt"/>
-                <a:ea typeface="+mn-ea"/>
-                <a:cs typeface="+mn-cs"/>
-              </a:rPr>
-              <a:t> el </a:t>
-            </a:r>
-            <a:r>
-              <a:rPr lang="en-US" sz="1200" b="0" i="0" kern="1200" baseline="0" dirty="0" err="1" smtClean="0">
-                <a:solidFill>
-                  <a:schemeClr val="tx1"/>
-                </a:solidFill>
-                <a:effectLst/>
-                <a:latin typeface="+mn-lt"/>
-                <a:ea typeface="+mn-ea"/>
-                <a:cs typeface="+mn-cs"/>
-              </a:rPr>
-              <a:t>cuál</a:t>
-            </a:r>
-            <a:r>
-              <a:rPr lang="en-US" sz="1200" b="0" i="0" kern="1200" baseline="0" dirty="0" smtClean="0">
-                <a:solidFill>
-                  <a:schemeClr val="tx1"/>
-                </a:solidFill>
-                <a:effectLst/>
-                <a:latin typeface="+mn-lt"/>
-                <a:ea typeface="+mn-ea"/>
-                <a:cs typeface="+mn-cs"/>
-              </a:rPr>
-              <a:t> se </a:t>
-            </a:r>
-            <a:r>
-              <a:rPr lang="en-US" sz="1200" b="0" i="0" kern="1200" baseline="0" dirty="0" err="1" smtClean="0">
-                <a:solidFill>
-                  <a:schemeClr val="tx1"/>
-                </a:solidFill>
-                <a:effectLst/>
-                <a:latin typeface="+mn-lt"/>
-                <a:ea typeface="+mn-ea"/>
-                <a:cs typeface="+mn-cs"/>
-              </a:rPr>
-              <a:t>basan</a:t>
-            </a:r>
-            <a:r>
-              <a:rPr lang="en-US" sz="1200" b="0" i="0" kern="1200" baseline="0" dirty="0" smtClean="0">
-                <a:solidFill>
-                  <a:schemeClr val="tx1"/>
-                </a:solidFill>
-                <a:effectLst/>
-                <a:latin typeface="+mn-lt"/>
-                <a:ea typeface="+mn-ea"/>
-                <a:cs typeface="+mn-cs"/>
-              </a:rPr>
-              <a:t> los </a:t>
-            </a:r>
-            <a:r>
-              <a:rPr lang="en-US" sz="1200" b="0" i="0" kern="1200" baseline="0" dirty="0" err="1" smtClean="0">
-                <a:solidFill>
-                  <a:schemeClr val="tx1"/>
-                </a:solidFill>
-                <a:effectLst/>
-                <a:latin typeface="+mn-lt"/>
-                <a:ea typeface="+mn-ea"/>
-                <a:cs typeface="+mn-cs"/>
-              </a:rPr>
-              <a:t>navegadores</a:t>
-            </a:r>
-            <a:r>
-              <a:rPr lang="en-US" sz="1200" b="0" i="0" kern="1200" baseline="0" dirty="0" smtClean="0">
-                <a:solidFill>
-                  <a:schemeClr val="tx1"/>
-                </a:solidFill>
-                <a:effectLst/>
-                <a:latin typeface="+mn-lt"/>
-                <a:ea typeface="+mn-ea"/>
-                <a:cs typeface="+mn-cs"/>
-              </a:rPr>
-              <a:t> chrome y safari)</a:t>
-            </a:r>
-            <a:endParaRPr lang="es-PE" dirty="0"/>
+            <a:r>
+              <a:rPr lang="es-PE" noProof="0" dirty="0" smtClean="0"/>
+              <a:t>3. ¿Pueden usar estos casos para carga masiva de datos? ¿Cómo, qué necesitarían hacer?</a:t>
+            </a:r>
+            <a:endParaRPr lang="es-PE" noProof="0" dirty="0"/>
           </a:p>
         </p:txBody>
       </p:sp>
@@ -3228,7 +1726,7 @@
               <a:rPr lang="es-PE" smtClean="0"/>
               <a:t>19</a:t>
             </a:fld>
-            <a:endParaRPr lang="es-PE"/>
+            <a:endParaRPr lang="es-PE" dirty="0"/>
           </a:p>
         </p:txBody>
       </p:sp>
@@ -3390,6 +1888,705 @@
               <a:tabLst/>
               <a:defRPr/>
             </a:pPr>
+            <a:r>
+              <a:rPr lang="en-US" sz="1200" b="0" i="0" kern="1200" dirty="0" err="1" smtClean="0">
+                <a:solidFill>
+                  <a:schemeClr val="tx1"/>
+                </a:solidFill>
+                <a:effectLst/>
+                <a:latin typeface="+mn-lt"/>
+                <a:ea typeface="+mn-ea"/>
+                <a:cs typeface="+mn-cs"/>
+              </a:rPr>
+              <a:t>Reproducción</a:t>
+            </a:r>
+            <a:r>
+              <a:rPr lang="en-US" sz="1200" b="0" i="0" kern="1200" baseline="0" dirty="0" smtClean="0">
+                <a:solidFill>
+                  <a:schemeClr val="tx1"/>
+                </a:solidFill>
+                <a:effectLst/>
+                <a:latin typeface="+mn-lt"/>
+                <a:ea typeface="+mn-ea"/>
+                <a:cs typeface="+mn-cs"/>
+              </a:rPr>
+              <a:t> de bugs.</a:t>
+            </a:r>
+            <a:endParaRPr lang="en-US" sz="1200" b="0" i="0" kern="1200" dirty="0" smtClean="0">
+              <a:solidFill>
+                <a:schemeClr val="tx1"/>
+              </a:solidFill>
+              <a:effectLst/>
+              <a:latin typeface="+mn-lt"/>
+              <a:ea typeface="+mn-ea"/>
+              <a:cs typeface="+mn-cs"/>
+            </a:endParaRPr>
+          </a:p>
+          <a:p>
+            <a:pPr marL="0" marR="0" indent="0" algn="l" defTabSz="914400" rtl="0" eaLnBrk="1" fontAlgn="auto" latinLnBrk="0" hangingPunct="1">
+              <a:lnSpc>
+                <a:spcPct val="100000"/>
+              </a:lnSpc>
+              <a:spcBef>
+                <a:spcPts val="0"/>
+              </a:spcBef>
+              <a:spcAft>
+                <a:spcPts val="0"/>
+              </a:spcAft>
+              <a:buClrTx/>
+              <a:buSzTx/>
+              <a:buFontTx/>
+              <a:buNone/>
+              <a:tabLst/>
+              <a:defRPr/>
+            </a:pPr>
+            <a:r>
+              <a:rPr lang="en-US" sz="1200" b="0" i="0" kern="1200" dirty="0" smtClean="0">
+                <a:solidFill>
+                  <a:schemeClr val="tx1"/>
+                </a:solidFill>
+                <a:effectLst/>
+                <a:latin typeface="+mn-lt"/>
+                <a:ea typeface="+mn-ea"/>
+                <a:cs typeface="+mn-cs"/>
+              </a:rPr>
+              <a:t>I ask testers to record their steps and attach the script to their defects. This is a simple way to communicate exactly how they found an issue.  This technique significantly cuts down on communication overhead.</a:t>
+            </a:r>
+          </a:p>
+          <a:p>
+            <a:pPr marL="0" marR="0" indent="0" algn="l" defTabSz="914400" rtl="0" eaLnBrk="1" fontAlgn="auto" latinLnBrk="0" hangingPunct="1">
+              <a:lnSpc>
+                <a:spcPct val="100000"/>
+              </a:lnSpc>
+              <a:spcBef>
+                <a:spcPts val="0"/>
+              </a:spcBef>
+              <a:spcAft>
+                <a:spcPts val="0"/>
+              </a:spcAft>
+              <a:buClrTx/>
+              <a:buSzTx/>
+              <a:buFontTx/>
+              <a:buNone/>
+              <a:tabLst/>
+              <a:defRPr/>
+            </a:pPr>
+            <a:endParaRPr lang="en-US" sz="1200" b="0" i="0" kern="1200" dirty="0" smtClean="0">
+              <a:solidFill>
+                <a:schemeClr val="tx1"/>
+              </a:solidFill>
+              <a:effectLst/>
+              <a:latin typeface="+mn-lt"/>
+              <a:ea typeface="+mn-ea"/>
+              <a:cs typeface="+mn-cs"/>
+            </a:endParaRPr>
+          </a:p>
+          <a:p>
+            <a:pPr marL="0" marR="0" indent="0" algn="l" defTabSz="914400" rtl="0" eaLnBrk="1" fontAlgn="auto" latinLnBrk="0" hangingPunct="1">
+              <a:lnSpc>
+                <a:spcPct val="100000"/>
+              </a:lnSpc>
+              <a:spcBef>
+                <a:spcPts val="0"/>
+              </a:spcBef>
+              <a:spcAft>
+                <a:spcPts val="0"/>
+              </a:spcAft>
+              <a:buClrTx/>
+              <a:buSzTx/>
+              <a:buFontTx/>
+              <a:buNone/>
+              <a:tabLst/>
+              <a:defRPr/>
+            </a:pPr>
+            <a:r>
+              <a:rPr lang="en-US" sz="1200" b="0" i="0" kern="1200" dirty="0" smtClean="0">
+                <a:solidFill>
+                  <a:schemeClr val="tx1"/>
+                </a:solidFill>
+                <a:effectLst/>
+                <a:latin typeface="+mn-lt"/>
+                <a:ea typeface="+mn-ea"/>
+                <a:cs typeface="+mn-cs"/>
+              </a:rPr>
+              <a:t>Exploratory Testing: </a:t>
+            </a:r>
+            <a:r>
+              <a:rPr lang="en-US" sz="1200" b="0" i="0" kern="1200" dirty="0" err="1" smtClean="0">
+                <a:solidFill>
+                  <a:schemeClr val="tx1"/>
+                </a:solidFill>
+                <a:effectLst/>
+                <a:latin typeface="+mn-lt"/>
+                <a:ea typeface="+mn-ea"/>
+                <a:cs typeface="+mn-cs"/>
+              </a:rPr>
+              <a:t>Es</a:t>
+            </a:r>
+            <a:r>
+              <a:rPr lang="en-US" sz="1200" b="0" i="0" kern="1200" dirty="0" smtClean="0">
+                <a:solidFill>
+                  <a:schemeClr val="tx1"/>
+                </a:solidFill>
+                <a:effectLst/>
+                <a:latin typeface="+mn-lt"/>
+                <a:ea typeface="+mn-ea"/>
+                <a:cs typeface="+mn-cs"/>
+              </a:rPr>
+              <a:t> el testing en el </a:t>
+            </a:r>
+            <a:r>
+              <a:rPr lang="en-US" sz="1200" b="0" i="0" kern="1200" dirty="0" err="1" smtClean="0">
+                <a:solidFill>
+                  <a:schemeClr val="tx1"/>
+                </a:solidFill>
+                <a:effectLst/>
+                <a:latin typeface="+mn-lt"/>
+                <a:ea typeface="+mn-ea"/>
+                <a:cs typeface="+mn-cs"/>
+              </a:rPr>
+              <a:t>cuál</a:t>
+            </a:r>
+            <a:r>
+              <a:rPr lang="en-US" sz="1200" b="0" i="0" kern="1200" dirty="0" smtClean="0">
+                <a:solidFill>
+                  <a:schemeClr val="tx1"/>
+                </a:solidFill>
+                <a:effectLst/>
+                <a:latin typeface="+mn-lt"/>
+                <a:ea typeface="+mn-ea"/>
+                <a:cs typeface="+mn-cs"/>
+              </a:rPr>
+              <a:t> el </a:t>
+            </a:r>
+            <a:r>
+              <a:rPr lang="en-US" sz="1200" b="0" i="0" kern="1200" dirty="0" err="1" smtClean="0">
+                <a:solidFill>
+                  <a:schemeClr val="tx1"/>
+                </a:solidFill>
+                <a:effectLst/>
+                <a:latin typeface="+mn-lt"/>
+                <a:ea typeface="+mn-ea"/>
+                <a:cs typeface="+mn-cs"/>
+              </a:rPr>
+              <a:t>equipo</a:t>
+            </a:r>
+            <a:r>
+              <a:rPr lang="en-US" sz="1200" b="0" i="0" kern="1200" baseline="0" dirty="0" smtClean="0">
+                <a:solidFill>
+                  <a:schemeClr val="tx1"/>
+                </a:solidFill>
+                <a:effectLst/>
+                <a:latin typeface="+mn-lt"/>
+                <a:ea typeface="+mn-ea"/>
+                <a:cs typeface="+mn-cs"/>
+              </a:rPr>
+              <a:t> de </a:t>
+            </a:r>
+            <a:r>
+              <a:rPr lang="en-US" sz="1200" b="0" i="0" kern="1200" baseline="0" dirty="0" err="1" smtClean="0">
+                <a:solidFill>
+                  <a:schemeClr val="tx1"/>
+                </a:solidFill>
+                <a:effectLst/>
+                <a:latin typeface="+mn-lt"/>
+                <a:ea typeface="+mn-ea"/>
+                <a:cs typeface="+mn-cs"/>
+              </a:rPr>
+              <a:t>pruebas</a:t>
+            </a:r>
+            <a:r>
+              <a:rPr lang="en-US" sz="1200" b="0" i="0" kern="1200" baseline="0" dirty="0" smtClean="0">
+                <a:solidFill>
+                  <a:schemeClr val="tx1"/>
+                </a:solidFill>
+                <a:effectLst/>
+                <a:latin typeface="+mn-lt"/>
+                <a:ea typeface="+mn-ea"/>
+                <a:cs typeface="+mn-cs"/>
+              </a:rPr>
+              <a:t>, de </a:t>
+            </a:r>
+            <a:r>
+              <a:rPr lang="en-US" sz="1200" b="0" i="0" kern="1200" baseline="0" dirty="0" err="1" smtClean="0">
+                <a:solidFill>
+                  <a:schemeClr val="tx1"/>
+                </a:solidFill>
+                <a:effectLst/>
+                <a:latin typeface="+mn-lt"/>
+                <a:ea typeface="+mn-ea"/>
+                <a:cs typeface="+mn-cs"/>
+              </a:rPr>
+              <a:t>manera</a:t>
+            </a:r>
+            <a:r>
+              <a:rPr lang="en-US" sz="1200" b="0" i="0" kern="1200" baseline="0" dirty="0" smtClean="0">
+                <a:solidFill>
+                  <a:schemeClr val="tx1"/>
+                </a:solidFill>
+                <a:effectLst/>
+                <a:latin typeface="+mn-lt"/>
+                <a:ea typeface="+mn-ea"/>
+                <a:cs typeface="+mn-cs"/>
+              </a:rPr>
+              <a:t> </a:t>
+            </a:r>
+            <a:r>
+              <a:rPr lang="en-US" sz="1200" b="0" i="0" kern="1200" baseline="0" dirty="0" err="1" smtClean="0">
+                <a:solidFill>
+                  <a:schemeClr val="tx1"/>
+                </a:solidFill>
+                <a:effectLst/>
+                <a:latin typeface="+mn-lt"/>
+                <a:ea typeface="+mn-ea"/>
+                <a:cs typeface="+mn-cs"/>
+              </a:rPr>
+              <a:t>simultanea</a:t>
+            </a:r>
+            <a:r>
+              <a:rPr lang="en-US" sz="1200" b="0" i="0" kern="1200" baseline="0" dirty="0" smtClean="0">
+                <a:solidFill>
+                  <a:schemeClr val="tx1"/>
+                </a:solidFill>
+                <a:effectLst/>
+                <a:latin typeface="+mn-lt"/>
+                <a:ea typeface="+mn-ea"/>
+                <a:cs typeface="+mn-cs"/>
+              </a:rPr>
+              <a:t>, </a:t>
+            </a:r>
+            <a:r>
+              <a:rPr lang="en-US" sz="1200" b="0" i="0" kern="1200" baseline="0" dirty="0" err="1" smtClean="0">
+                <a:solidFill>
+                  <a:schemeClr val="tx1"/>
+                </a:solidFill>
+                <a:effectLst/>
+                <a:latin typeface="+mn-lt"/>
+                <a:ea typeface="+mn-ea"/>
+                <a:cs typeface="+mn-cs"/>
+              </a:rPr>
+              <a:t>aprende</a:t>
+            </a:r>
+            <a:r>
+              <a:rPr lang="en-US" sz="1200" b="0" i="0" kern="1200" baseline="0" dirty="0" smtClean="0">
+                <a:solidFill>
+                  <a:schemeClr val="tx1"/>
+                </a:solidFill>
+                <a:effectLst/>
+                <a:latin typeface="+mn-lt"/>
+                <a:ea typeface="+mn-ea"/>
+                <a:cs typeface="+mn-cs"/>
+              </a:rPr>
+              <a:t> del </a:t>
+            </a:r>
+            <a:r>
+              <a:rPr lang="en-US" sz="1200" b="0" i="0" kern="1200" baseline="0" dirty="0" err="1" smtClean="0">
+                <a:solidFill>
+                  <a:schemeClr val="tx1"/>
+                </a:solidFill>
+                <a:effectLst/>
+                <a:latin typeface="+mn-lt"/>
+                <a:ea typeface="+mn-ea"/>
+                <a:cs typeface="+mn-cs"/>
+              </a:rPr>
+              <a:t>sistema</a:t>
+            </a:r>
+            <a:r>
+              <a:rPr lang="en-US" sz="1200" b="0" i="0" kern="1200" baseline="0" dirty="0" smtClean="0">
+                <a:solidFill>
+                  <a:schemeClr val="tx1"/>
+                </a:solidFill>
+                <a:effectLst/>
+                <a:latin typeface="+mn-lt"/>
+                <a:ea typeface="+mn-ea"/>
+                <a:cs typeface="+mn-cs"/>
+              </a:rPr>
+              <a:t>, </a:t>
+            </a:r>
+            <a:r>
+              <a:rPr lang="en-US" sz="1200" b="0" i="0" kern="1200" baseline="0" dirty="0" err="1" smtClean="0">
+                <a:solidFill>
+                  <a:schemeClr val="tx1"/>
+                </a:solidFill>
+                <a:effectLst/>
+                <a:latin typeface="+mn-lt"/>
+                <a:ea typeface="+mn-ea"/>
+                <a:cs typeface="+mn-cs"/>
+              </a:rPr>
+              <a:t>diseña</a:t>
+            </a:r>
+            <a:r>
+              <a:rPr lang="en-US" sz="1200" b="0" i="0" kern="1200" baseline="0" dirty="0" smtClean="0">
+                <a:solidFill>
+                  <a:schemeClr val="tx1"/>
+                </a:solidFill>
+                <a:effectLst/>
+                <a:latin typeface="+mn-lt"/>
+                <a:ea typeface="+mn-ea"/>
+                <a:cs typeface="+mn-cs"/>
+              </a:rPr>
+              <a:t> y </a:t>
+            </a:r>
+            <a:r>
+              <a:rPr lang="en-US" sz="1200" b="0" i="0" kern="1200" baseline="0" dirty="0" err="1" smtClean="0">
+                <a:solidFill>
+                  <a:schemeClr val="tx1"/>
+                </a:solidFill>
+                <a:effectLst/>
+                <a:latin typeface="+mn-lt"/>
+                <a:ea typeface="+mn-ea"/>
+                <a:cs typeface="+mn-cs"/>
+              </a:rPr>
+              <a:t>ejecuta</a:t>
+            </a:r>
+            <a:r>
+              <a:rPr lang="en-US" sz="1200" b="0" i="0" kern="1200" baseline="0" dirty="0" smtClean="0">
+                <a:solidFill>
+                  <a:schemeClr val="tx1"/>
+                </a:solidFill>
+                <a:effectLst/>
+                <a:latin typeface="+mn-lt"/>
+                <a:ea typeface="+mn-ea"/>
+                <a:cs typeface="+mn-cs"/>
+              </a:rPr>
+              <a:t> </a:t>
+            </a:r>
+            <a:r>
+              <a:rPr lang="en-US" sz="1200" b="0" i="0" kern="1200" baseline="0" dirty="0" err="1" smtClean="0">
+                <a:solidFill>
+                  <a:schemeClr val="tx1"/>
+                </a:solidFill>
+                <a:effectLst/>
+                <a:latin typeface="+mn-lt"/>
+                <a:ea typeface="+mn-ea"/>
+                <a:cs typeface="+mn-cs"/>
+              </a:rPr>
+              <a:t>sus</a:t>
+            </a:r>
+            <a:r>
+              <a:rPr lang="en-US" sz="1200" b="0" i="0" kern="1200" baseline="0" dirty="0" smtClean="0">
+                <a:solidFill>
+                  <a:schemeClr val="tx1"/>
+                </a:solidFill>
+                <a:effectLst/>
+                <a:latin typeface="+mn-lt"/>
+                <a:ea typeface="+mn-ea"/>
+                <a:cs typeface="+mn-cs"/>
+              </a:rPr>
+              <a:t> </a:t>
+            </a:r>
+            <a:r>
+              <a:rPr lang="en-US" sz="1200" b="0" i="0" kern="1200" baseline="0" dirty="0" err="1" smtClean="0">
+                <a:solidFill>
+                  <a:schemeClr val="tx1"/>
+                </a:solidFill>
+                <a:effectLst/>
+                <a:latin typeface="+mn-lt"/>
+                <a:ea typeface="+mn-ea"/>
+                <a:cs typeface="+mn-cs"/>
+              </a:rPr>
+              <a:t>pruebas</a:t>
+            </a:r>
+            <a:r>
+              <a:rPr lang="en-US" sz="1200" b="0" i="0" kern="1200" baseline="0" dirty="0" smtClean="0">
+                <a:solidFill>
+                  <a:schemeClr val="tx1"/>
+                </a:solidFill>
+                <a:effectLst/>
+                <a:latin typeface="+mn-lt"/>
+                <a:ea typeface="+mn-ea"/>
+                <a:cs typeface="+mn-cs"/>
+              </a:rPr>
+              <a:t>. A </a:t>
+            </a:r>
+            <a:r>
+              <a:rPr lang="en-US" sz="1200" b="0" i="0" kern="1200" baseline="0" dirty="0" err="1" smtClean="0">
+                <a:solidFill>
+                  <a:schemeClr val="tx1"/>
+                </a:solidFill>
+                <a:effectLst/>
+                <a:latin typeface="+mn-lt"/>
+                <a:ea typeface="+mn-ea"/>
+                <a:cs typeface="+mn-cs"/>
+              </a:rPr>
+              <a:t>medida</a:t>
+            </a:r>
+            <a:r>
+              <a:rPr lang="en-US" sz="1200" b="0" i="0" kern="1200" baseline="0" dirty="0" smtClean="0">
+                <a:solidFill>
+                  <a:schemeClr val="tx1"/>
+                </a:solidFill>
+                <a:effectLst/>
+                <a:latin typeface="+mn-lt"/>
+                <a:ea typeface="+mn-ea"/>
+                <a:cs typeface="+mn-cs"/>
+              </a:rPr>
+              <a:t> </a:t>
+            </a:r>
+            <a:r>
+              <a:rPr lang="en-US" sz="1200" b="0" i="0" kern="1200" baseline="0" dirty="0" err="1" smtClean="0">
+                <a:solidFill>
+                  <a:schemeClr val="tx1"/>
+                </a:solidFill>
+                <a:effectLst/>
+                <a:latin typeface="+mn-lt"/>
+                <a:ea typeface="+mn-ea"/>
+                <a:cs typeface="+mn-cs"/>
+              </a:rPr>
+              <a:t>que</a:t>
+            </a:r>
+            <a:r>
+              <a:rPr lang="en-US" sz="1200" b="0" i="0" kern="1200" baseline="0" dirty="0" smtClean="0">
+                <a:solidFill>
+                  <a:schemeClr val="tx1"/>
+                </a:solidFill>
+                <a:effectLst/>
+                <a:latin typeface="+mn-lt"/>
+                <a:ea typeface="+mn-ea"/>
+                <a:cs typeface="+mn-cs"/>
+              </a:rPr>
+              <a:t> </a:t>
+            </a:r>
+            <a:r>
+              <a:rPr lang="en-US" sz="1200" b="0" i="0" kern="1200" baseline="0" dirty="0" err="1" smtClean="0">
+                <a:solidFill>
+                  <a:schemeClr val="tx1"/>
+                </a:solidFill>
+                <a:effectLst/>
+                <a:latin typeface="+mn-lt"/>
+                <a:ea typeface="+mn-ea"/>
+                <a:cs typeface="+mn-cs"/>
+              </a:rPr>
+              <a:t>va</a:t>
+            </a:r>
+            <a:r>
+              <a:rPr lang="en-US" sz="1200" b="0" i="0" kern="1200" baseline="0" dirty="0" smtClean="0">
+                <a:solidFill>
+                  <a:schemeClr val="tx1"/>
+                </a:solidFill>
+                <a:effectLst/>
+                <a:latin typeface="+mn-lt"/>
+                <a:ea typeface="+mn-ea"/>
+                <a:cs typeface="+mn-cs"/>
+              </a:rPr>
+              <a:t> </a:t>
+            </a:r>
+            <a:r>
+              <a:rPr lang="en-US" sz="1200" b="0" i="0" kern="1200" baseline="0" dirty="0" err="1" smtClean="0">
+                <a:solidFill>
+                  <a:schemeClr val="tx1"/>
+                </a:solidFill>
+                <a:effectLst/>
+                <a:latin typeface="+mn-lt"/>
+                <a:ea typeface="+mn-ea"/>
+                <a:cs typeface="+mn-cs"/>
+              </a:rPr>
+              <a:t>aprendiendo</a:t>
+            </a:r>
+            <a:r>
+              <a:rPr lang="en-US" sz="1200" b="0" i="0" kern="1200" baseline="0" dirty="0" smtClean="0">
+                <a:solidFill>
+                  <a:schemeClr val="tx1"/>
+                </a:solidFill>
+                <a:effectLst/>
+                <a:latin typeface="+mn-lt"/>
+                <a:ea typeface="+mn-ea"/>
+                <a:cs typeface="+mn-cs"/>
+              </a:rPr>
+              <a:t> </a:t>
+            </a:r>
+            <a:r>
+              <a:rPr lang="en-US" sz="1200" b="0" i="0" kern="1200" baseline="0" dirty="0" err="1" smtClean="0">
+                <a:solidFill>
+                  <a:schemeClr val="tx1"/>
+                </a:solidFill>
+                <a:effectLst/>
+                <a:latin typeface="+mn-lt"/>
+                <a:ea typeface="+mn-ea"/>
+                <a:cs typeface="+mn-cs"/>
+              </a:rPr>
+              <a:t>va</a:t>
+            </a:r>
+            <a:r>
+              <a:rPr lang="en-US" sz="1200" b="0" i="0" kern="1200" baseline="0" dirty="0" smtClean="0">
+                <a:solidFill>
+                  <a:schemeClr val="tx1"/>
+                </a:solidFill>
+                <a:effectLst/>
+                <a:latin typeface="+mn-lt"/>
+                <a:ea typeface="+mn-ea"/>
+                <a:cs typeface="+mn-cs"/>
+              </a:rPr>
+              <a:t> </a:t>
+            </a:r>
+            <a:r>
+              <a:rPr lang="en-US" sz="1200" b="0" i="0" kern="1200" baseline="0" dirty="0" err="1" smtClean="0">
+                <a:solidFill>
+                  <a:schemeClr val="tx1"/>
+                </a:solidFill>
+                <a:effectLst/>
+                <a:latin typeface="+mn-lt"/>
+                <a:ea typeface="+mn-ea"/>
+                <a:cs typeface="+mn-cs"/>
+              </a:rPr>
+              <a:t>generando</a:t>
+            </a:r>
+            <a:r>
+              <a:rPr lang="en-US" sz="1200" b="0" i="0" kern="1200" baseline="0" dirty="0" smtClean="0">
+                <a:solidFill>
+                  <a:schemeClr val="tx1"/>
+                </a:solidFill>
+                <a:effectLst/>
+                <a:latin typeface="+mn-lt"/>
+                <a:ea typeface="+mn-ea"/>
+                <a:cs typeface="+mn-cs"/>
+              </a:rPr>
+              <a:t> </a:t>
+            </a:r>
+            <a:r>
+              <a:rPr lang="en-US" sz="1200" b="0" i="0" kern="1200" baseline="0" dirty="0" err="1" smtClean="0">
+                <a:solidFill>
+                  <a:schemeClr val="tx1"/>
+                </a:solidFill>
+                <a:effectLst/>
+                <a:latin typeface="+mn-lt"/>
+                <a:ea typeface="+mn-ea"/>
+                <a:cs typeface="+mn-cs"/>
+              </a:rPr>
+              <a:t>nuevos</a:t>
+            </a:r>
+            <a:r>
+              <a:rPr lang="en-US" sz="1200" b="0" i="0" kern="1200" baseline="0" dirty="0" smtClean="0">
+                <a:solidFill>
+                  <a:schemeClr val="tx1"/>
+                </a:solidFill>
+                <a:effectLst/>
+                <a:latin typeface="+mn-lt"/>
+                <a:ea typeface="+mn-ea"/>
+                <a:cs typeface="+mn-cs"/>
+              </a:rPr>
+              <a:t> </a:t>
+            </a:r>
+            <a:r>
+              <a:rPr lang="en-US" sz="1200" b="0" i="0" kern="1200" baseline="0" dirty="0" err="1" smtClean="0">
+                <a:solidFill>
+                  <a:schemeClr val="tx1"/>
+                </a:solidFill>
+                <a:effectLst/>
+                <a:latin typeface="+mn-lt"/>
+                <a:ea typeface="+mn-ea"/>
+                <a:cs typeface="+mn-cs"/>
+              </a:rPr>
+              <a:t>casos</a:t>
+            </a:r>
+            <a:r>
+              <a:rPr lang="en-US" sz="1200" b="0" i="0" kern="1200" baseline="0" dirty="0" smtClean="0">
+                <a:solidFill>
+                  <a:schemeClr val="tx1"/>
+                </a:solidFill>
+                <a:effectLst/>
+                <a:latin typeface="+mn-lt"/>
+                <a:ea typeface="+mn-ea"/>
+                <a:cs typeface="+mn-cs"/>
+              </a:rPr>
+              <a:t> de </a:t>
+            </a:r>
+            <a:r>
+              <a:rPr lang="en-US" sz="1200" b="0" i="0" kern="1200" baseline="0" dirty="0" err="1" smtClean="0">
+                <a:solidFill>
+                  <a:schemeClr val="tx1"/>
+                </a:solidFill>
+                <a:effectLst/>
+                <a:latin typeface="+mn-lt"/>
+                <a:ea typeface="+mn-ea"/>
+                <a:cs typeface="+mn-cs"/>
+              </a:rPr>
+              <a:t>prueba</a:t>
+            </a:r>
+            <a:r>
+              <a:rPr lang="en-US" sz="1200" b="0" i="0" kern="1200" baseline="0" dirty="0" smtClean="0">
+                <a:solidFill>
+                  <a:schemeClr val="tx1"/>
+                </a:solidFill>
+                <a:effectLst/>
+                <a:latin typeface="+mn-lt"/>
+                <a:ea typeface="+mn-ea"/>
+                <a:cs typeface="+mn-cs"/>
+              </a:rPr>
+              <a:t> y </a:t>
+            </a:r>
+            <a:r>
+              <a:rPr lang="en-US" sz="1200" b="0" i="0" kern="1200" baseline="0" dirty="0" err="1" smtClean="0">
+                <a:solidFill>
+                  <a:schemeClr val="tx1"/>
+                </a:solidFill>
+                <a:effectLst/>
+                <a:latin typeface="+mn-lt"/>
+                <a:ea typeface="+mn-ea"/>
+                <a:cs typeface="+mn-cs"/>
+              </a:rPr>
+              <a:t>optimizando</a:t>
+            </a:r>
+            <a:r>
+              <a:rPr lang="en-US" sz="1200" b="0" i="0" kern="1200" baseline="0" dirty="0" smtClean="0">
+                <a:solidFill>
+                  <a:schemeClr val="tx1"/>
+                </a:solidFill>
+                <a:effectLst/>
+                <a:latin typeface="+mn-lt"/>
+                <a:ea typeface="+mn-ea"/>
+                <a:cs typeface="+mn-cs"/>
+              </a:rPr>
+              <a:t> </a:t>
+            </a:r>
+            <a:r>
+              <a:rPr lang="en-US" sz="1200" b="0" i="0" kern="1200" baseline="0" dirty="0" err="1" smtClean="0">
+                <a:solidFill>
+                  <a:schemeClr val="tx1"/>
+                </a:solidFill>
+                <a:effectLst/>
+                <a:latin typeface="+mn-lt"/>
+                <a:ea typeface="+mn-ea"/>
+                <a:cs typeface="+mn-cs"/>
+              </a:rPr>
+              <a:t>su</a:t>
+            </a:r>
+            <a:r>
+              <a:rPr lang="en-US" sz="1200" b="0" i="0" kern="1200" baseline="0" dirty="0" smtClean="0">
+                <a:solidFill>
+                  <a:schemeClr val="tx1"/>
+                </a:solidFill>
+                <a:effectLst/>
+                <a:latin typeface="+mn-lt"/>
+                <a:ea typeface="+mn-ea"/>
+                <a:cs typeface="+mn-cs"/>
+              </a:rPr>
+              <a:t> </a:t>
+            </a:r>
+            <a:r>
+              <a:rPr lang="en-US" sz="1200" b="0" i="0" kern="1200" baseline="0" dirty="0" err="1" smtClean="0">
+                <a:solidFill>
+                  <a:schemeClr val="tx1"/>
+                </a:solidFill>
+                <a:effectLst/>
+                <a:latin typeface="+mn-lt"/>
+                <a:ea typeface="+mn-ea"/>
+                <a:cs typeface="+mn-cs"/>
+              </a:rPr>
+              <a:t>trabajo</a:t>
+            </a:r>
+            <a:r>
+              <a:rPr lang="en-US" sz="1200" b="0" i="0" kern="1200" baseline="0" dirty="0" smtClean="0">
+                <a:solidFill>
+                  <a:schemeClr val="tx1"/>
+                </a:solidFill>
+                <a:effectLst/>
+                <a:latin typeface="+mn-lt"/>
+                <a:ea typeface="+mn-ea"/>
+                <a:cs typeface="+mn-cs"/>
+              </a:rPr>
+              <a:t>.</a:t>
+            </a:r>
             <a:endParaRPr lang="es-PE" dirty="0"/>
           </a:p>
         </p:txBody>
@@ -3491,6 +2688,848 @@
               <a:tabLst/>
               <a:defRPr/>
             </a:pPr>
+            <a:r>
+              <a:rPr lang="en-US" sz="1200" b="0" i="0" kern="1200" dirty="0" smtClean="0">
+                <a:solidFill>
+                  <a:schemeClr val="tx1"/>
+                </a:solidFill>
+                <a:effectLst/>
+                <a:latin typeface="+mn-lt"/>
+                <a:ea typeface="+mn-ea"/>
+                <a:cs typeface="+mn-cs"/>
+              </a:rPr>
+              <a:t>Headless</a:t>
+            </a:r>
+            <a:r>
+              <a:rPr lang="en-US" sz="1200" b="0" i="0" kern="1200" baseline="0" dirty="0" smtClean="0">
+                <a:solidFill>
+                  <a:schemeClr val="tx1"/>
+                </a:solidFill>
+                <a:effectLst/>
+                <a:latin typeface="+mn-lt"/>
+                <a:ea typeface="+mn-ea"/>
+                <a:cs typeface="+mn-cs"/>
+              </a:rPr>
+              <a:t> Browser</a:t>
+            </a:r>
+            <a:endParaRPr lang="en-US" sz="1200" b="0" i="0" kern="1200" dirty="0" smtClean="0">
+              <a:solidFill>
+                <a:schemeClr val="tx1"/>
+              </a:solidFill>
+              <a:effectLst/>
+              <a:latin typeface="+mn-lt"/>
+              <a:ea typeface="+mn-ea"/>
+              <a:cs typeface="+mn-cs"/>
+            </a:endParaRPr>
+          </a:p>
+          <a:p>
+            <a:pPr marL="0" marR="0" indent="0" algn="l" defTabSz="914400" rtl="0" eaLnBrk="1" fontAlgn="auto" latinLnBrk="0" hangingPunct="1">
+              <a:lnSpc>
+                <a:spcPct val="100000"/>
+              </a:lnSpc>
+              <a:spcBef>
+                <a:spcPts val="0"/>
+              </a:spcBef>
+              <a:spcAft>
+                <a:spcPts val="0"/>
+              </a:spcAft>
+              <a:buClrTx/>
+              <a:buSzTx/>
+              <a:buFontTx/>
+              <a:buNone/>
+              <a:tabLst/>
+              <a:defRPr/>
+            </a:pPr>
+            <a:r>
+              <a:rPr lang="en-US" sz="1200" b="0" i="0" kern="1200" dirty="0" smtClean="0">
+                <a:solidFill>
+                  <a:schemeClr val="tx1"/>
+                </a:solidFill>
+                <a:effectLst/>
+                <a:latin typeface="+mn-lt"/>
+                <a:ea typeface="+mn-ea"/>
+                <a:cs typeface="+mn-cs"/>
+              </a:rPr>
+              <a:t>Is a web browser without a</a:t>
+            </a:r>
+            <a:r>
+              <a:rPr lang="en-US" sz="1200" b="0" i="0" kern="1200" baseline="0" dirty="0" smtClean="0">
+                <a:solidFill>
+                  <a:schemeClr val="tx1"/>
+                </a:solidFill>
+                <a:effectLst/>
+                <a:latin typeface="+mn-lt"/>
+                <a:ea typeface="+mn-ea"/>
+                <a:cs typeface="+mn-cs"/>
+              </a:rPr>
+              <a:t> UI</a:t>
+            </a:r>
+            <a:r>
+              <a:rPr lang="en-US" sz="1200" b="0" i="0" kern="1200" dirty="0" smtClean="0">
+                <a:solidFill>
+                  <a:schemeClr val="tx1"/>
+                </a:solidFill>
+                <a:effectLst/>
+                <a:latin typeface="+mn-lt"/>
+                <a:ea typeface="+mn-ea"/>
+                <a:cs typeface="+mn-cs"/>
+              </a:rPr>
+              <a:t>. In other words it is a browser, a piece of software, that access web pages but doesn’t show them to any human being. They’re actually used to provide the content of web pages to other programs.</a:t>
+            </a:r>
+          </a:p>
+          <a:p>
+            <a:pPr marL="0" marR="0" indent="0" algn="l" defTabSz="914400" rtl="0" eaLnBrk="1" fontAlgn="auto" latinLnBrk="0" hangingPunct="1">
+              <a:lnSpc>
+                <a:spcPct val="100000"/>
+              </a:lnSpc>
+              <a:spcBef>
+                <a:spcPts val="0"/>
+              </a:spcBef>
+              <a:spcAft>
+                <a:spcPts val="0"/>
+              </a:spcAft>
+              <a:buClrTx/>
+              <a:buSzTx/>
+              <a:buFontTx/>
+              <a:buNone/>
+              <a:tabLst/>
+              <a:defRPr/>
+            </a:pPr>
+            <a:endParaRPr lang="en-US" sz="1200" b="0" i="0" kern="1200" dirty="0" smtClean="0">
+              <a:solidFill>
+                <a:schemeClr val="tx1"/>
+              </a:solidFill>
+              <a:effectLst/>
+              <a:latin typeface="+mn-lt"/>
+              <a:ea typeface="+mn-ea"/>
+              <a:cs typeface="+mn-cs"/>
+            </a:endParaRPr>
+          </a:p>
+          <a:p>
+            <a:pPr marL="0" marR="0" indent="0" algn="l" defTabSz="914400" rtl="0" eaLnBrk="1" fontAlgn="auto" latinLnBrk="0" hangingPunct="1">
+              <a:lnSpc>
+                <a:spcPct val="100000"/>
+              </a:lnSpc>
+              <a:spcBef>
+                <a:spcPts val="0"/>
+              </a:spcBef>
+              <a:spcAft>
+                <a:spcPts val="0"/>
+              </a:spcAft>
+              <a:buClrTx/>
+              <a:buSzTx/>
+              <a:buFontTx/>
+              <a:buNone/>
+              <a:tabLst/>
+              <a:defRPr/>
+            </a:pPr>
+            <a:r>
+              <a:rPr lang="en-US" sz="1200" b="0" i="0" kern="1200" dirty="0" smtClean="0">
+                <a:solidFill>
+                  <a:schemeClr val="tx1"/>
+                </a:solidFill>
+                <a:effectLst/>
+                <a:latin typeface="+mn-lt"/>
+                <a:ea typeface="+mn-ea"/>
+                <a:cs typeface="+mn-cs"/>
+              </a:rPr>
+              <a:t>No son los </a:t>
+            </a:r>
+            <a:r>
+              <a:rPr lang="en-US" sz="1200" b="0" i="0" kern="1200" dirty="0" err="1" smtClean="0">
+                <a:solidFill>
+                  <a:schemeClr val="tx1"/>
+                </a:solidFill>
+                <a:effectLst/>
+                <a:latin typeface="+mn-lt"/>
+                <a:ea typeface="+mn-ea"/>
+                <a:cs typeface="+mn-cs"/>
+              </a:rPr>
+              <a:t>navegadores</a:t>
+            </a:r>
+            <a:r>
+              <a:rPr lang="en-US" sz="1200" b="0" i="0" kern="1200" baseline="0" dirty="0" smtClean="0">
+                <a:solidFill>
+                  <a:schemeClr val="tx1"/>
+                </a:solidFill>
+                <a:effectLst/>
+                <a:latin typeface="+mn-lt"/>
+                <a:ea typeface="+mn-ea"/>
+                <a:cs typeface="+mn-cs"/>
+              </a:rPr>
+              <a:t> </a:t>
+            </a:r>
+            <a:r>
+              <a:rPr lang="en-US" sz="1200" b="0" i="0" kern="1200" baseline="0" dirty="0" err="1" smtClean="0">
+                <a:solidFill>
+                  <a:schemeClr val="tx1"/>
+                </a:solidFill>
+                <a:effectLst/>
+                <a:latin typeface="+mn-lt"/>
+                <a:ea typeface="+mn-ea"/>
+                <a:cs typeface="+mn-cs"/>
+              </a:rPr>
+              <a:t>como</a:t>
+            </a:r>
+            <a:r>
+              <a:rPr lang="en-US" sz="1200" b="0" i="0" kern="1200" baseline="0" dirty="0" smtClean="0">
+                <a:solidFill>
+                  <a:schemeClr val="tx1"/>
+                </a:solidFill>
+                <a:effectLst/>
+                <a:latin typeface="+mn-lt"/>
+                <a:ea typeface="+mn-ea"/>
+                <a:cs typeface="+mn-cs"/>
+              </a:rPr>
+              <a:t> </a:t>
+            </a:r>
+            <a:r>
+              <a:rPr lang="en-US" sz="1200" b="0" i="0" kern="1200" baseline="0" dirty="0" err="1" smtClean="0">
+                <a:solidFill>
+                  <a:schemeClr val="tx1"/>
+                </a:solidFill>
+                <a:effectLst/>
+                <a:latin typeface="+mn-lt"/>
+                <a:ea typeface="+mn-ea"/>
+                <a:cs typeface="+mn-cs"/>
+              </a:rPr>
+              <a:t>tal</a:t>
+            </a:r>
+            <a:r>
+              <a:rPr lang="en-US" sz="1200" b="0" i="0" kern="1200" baseline="0" dirty="0" smtClean="0">
+                <a:solidFill>
+                  <a:schemeClr val="tx1"/>
+                </a:solidFill>
+                <a:effectLst/>
+                <a:latin typeface="+mn-lt"/>
+                <a:ea typeface="+mn-ea"/>
+                <a:cs typeface="+mn-cs"/>
+              </a:rPr>
+              <a:t>, </a:t>
+            </a:r>
+            <a:r>
+              <a:rPr lang="en-US" sz="1200" b="0" i="0" kern="1200" baseline="0" dirty="0" err="1" smtClean="0">
+                <a:solidFill>
+                  <a:schemeClr val="tx1"/>
+                </a:solidFill>
+                <a:effectLst/>
+                <a:latin typeface="+mn-lt"/>
+                <a:ea typeface="+mn-ea"/>
+                <a:cs typeface="+mn-cs"/>
+              </a:rPr>
+              <a:t>sino</a:t>
+            </a:r>
+            <a:r>
+              <a:rPr lang="en-US" sz="1200" b="0" i="0" kern="1200" baseline="0" dirty="0" smtClean="0">
+                <a:solidFill>
+                  <a:schemeClr val="tx1"/>
+                </a:solidFill>
+                <a:effectLst/>
+                <a:latin typeface="+mn-lt"/>
+                <a:ea typeface="+mn-ea"/>
+                <a:cs typeface="+mn-cs"/>
+              </a:rPr>
+              <a:t> </a:t>
+            </a:r>
+            <a:r>
+              <a:rPr lang="en-US" sz="1200" b="0" i="0" kern="1200" baseline="0" dirty="0" err="1" smtClean="0">
+                <a:solidFill>
+                  <a:schemeClr val="tx1"/>
+                </a:solidFill>
+                <a:effectLst/>
+                <a:latin typeface="+mn-lt"/>
+                <a:ea typeface="+mn-ea"/>
+                <a:cs typeface="+mn-cs"/>
+              </a:rPr>
+              <a:t>emulan</a:t>
+            </a:r>
+            <a:r>
+              <a:rPr lang="en-US" sz="1200" b="0" i="0" kern="1200" baseline="0" dirty="0" smtClean="0">
+                <a:solidFill>
+                  <a:schemeClr val="tx1"/>
+                </a:solidFill>
+                <a:effectLst/>
+                <a:latin typeface="+mn-lt"/>
+                <a:ea typeface="+mn-ea"/>
+                <a:cs typeface="+mn-cs"/>
+              </a:rPr>
+              <a:t> el </a:t>
+            </a:r>
+            <a:r>
+              <a:rPr lang="en-US" sz="1200" b="0" i="0" kern="1200" baseline="0" dirty="0" err="1" smtClean="0">
+                <a:solidFill>
+                  <a:schemeClr val="tx1"/>
+                </a:solidFill>
+                <a:effectLst/>
+                <a:latin typeface="+mn-lt"/>
+                <a:ea typeface="+mn-ea"/>
+                <a:cs typeface="+mn-cs"/>
+              </a:rPr>
+              <a:t>comportamiento</a:t>
+            </a:r>
+            <a:r>
+              <a:rPr lang="en-US" sz="1200" b="0" i="0" kern="1200" baseline="0" dirty="0" smtClean="0">
+                <a:solidFill>
+                  <a:schemeClr val="tx1"/>
+                </a:solidFill>
+                <a:effectLst/>
+                <a:latin typeface="+mn-lt"/>
+                <a:ea typeface="+mn-ea"/>
+                <a:cs typeface="+mn-cs"/>
+              </a:rPr>
+              <a:t> del </a:t>
+            </a:r>
+            <a:r>
+              <a:rPr lang="en-US" sz="1200" b="0" i="0" kern="1200" baseline="0" dirty="0" err="1" smtClean="0">
+                <a:solidFill>
+                  <a:schemeClr val="tx1"/>
+                </a:solidFill>
+                <a:effectLst/>
+                <a:latin typeface="+mn-lt"/>
+                <a:ea typeface="+mn-ea"/>
+                <a:cs typeface="+mn-cs"/>
+              </a:rPr>
+              <a:t>navegador</a:t>
+            </a:r>
+            <a:r>
+              <a:rPr lang="en-US" sz="1200" b="0" i="0" kern="1200" baseline="0" dirty="0" smtClean="0">
+                <a:solidFill>
+                  <a:schemeClr val="tx1"/>
+                </a:solidFill>
+                <a:effectLst/>
+                <a:latin typeface="+mn-lt"/>
+                <a:ea typeface="+mn-ea"/>
+                <a:cs typeface="+mn-cs"/>
+              </a:rPr>
+              <a:t>, </a:t>
+            </a:r>
+            <a:r>
+              <a:rPr lang="en-US" sz="1200" b="0" i="0" kern="1200" baseline="0" dirty="0" err="1" smtClean="0">
+                <a:solidFill>
+                  <a:schemeClr val="tx1"/>
+                </a:solidFill>
+                <a:effectLst/>
+                <a:latin typeface="+mn-lt"/>
+                <a:ea typeface="+mn-ea"/>
+                <a:cs typeface="+mn-cs"/>
+              </a:rPr>
+              <a:t>como</a:t>
+            </a:r>
+            <a:r>
+              <a:rPr lang="en-US" sz="1200" b="0" i="0" kern="1200" baseline="0" dirty="0" smtClean="0">
+                <a:solidFill>
+                  <a:schemeClr val="tx1"/>
+                </a:solidFill>
+                <a:effectLst/>
+                <a:latin typeface="+mn-lt"/>
+                <a:ea typeface="+mn-ea"/>
+                <a:cs typeface="+mn-cs"/>
+              </a:rPr>
+              <a:t> son </a:t>
+            </a:r>
+            <a:r>
+              <a:rPr lang="en-US" sz="1200" b="0" i="0" kern="1200" baseline="0" dirty="0" err="1" smtClean="0">
+                <a:solidFill>
+                  <a:schemeClr val="tx1"/>
+                </a:solidFill>
+                <a:effectLst/>
+                <a:latin typeface="+mn-lt"/>
+                <a:ea typeface="+mn-ea"/>
+                <a:cs typeface="+mn-cs"/>
+              </a:rPr>
+              <a:t>son</a:t>
+            </a:r>
+            <a:r>
+              <a:rPr lang="en-US" sz="1200" b="0" i="0" kern="1200" baseline="0" dirty="0" smtClean="0">
+                <a:solidFill>
+                  <a:schemeClr val="tx1"/>
+                </a:solidFill>
+                <a:effectLst/>
+                <a:latin typeface="+mn-lt"/>
+                <a:ea typeface="+mn-ea"/>
+                <a:cs typeface="+mn-cs"/>
+              </a:rPr>
+              <a:t> </a:t>
+            </a:r>
+            <a:r>
+              <a:rPr lang="en-US" sz="1200" b="0" i="0" kern="1200" baseline="0" dirty="0" err="1" smtClean="0">
+                <a:solidFill>
+                  <a:schemeClr val="tx1"/>
+                </a:solidFill>
+                <a:effectLst/>
+                <a:latin typeface="+mn-lt"/>
+                <a:ea typeface="+mn-ea"/>
+                <a:cs typeface="+mn-cs"/>
+              </a:rPr>
+              <a:t>navegadores</a:t>
+            </a:r>
+            <a:r>
+              <a:rPr lang="en-US" sz="1200" b="0" i="0" kern="1200" baseline="0" dirty="0" smtClean="0">
+                <a:solidFill>
+                  <a:schemeClr val="tx1"/>
+                </a:solidFill>
+                <a:effectLst/>
+                <a:latin typeface="+mn-lt"/>
+                <a:ea typeface="+mn-ea"/>
+                <a:cs typeface="+mn-cs"/>
+              </a:rPr>
+              <a:t> no </a:t>
+            </a:r>
+            <a:r>
+              <a:rPr lang="en-US" sz="1200" b="0" i="0" kern="1200" baseline="0" dirty="0" err="1" smtClean="0">
+                <a:solidFill>
+                  <a:schemeClr val="tx1"/>
+                </a:solidFill>
+                <a:effectLst/>
+                <a:latin typeface="+mn-lt"/>
+                <a:ea typeface="+mn-ea"/>
+                <a:cs typeface="+mn-cs"/>
+              </a:rPr>
+              <a:t>soportan</a:t>
+            </a:r>
+            <a:r>
+              <a:rPr lang="en-US" sz="1200" b="0" i="0" kern="1200" baseline="0" dirty="0" smtClean="0">
+                <a:solidFill>
+                  <a:schemeClr val="tx1"/>
+                </a:solidFill>
+                <a:effectLst/>
+                <a:latin typeface="+mn-lt"/>
+                <a:ea typeface="+mn-ea"/>
+                <a:cs typeface="+mn-cs"/>
+              </a:rPr>
+              <a:t> </a:t>
+            </a:r>
+            <a:r>
+              <a:rPr lang="en-US" sz="1200" b="0" i="0" kern="1200" baseline="0" dirty="0" err="1" smtClean="0">
+                <a:solidFill>
+                  <a:schemeClr val="tx1"/>
+                </a:solidFill>
+                <a:effectLst/>
+                <a:latin typeface="+mn-lt"/>
+                <a:ea typeface="+mn-ea"/>
+                <a:cs typeface="+mn-cs"/>
+              </a:rPr>
+              <a:t>todas</a:t>
+            </a:r>
+            <a:r>
+              <a:rPr lang="en-US" sz="1200" b="0" i="0" kern="1200" baseline="0" dirty="0" smtClean="0">
+                <a:solidFill>
+                  <a:schemeClr val="tx1"/>
+                </a:solidFill>
+                <a:effectLst/>
+                <a:latin typeface="+mn-lt"/>
+                <a:ea typeface="+mn-ea"/>
+                <a:cs typeface="+mn-cs"/>
+              </a:rPr>
+              <a:t> </a:t>
+            </a:r>
+            <a:r>
+              <a:rPr lang="en-US" sz="1200" b="0" i="0" kern="1200" baseline="0" dirty="0" err="1" smtClean="0">
+                <a:solidFill>
+                  <a:schemeClr val="tx1"/>
+                </a:solidFill>
+                <a:effectLst/>
+                <a:latin typeface="+mn-lt"/>
+                <a:ea typeface="+mn-ea"/>
+                <a:cs typeface="+mn-cs"/>
+              </a:rPr>
+              <a:t>las</a:t>
+            </a:r>
+            <a:r>
+              <a:rPr lang="en-US" sz="1200" b="0" i="0" kern="1200" baseline="0" dirty="0" smtClean="0">
+                <a:solidFill>
+                  <a:schemeClr val="tx1"/>
+                </a:solidFill>
+                <a:effectLst/>
+                <a:latin typeface="+mn-lt"/>
+                <a:ea typeface="+mn-ea"/>
+                <a:cs typeface="+mn-cs"/>
+              </a:rPr>
+              <a:t> </a:t>
+            </a:r>
+            <a:r>
+              <a:rPr lang="en-US" sz="1200" b="0" i="0" kern="1200" baseline="0" dirty="0" err="1" smtClean="0">
+                <a:solidFill>
+                  <a:schemeClr val="tx1"/>
+                </a:solidFill>
+                <a:effectLst/>
+                <a:latin typeface="+mn-lt"/>
+                <a:ea typeface="+mn-ea"/>
+                <a:cs typeface="+mn-cs"/>
+              </a:rPr>
+              <a:t>características</a:t>
+            </a:r>
+            <a:r>
+              <a:rPr lang="en-US" sz="1200" b="0" i="0" kern="1200" baseline="0" dirty="0" smtClean="0">
+                <a:solidFill>
+                  <a:schemeClr val="tx1"/>
+                </a:solidFill>
+                <a:effectLst/>
+                <a:latin typeface="+mn-lt"/>
+                <a:ea typeface="+mn-ea"/>
+                <a:cs typeface="+mn-cs"/>
+              </a:rPr>
+              <a:t> de </a:t>
+            </a:r>
+            <a:r>
+              <a:rPr lang="en-US" sz="1200" b="0" i="0" kern="1200" baseline="0" dirty="0" err="1" smtClean="0">
+                <a:solidFill>
+                  <a:schemeClr val="tx1"/>
+                </a:solidFill>
+                <a:effectLst/>
+                <a:latin typeface="+mn-lt"/>
+                <a:ea typeface="+mn-ea"/>
+                <a:cs typeface="+mn-cs"/>
+              </a:rPr>
+              <a:t>estos</a:t>
+            </a:r>
+            <a:r>
+              <a:rPr lang="en-US" sz="1200" b="0" i="0" kern="1200" baseline="0" dirty="0" smtClean="0">
+                <a:solidFill>
+                  <a:schemeClr val="tx1"/>
+                </a:solidFill>
+                <a:effectLst/>
+                <a:latin typeface="+mn-lt"/>
+                <a:ea typeface="+mn-ea"/>
+                <a:cs typeface="+mn-cs"/>
+              </a:rPr>
+              <a:t>, </a:t>
+            </a:r>
+            <a:r>
+              <a:rPr lang="en-US" sz="1200" b="0" i="0" kern="1200" baseline="0" dirty="0" err="1" smtClean="0">
+                <a:solidFill>
+                  <a:schemeClr val="tx1"/>
+                </a:solidFill>
+                <a:effectLst/>
+                <a:latin typeface="+mn-lt"/>
+                <a:ea typeface="+mn-ea"/>
+                <a:cs typeface="+mn-cs"/>
+              </a:rPr>
+              <a:t>especialmente</a:t>
+            </a:r>
+            <a:r>
+              <a:rPr lang="en-US" sz="1200" b="0" i="0" kern="1200" baseline="0" dirty="0" smtClean="0">
+                <a:solidFill>
+                  <a:schemeClr val="tx1"/>
+                </a:solidFill>
+                <a:effectLst/>
+                <a:latin typeface="+mn-lt"/>
+                <a:ea typeface="+mn-ea"/>
+                <a:cs typeface="+mn-cs"/>
+              </a:rPr>
+              <a:t> </a:t>
+            </a:r>
+            <a:r>
+              <a:rPr lang="en-US" sz="1200" b="0" i="0" kern="1200" baseline="0" dirty="0" err="1" smtClean="0">
+                <a:solidFill>
+                  <a:schemeClr val="tx1"/>
+                </a:solidFill>
+                <a:effectLst/>
+                <a:latin typeface="+mn-lt"/>
+                <a:ea typeface="+mn-ea"/>
+                <a:cs typeface="+mn-cs"/>
+              </a:rPr>
+              <a:t>algunas</a:t>
+            </a:r>
+            <a:r>
+              <a:rPr lang="en-US" sz="1200" b="0" i="0" kern="1200" baseline="0" dirty="0" smtClean="0">
+                <a:solidFill>
+                  <a:schemeClr val="tx1"/>
+                </a:solidFill>
+                <a:effectLst/>
+                <a:latin typeface="+mn-lt"/>
+                <a:ea typeface="+mn-ea"/>
+                <a:cs typeface="+mn-cs"/>
+              </a:rPr>
+              <a:t> </a:t>
+            </a:r>
+            <a:r>
+              <a:rPr lang="en-US" sz="1200" b="0" i="0" kern="1200" baseline="0" dirty="0" err="1" smtClean="0">
+                <a:solidFill>
+                  <a:schemeClr val="tx1"/>
+                </a:solidFill>
+                <a:effectLst/>
+                <a:latin typeface="+mn-lt"/>
+                <a:ea typeface="+mn-ea"/>
+                <a:cs typeface="+mn-cs"/>
+              </a:rPr>
+              <a:t>cosas</a:t>
+            </a:r>
+            <a:r>
+              <a:rPr lang="en-US" sz="1200" b="0" i="0" kern="1200" baseline="0" dirty="0" smtClean="0">
+                <a:solidFill>
+                  <a:schemeClr val="tx1"/>
+                </a:solidFill>
+                <a:effectLst/>
+                <a:latin typeface="+mn-lt"/>
+                <a:ea typeface="+mn-ea"/>
+                <a:cs typeface="+mn-cs"/>
+              </a:rPr>
+              <a:t> de HTML 5 y JS.  </a:t>
+            </a:r>
+          </a:p>
+          <a:p>
+            <a:pPr marL="0" marR="0" indent="0" algn="l" defTabSz="914400" rtl="0" eaLnBrk="1" fontAlgn="auto" latinLnBrk="0" hangingPunct="1">
+              <a:lnSpc>
+                <a:spcPct val="100000"/>
+              </a:lnSpc>
+              <a:spcBef>
+                <a:spcPts val="0"/>
+              </a:spcBef>
+              <a:spcAft>
+                <a:spcPts val="0"/>
+              </a:spcAft>
+              <a:buClrTx/>
+              <a:buSzTx/>
+              <a:buFontTx/>
+              <a:buNone/>
+              <a:tabLst/>
+              <a:defRPr/>
+            </a:pPr>
+            <a:endParaRPr lang="en-US" sz="1200" b="0" i="0" kern="1200" baseline="0" dirty="0" smtClean="0">
+              <a:solidFill>
+                <a:schemeClr val="tx1"/>
+              </a:solidFill>
+              <a:effectLst/>
+              <a:latin typeface="+mn-lt"/>
+              <a:ea typeface="+mn-ea"/>
+              <a:cs typeface="+mn-cs"/>
+            </a:endParaRPr>
+          </a:p>
+          <a:p>
+            <a:pPr marL="0" marR="0" indent="0" algn="l" defTabSz="914400" rtl="0" eaLnBrk="1" fontAlgn="auto" latinLnBrk="0" hangingPunct="1">
+              <a:lnSpc>
+                <a:spcPct val="100000"/>
+              </a:lnSpc>
+              <a:spcBef>
+                <a:spcPts val="0"/>
+              </a:spcBef>
+              <a:spcAft>
+                <a:spcPts val="0"/>
+              </a:spcAft>
+              <a:buClrTx/>
+              <a:buSzTx/>
+              <a:buFontTx/>
+              <a:buNone/>
+              <a:tabLst/>
+              <a:defRPr/>
+            </a:pPr>
+            <a:r>
+              <a:rPr lang="en-US" sz="1200" b="0" i="0" kern="1200" baseline="0" dirty="0" err="1" smtClean="0">
+                <a:solidFill>
+                  <a:schemeClr val="tx1"/>
+                </a:solidFill>
+                <a:effectLst/>
+                <a:latin typeface="+mn-lt"/>
+                <a:ea typeface="+mn-ea"/>
+                <a:cs typeface="+mn-cs"/>
+              </a:rPr>
+              <a:t>Algunos</a:t>
+            </a:r>
+            <a:r>
+              <a:rPr lang="en-US" sz="1200" b="0" i="0" kern="1200" baseline="0" dirty="0" smtClean="0">
+                <a:solidFill>
+                  <a:schemeClr val="tx1"/>
+                </a:solidFill>
+                <a:effectLst/>
+                <a:latin typeface="+mn-lt"/>
+                <a:ea typeface="+mn-ea"/>
+                <a:cs typeface="+mn-cs"/>
+              </a:rPr>
+              <a:t> </a:t>
+            </a:r>
+            <a:r>
+              <a:rPr lang="en-US" sz="1200" b="0" i="0" kern="1200" baseline="0" dirty="0" err="1" smtClean="0">
+                <a:solidFill>
+                  <a:schemeClr val="tx1"/>
+                </a:solidFill>
+                <a:effectLst/>
+                <a:latin typeface="+mn-lt"/>
+                <a:ea typeface="+mn-ea"/>
+                <a:cs typeface="+mn-cs"/>
+              </a:rPr>
+              <a:t>basados</a:t>
+            </a:r>
+            <a:r>
+              <a:rPr lang="en-US" sz="1200" b="0" i="0" kern="1200" baseline="0" dirty="0" smtClean="0">
+                <a:solidFill>
+                  <a:schemeClr val="tx1"/>
+                </a:solidFill>
+                <a:effectLst/>
+                <a:latin typeface="+mn-lt"/>
+                <a:ea typeface="+mn-ea"/>
+                <a:cs typeface="+mn-cs"/>
+              </a:rPr>
+              <a:t> en </a:t>
+            </a:r>
+            <a:r>
+              <a:rPr lang="en-US" sz="1200" b="0" i="0" kern="1200" baseline="0" dirty="0" err="1" smtClean="0">
+                <a:solidFill>
+                  <a:schemeClr val="tx1"/>
+                </a:solidFill>
+                <a:effectLst/>
+                <a:latin typeface="+mn-lt"/>
+                <a:ea typeface="+mn-ea"/>
+                <a:cs typeface="+mn-cs"/>
+              </a:rPr>
+              <a:t>motores</a:t>
+            </a:r>
+            <a:r>
+              <a:rPr lang="en-US" sz="1200" b="0" i="0" kern="1200" baseline="0" dirty="0" smtClean="0">
+                <a:solidFill>
+                  <a:schemeClr val="tx1"/>
+                </a:solidFill>
+                <a:effectLst/>
+                <a:latin typeface="+mn-lt"/>
+                <a:ea typeface="+mn-ea"/>
+                <a:cs typeface="+mn-cs"/>
+              </a:rPr>
+              <a:t> </a:t>
+            </a:r>
+            <a:r>
+              <a:rPr lang="en-US" sz="1200" b="0" i="0" kern="1200" baseline="0" dirty="0" err="1" smtClean="0">
+                <a:solidFill>
+                  <a:schemeClr val="tx1"/>
+                </a:solidFill>
+                <a:effectLst/>
+                <a:latin typeface="+mn-lt"/>
+                <a:ea typeface="+mn-ea"/>
+                <a:cs typeface="+mn-cs"/>
+              </a:rPr>
+              <a:t>como</a:t>
+            </a:r>
+            <a:r>
+              <a:rPr lang="en-US" sz="1200" b="0" i="0" kern="1200" baseline="0" dirty="0" smtClean="0">
+                <a:solidFill>
+                  <a:schemeClr val="tx1"/>
+                </a:solidFill>
+                <a:effectLst/>
+                <a:latin typeface="+mn-lt"/>
+                <a:ea typeface="+mn-ea"/>
+                <a:cs typeface="+mn-cs"/>
+              </a:rPr>
+              <a:t> </a:t>
+            </a:r>
+            <a:r>
+              <a:rPr lang="en-US" sz="1200" b="0" i="0" kern="1200" baseline="0" dirty="0" err="1" smtClean="0">
+                <a:solidFill>
+                  <a:schemeClr val="tx1"/>
+                </a:solidFill>
+                <a:effectLst/>
+                <a:latin typeface="+mn-lt"/>
+                <a:ea typeface="+mn-ea"/>
+                <a:cs typeface="+mn-cs"/>
+              </a:rPr>
+              <a:t>Webkit</a:t>
+            </a:r>
+            <a:r>
+              <a:rPr lang="en-US" sz="1200" b="0" i="0" kern="1200" baseline="0" dirty="0" smtClean="0">
+                <a:solidFill>
+                  <a:schemeClr val="tx1"/>
+                </a:solidFill>
+                <a:effectLst/>
+                <a:latin typeface="+mn-lt"/>
+                <a:ea typeface="+mn-ea"/>
+                <a:cs typeface="+mn-cs"/>
+              </a:rPr>
+              <a:t> (motor </a:t>
+            </a:r>
+            <a:r>
+              <a:rPr lang="en-US" sz="1200" b="0" i="0" kern="1200" baseline="0" dirty="0" err="1" smtClean="0">
+                <a:solidFill>
+                  <a:schemeClr val="tx1"/>
+                </a:solidFill>
+                <a:effectLst/>
+                <a:latin typeface="+mn-lt"/>
+                <a:ea typeface="+mn-ea"/>
+                <a:cs typeface="+mn-cs"/>
+              </a:rPr>
+              <a:t>sobre</a:t>
+            </a:r>
+            <a:r>
+              <a:rPr lang="en-US" sz="1200" b="0" i="0" kern="1200" baseline="0" dirty="0" smtClean="0">
+                <a:solidFill>
+                  <a:schemeClr val="tx1"/>
+                </a:solidFill>
+                <a:effectLst/>
+                <a:latin typeface="+mn-lt"/>
+                <a:ea typeface="+mn-ea"/>
+                <a:cs typeface="+mn-cs"/>
+              </a:rPr>
+              <a:t> el </a:t>
+            </a:r>
+            <a:r>
+              <a:rPr lang="en-US" sz="1200" b="0" i="0" kern="1200" baseline="0" dirty="0" err="1" smtClean="0">
+                <a:solidFill>
+                  <a:schemeClr val="tx1"/>
+                </a:solidFill>
+                <a:effectLst/>
+                <a:latin typeface="+mn-lt"/>
+                <a:ea typeface="+mn-ea"/>
+                <a:cs typeface="+mn-cs"/>
+              </a:rPr>
+              <a:t>cuál</a:t>
+            </a:r>
+            <a:r>
+              <a:rPr lang="en-US" sz="1200" b="0" i="0" kern="1200" baseline="0" dirty="0" smtClean="0">
+                <a:solidFill>
+                  <a:schemeClr val="tx1"/>
+                </a:solidFill>
+                <a:effectLst/>
+                <a:latin typeface="+mn-lt"/>
+                <a:ea typeface="+mn-ea"/>
+                <a:cs typeface="+mn-cs"/>
+              </a:rPr>
+              <a:t> se </a:t>
+            </a:r>
+            <a:r>
+              <a:rPr lang="en-US" sz="1200" b="0" i="0" kern="1200" baseline="0" dirty="0" err="1" smtClean="0">
+                <a:solidFill>
+                  <a:schemeClr val="tx1"/>
+                </a:solidFill>
+                <a:effectLst/>
+                <a:latin typeface="+mn-lt"/>
+                <a:ea typeface="+mn-ea"/>
+                <a:cs typeface="+mn-cs"/>
+              </a:rPr>
+              <a:t>basan</a:t>
+            </a:r>
+            <a:r>
+              <a:rPr lang="en-US" sz="1200" b="0" i="0" kern="1200" baseline="0" dirty="0" smtClean="0">
+                <a:solidFill>
+                  <a:schemeClr val="tx1"/>
+                </a:solidFill>
+                <a:effectLst/>
+                <a:latin typeface="+mn-lt"/>
+                <a:ea typeface="+mn-ea"/>
+                <a:cs typeface="+mn-cs"/>
+              </a:rPr>
+              <a:t> los </a:t>
+            </a:r>
+            <a:r>
+              <a:rPr lang="en-US" sz="1200" b="0" i="0" kern="1200" baseline="0" dirty="0" err="1" smtClean="0">
+                <a:solidFill>
+                  <a:schemeClr val="tx1"/>
+                </a:solidFill>
+                <a:effectLst/>
+                <a:latin typeface="+mn-lt"/>
+                <a:ea typeface="+mn-ea"/>
+                <a:cs typeface="+mn-cs"/>
+              </a:rPr>
+              <a:t>navegadores</a:t>
+            </a:r>
+            <a:r>
+              <a:rPr lang="en-US" sz="1200" b="0" i="0" kern="1200" baseline="0" dirty="0" smtClean="0">
+                <a:solidFill>
+                  <a:schemeClr val="tx1"/>
+                </a:solidFill>
+                <a:effectLst/>
+                <a:latin typeface="+mn-lt"/>
+                <a:ea typeface="+mn-ea"/>
+                <a:cs typeface="+mn-cs"/>
+              </a:rPr>
+              <a:t> chrome y safari)</a:t>
+            </a:r>
             <a:endParaRPr lang="es-PE" dirty="0"/>
           </a:p>
         </p:txBody>
@@ -3979,15 +4018,24 @@
           <a:bodyPr/>
           <a:lstStyle/>
           <a:p>
-            <a:pPr marL="0" indent="0">
+            <a:pPr marL="0" marR="0" indent="0" algn="l" defTabSz="914400" rtl="0" eaLnBrk="1" fontAlgn="auto" latinLnBrk="0" hangingPunct="1">
+              <a:lnSpc>
+                <a:spcPct val="100000"/>
+              </a:lnSpc>
+              <a:spcBef>
+                <a:spcPts val="0"/>
+              </a:spcBef>
+              <a:spcAft>
+                <a:spcPts val="0"/>
+              </a:spcAft>
+              <a:buClrTx/>
+              <a:buSzTx/>
               <a:buFontTx/>
               <a:buNone/>
+              <a:tabLst/>
+              <a:defRPr/>
             </a:pPr>
-            <a:r>
-              <a:rPr lang="es-PE" noProof="0" dirty="0" smtClean="0"/>
-              <a:t>translate.reference.com</a:t>
-            </a:r>
-            <a:endParaRPr lang="es-PE" noProof="0" dirty="0"/>
+            <a:endParaRPr lang="es-PE" dirty="0"/>
           </a:p>
         </p:txBody>
       </p:sp>
@@ -4010,14 +4058,14 @@
               <a:rPr lang="es-PE" smtClean="0"/>
               <a:t>26</a:t>
             </a:fld>
-            <a:endParaRPr lang="es-PE" dirty="0"/>
+            <a:endParaRPr lang="es-PE"/>
           </a:p>
         </p:txBody>
       </p:sp>
     </p:spTree>
     <p:extLst>
       <p:ext uri="{BB962C8B-B14F-4D97-AF65-F5344CB8AC3E}">
-        <p14:creationId xmlns:p14="http://schemas.microsoft.com/office/powerpoint/2010/main" val="3432092158"/>
+        <p14:creationId xmlns:p14="http://schemas.microsoft.com/office/powerpoint/2010/main" val="3810528762"/>
       </p:ext>
     </p:extLst>
   </p:cSld>
@@ -4071,6 +4119,23 @@
           <a:bodyPr/>
           <a:lstStyle/>
           <a:p>
+            <a:pPr marL="0" marR="0" indent="0" algn="l" defTabSz="914400" rtl="0" eaLnBrk="1" fontAlgn="auto" latinLnBrk="0" hangingPunct="1">
+              <a:lnSpc>
+                <a:spcPct val="100000"/>
+              </a:lnSpc>
+              <a:spcBef>
+                <a:spcPts val="0"/>
+              </a:spcBef>
+              <a:spcAft>
+                <a:spcPts val="0"/>
+              </a:spcAft>
+              <a:buClrTx/>
+              <a:buSzTx/>
+              <a:buFontTx/>
+              <a:buNone/>
+              <a:tabLst/>
+              <a:defRPr/>
+            </a:pPr>
             <a:endParaRPr lang="es-PE" dirty="0"/>
           </a:p>
         </p:txBody>
@@ -4155,6 +4220,23 @@
           <a:bodyPr/>
           <a:lstStyle/>
           <a:p>
+            <a:pPr marL="0" marR="0" indent="0" algn="l" defTabSz="914400" rtl="0" eaLnBrk="1" fontAlgn="auto" latinLnBrk="0" hangingPunct="1">
+              <a:lnSpc>
+                <a:spcPct val="100000"/>
+              </a:lnSpc>
+              <a:spcBef>
+                <a:spcPts val="0"/>
+              </a:spcBef>
+              <a:spcAft>
+                <a:spcPts val="0"/>
+              </a:spcAft>
+              <a:buClrTx/>
+              <a:buSzTx/>
+              <a:buFontTx/>
+              <a:buNone/>
+              <a:tabLst/>
+              <a:defRPr/>
+            </a:pPr>
             <a:endParaRPr lang="es-PE" dirty="0"/>
           </a:p>
         </p:txBody>
@@ -4239,7 +4321,15 @@
           <a:bodyPr/>
           <a:lstStyle/>
           <a:p>
-            <a:endParaRPr lang="es-PE" dirty="0"/>
+            <a:pPr marL="0" indent="0">
+              <a:buFontTx/>
+              <a:buNone/>
+            </a:pPr>
+            <a:r>
+              <a:rPr lang="es-PE" noProof="0" dirty="0" smtClean="0"/>
+              <a:t>translate.reference.com</a:t>
+            </a:r>
+            <a:endParaRPr lang="es-PE" noProof="0" dirty="0"/>
           </a:p>
         </p:txBody>
       </p:sp>
@@ -4262,7 +4352,7 @@
               <a:rPr lang="es-PE" smtClean="0"/>
               <a:t>29</a:t>
             </a:fld>
-            <a:endParaRPr lang="es-PE"/>
+            <a:endParaRPr lang="es-PE" dirty="0"/>
           </a:p>
         </p:txBody>
       </p:sp>
@@ -4363,6 +4453,258 @@
 </p:notes>
 </file>
 
+<file path=ppt/notesSlides/notesSlide30.xml><?xml version="1.0" encoding="utf-8"?>
+<p:notes xmlns:a="http://schemas.openxmlformats.org/drawingml/2006/main" xmlns:r="http://schemas.openxmlformats.org/officeDocument/2006/relationships" xmlns:p="http://schemas.openxmlformats.org/presentationml/2006/main">
+  <p:cSld>
+    <p:spTree>
+      <p:nvGrpSpPr>
+        <p:cNvPr id="1" name=""/>
+        <p:cNvGrpSpPr/>
+        <p:nvPr/>
+      </p:nvGrpSpPr>
+      <p:grpSpPr>
+        <a:xfrm>
+          <a:off x="0" y="0"/>
+          <a:ext cx="0" cy="0"/>
+          <a:chOff x="0" y="0"/>
+          <a:chExt cx="0" cy="0"/>
+        </a:xfrm>
+      </p:grpSpPr>
+      <p:sp>
+        <p:nvSpPr>
+          <p:cNvPr id="2" name="1 Marcador de imagen de diapositiva"/>
+          <p:cNvSpPr>
+            <a:spLocks noGrp="1" noRot="1" noChangeAspect="1"/>
+          </p:cNvSpPr>
+          <p:nvPr>
+            <p:ph type="sldImg"/>
+          </p:nvPr>
+        </p:nvSpPr>
+        <p:spPr/>
+      </p:sp>
+      <p:sp>
+        <p:nvSpPr>
+          <p:cNvPr id="3" name="2 Marcador de notas"/>
+          <p:cNvSpPr>
+            <a:spLocks noGrp="1"/>
+          </p:cNvSpPr>
+          <p:nvPr>
+            <p:ph type="body" idx="1"/>
+          </p:nvPr>
+        </p:nvSpPr>
+        <p:spPr/>
+        <p:txBody>
+          <a:bodyPr/>
+          <a:lstStyle/>
+          <a:p>
+            <a:endParaRPr lang="es-PE" dirty="0"/>
+          </a:p>
+        </p:txBody>
+      </p:sp>
+      <p:sp>
+        <p:nvSpPr>
+          <p:cNvPr id="4" name="3 Marcador de número de diapositiva"/>
+          <p:cNvSpPr>
+            <a:spLocks noGrp="1"/>
+          </p:cNvSpPr>
+          <p:nvPr>
+            <p:ph type="sldNum" sz="quarter" idx="10"/>
+          </p:nvPr>
+        </p:nvSpPr>
+        <p:spPr/>
+        <p:txBody>
+          <a:bodyPr/>
+          <a:lstStyle/>
+          <a:p>
+            <a:fld id="{80C14895-23C8-45AE-85D5-3B35E5980A68}" type="slidenum">
+              <a:rPr lang="es-PE" smtClean="0"/>
+              <a:t>30</a:t>
+            </a:fld>
+            <a:endParaRPr lang="es-PE"/>
+          </a:p>
+        </p:txBody>
+      </p:sp>
+    </p:spTree>
+    <p:extLst>
+      <p:ext uri="{BB962C8B-B14F-4D97-AF65-F5344CB8AC3E}">
+        <p14:creationId xmlns:p14="http://schemas.microsoft.com/office/powerpoint/2010/main" val="3432092158"/>
+      </p:ext>
+    </p:extLst>
+  </p:cSld>
+  <p:clrMapOvr>
+    <a:masterClrMapping/>
+  </p:clrMapOvr>
+</p:notes>
+</file>
+
+<file path=ppt/notesSlides/notesSlide31.xml><?xml version="1.0" encoding="utf-8"?>
+<p:notes xmlns:a="http://schemas.openxmlformats.org/drawingml/2006/main" xmlns:r="http://schemas.openxmlformats.org/officeDocument/2006/relationships" xmlns:p="http://schemas.openxmlformats.org/presentationml/2006/main">
+  <p:cSld>
+    <p:spTree>
+      <p:nvGrpSpPr>
+        <p:cNvPr id="1" name=""/>
+        <p:cNvGrpSpPr/>
+        <p:nvPr/>
+      </p:nvGrpSpPr>
+      <p:grpSpPr>
+        <a:xfrm>
+          <a:off x="0" y="0"/>
+          <a:ext cx="0" cy="0"/>
+          <a:chOff x="0" y="0"/>
+          <a:chExt cx="0" cy="0"/>
+        </a:xfrm>
+      </p:grpSpPr>
+      <p:sp>
+        <p:nvSpPr>
+          <p:cNvPr id="2" name="1 Marcador de imagen de diapositiva"/>
+          <p:cNvSpPr>
+            <a:spLocks noGrp="1" noRot="1" noChangeAspect="1"/>
+          </p:cNvSpPr>
+          <p:nvPr>
+            <p:ph type="sldImg"/>
+          </p:nvPr>
+        </p:nvSpPr>
+        <p:spPr/>
+      </p:sp>
+      <p:sp>
+        <p:nvSpPr>
+          <p:cNvPr id="3" name="2 Marcador de notas"/>
+          <p:cNvSpPr>
+            <a:spLocks noGrp="1"/>
+          </p:cNvSpPr>
+          <p:nvPr>
+            <p:ph type="body" idx="1"/>
+          </p:nvPr>
+        </p:nvSpPr>
+        <p:spPr/>
+        <p:txBody>
+          <a:bodyPr/>
+          <a:lstStyle/>
+          <a:p>
+            <a:endParaRPr lang="es-PE" dirty="0"/>
+          </a:p>
+        </p:txBody>
+      </p:sp>
+      <p:sp>
+        <p:nvSpPr>
+          <p:cNvPr id="4" name="3 Marcador de número de diapositiva"/>
+          <p:cNvSpPr>
+            <a:spLocks noGrp="1"/>
+          </p:cNvSpPr>
+          <p:nvPr>
+            <p:ph type="sldNum" sz="quarter" idx="10"/>
+          </p:nvPr>
+        </p:nvSpPr>
+        <p:spPr/>
+        <p:txBody>
+          <a:bodyPr/>
+          <a:lstStyle/>
+          <a:p>
+            <a:fld id="{80C14895-23C8-45AE-85D5-3B35E5980A68}" type="slidenum">
+              <a:rPr lang="es-PE" smtClean="0"/>
+              <a:t>31</a:t>
+            </a:fld>
+            <a:endParaRPr lang="es-PE"/>
+          </a:p>
+        </p:txBody>
+      </p:sp>
+    </p:spTree>
+    <p:extLst>
+      <p:ext uri="{BB962C8B-B14F-4D97-AF65-F5344CB8AC3E}">
+        <p14:creationId xmlns:p14="http://schemas.microsoft.com/office/powerpoint/2010/main" val="3432092158"/>
+      </p:ext>
+    </p:extLst>
+  </p:cSld>
+  <p:clrMapOvr>
+    <a:masterClrMapping/>
+  </p:clrMapOvr>
+</p:notes>
+</file>
+
+<file path=ppt/notesSlides/notesSlide32.xml><?xml version="1.0" encoding="utf-8"?>
+<p:notes xmlns:a="http://schemas.openxmlformats.org/drawingml/2006/main" xmlns:r="http://schemas.openxmlformats.org/officeDocument/2006/relationships" xmlns:p="http://schemas.openxmlformats.org/presentationml/2006/main">
+  <p:cSld>
+    <p:spTree>
+      <p:nvGrpSpPr>
+        <p:cNvPr id="1" name=""/>
+        <p:cNvGrpSpPr/>
+        <p:nvPr/>
+      </p:nvGrpSpPr>
+      <p:grpSpPr>
+        <a:xfrm>
+          <a:off x="0" y="0"/>
+          <a:ext cx="0" cy="0"/>
+          <a:chOff x="0" y="0"/>
+          <a:chExt cx="0" cy="0"/>
+        </a:xfrm>
+      </p:grpSpPr>
+      <p:sp>
+        <p:nvSpPr>
+          <p:cNvPr id="2" name="1 Marcador de imagen de diapositiva"/>
+          <p:cNvSpPr>
+            <a:spLocks noGrp="1" noRot="1" noChangeAspect="1"/>
+          </p:cNvSpPr>
+          <p:nvPr>
+            <p:ph type="sldImg"/>
+          </p:nvPr>
+        </p:nvSpPr>
+        <p:spPr/>
+      </p:sp>
+      <p:sp>
+        <p:nvSpPr>
+          <p:cNvPr id="3" name="2 Marcador de notas"/>
+          <p:cNvSpPr>
+            <a:spLocks noGrp="1"/>
+          </p:cNvSpPr>
+          <p:nvPr>
+            <p:ph type="body" idx="1"/>
+          </p:nvPr>
+        </p:nvSpPr>
+        <p:spPr/>
+        <p:txBody>
+          <a:bodyPr/>
+          <a:lstStyle/>
+          <a:p>
+            <a:endParaRPr lang="es-PE" dirty="0"/>
+          </a:p>
+        </p:txBody>
+      </p:sp>
+      <p:sp>
+        <p:nvSpPr>
+          <p:cNvPr id="4" name="3 Marcador de número de diapositiva"/>
+          <p:cNvSpPr>
+            <a:spLocks noGrp="1"/>
+          </p:cNvSpPr>
+          <p:nvPr>
+            <p:ph type="sldNum" sz="quarter" idx="10"/>
+          </p:nvPr>
+        </p:nvSpPr>
+        <p:spPr/>
+        <p:txBody>
+          <a:bodyPr/>
+          <a:lstStyle/>
+          <a:p>
+            <a:fld id="{80C14895-23C8-45AE-85D5-3B35E5980A68}" type="slidenum">
+              <a:rPr lang="es-PE" smtClean="0"/>
+              <a:t>32</a:t>
+            </a:fld>
+            <a:endParaRPr lang="es-PE"/>
+          </a:p>
+        </p:txBody>
+      </p:sp>
+    </p:spTree>
+    <p:extLst>
+      <p:ext uri="{BB962C8B-B14F-4D97-AF65-F5344CB8AC3E}">
+        <p14:creationId xmlns:p14="http://schemas.microsoft.com/office/powerpoint/2010/main" val="3432092158"/>
+      </p:ext>
+    </p:extLst>
+  </p:cSld>
+  <p:clrMapOvr>
+    <a:masterClrMapping/>
+  </p:clrMapOvr>
+</p:notes>
+</file>
+
 <file path=ppt/notesSlides/notesSlide4.xml><?xml version="1.0" encoding="utf-8"?>
 <p:notes xmlns:a="http://schemas.openxmlformats.org/drawingml/2006/main" xmlns:r="http://schemas.openxmlformats.org/officeDocument/2006/relationships" xmlns:p="http://schemas.openxmlformats.org/presentationml/2006/main">
   <p:cSld>
@@ -5318,7 +5660,7 @@
             <a:fld id="{807CB568-C05F-482F-9F26-AA302B8892DF}" type="datetimeFigureOut">
               <a:rPr lang="es-ES" smtClean="0"/>
               <a:pPr/>
-              <a:t>26/04/2013</a:t>
+              <a:t>19/12/2013</a:t>
             </a:fld>
             <a:endParaRPr lang="es-ES"/>
           </a:p>
@@ -5497,7 +5839,7 @@
             <a:fld id="{807CB568-C05F-482F-9F26-AA302B8892DF}" type="datetimeFigureOut">
               <a:rPr lang="es-ES" smtClean="0"/>
               <a:pPr/>
-              <a:t>26/04/2013</a:t>
+              <a:t>19/12/2013</a:t>
             </a:fld>
             <a:endParaRPr lang="es-ES"/>
           </a:p>
@@ -5686,7 +6028,7 @@
             <a:fld id="{807CB568-C05F-482F-9F26-AA302B8892DF}" type="datetimeFigureOut">
               <a:rPr lang="es-ES" smtClean="0"/>
               <a:pPr/>
-              <a:t>26/04/2013</a:t>
+              <a:t>19/12/2013</a:t>
             </a:fld>
             <a:endParaRPr lang="es-ES"/>
           </a:p>
@@ -5865,7 +6207,7 @@
             <a:fld id="{807CB568-C05F-482F-9F26-AA302B8892DF}" type="datetimeFigureOut">
               <a:rPr lang="es-ES" smtClean="0"/>
               <a:pPr/>
-              <a:t>26/04/2013</a:t>
+              <a:t>19/12/2013</a:t>
             </a:fld>
             <a:endParaRPr lang="es-ES"/>
           </a:p>
@@ -6120,7 +6462,7 @@
             <a:fld id="{807CB568-C05F-482F-9F26-AA302B8892DF}" type="datetimeFigureOut">
               <a:rPr lang="es-ES" smtClean="0"/>
               <a:pPr/>
-              <a:t>26/04/2013</a:t>
+              <a:t>19/12/2013</a:t>
             </a:fld>
             <a:endParaRPr lang="es-ES"/>
           </a:p>
@@ -6417,7 +6759,7 @@
             <a:fld id="{807CB568-C05F-482F-9F26-AA302B8892DF}" type="datetimeFigureOut">
               <a:rPr lang="es-ES" smtClean="0"/>
               <a:pPr/>
-              <a:t>26/04/2013</a:t>
+              <a:t>19/12/2013</a:t>
             </a:fld>
             <a:endParaRPr lang="es-ES"/>
           </a:p>
@@ -6848,7 +7190,7 @@
             <a:fld id="{807CB568-C05F-482F-9F26-AA302B8892DF}" type="datetimeFigureOut">
               <a:rPr lang="es-ES" smtClean="0"/>
               <a:pPr/>
-              <a:t>26/04/2013</a:t>
+              <a:t>19/12/2013</a:t>
             </a:fld>
             <a:endParaRPr lang="es-ES"/>
           </a:p>
@@ -6975,7 +7317,7 @@
             <a:fld id="{807CB568-C05F-482F-9F26-AA302B8892DF}" type="datetimeFigureOut">
               <a:rPr lang="es-ES" smtClean="0"/>
               <a:pPr/>
-              <a:t>26/04/2013</a:t>
+              <a:t>19/12/2013</a:t>
             </a:fld>
             <a:endParaRPr lang="es-ES"/>
           </a:p>
@@ -7079,7 +7421,7 @@
             <a:fld id="{807CB568-C05F-482F-9F26-AA302B8892DF}" type="datetimeFigureOut">
               <a:rPr lang="es-ES" smtClean="0"/>
               <a:pPr/>
-              <a:t>26/04/2013</a:t>
+              <a:t>19/12/2013</a:t>
             </a:fld>
             <a:endParaRPr lang="es-ES"/>
           </a:p>
@@ -7365,7 +7707,7 @@
             <a:fld id="{807CB568-C05F-482F-9F26-AA302B8892DF}" type="datetimeFigureOut">
               <a:rPr lang="es-ES" smtClean="0"/>
               <a:pPr/>
-              <a:t>26/04/2013</a:t>
+              <a:t>19/12/2013</a:t>
             </a:fld>
             <a:endParaRPr lang="es-ES"/>
           </a:p>
@@ -7634,7 +7976,7 @@
             <a:fld id="{807CB568-C05F-482F-9F26-AA302B8892DF}" type="datetimeFigureOut">
               <a:rPr lang="es-ES" smtClean="0"/>
               <a:pPr/>
-              <a:t>26/04/2013</a:t>
+              <a:t>19/12/2013</a:t>
             </a:fld>
             <a:endParaRPr lang="es-ES"/>
           </a:p>
@@ -7885,7 +8227,7 @@
             <a:fld id="{807CB568-C05F-482F-9F26-AA302B8892DF}" type="datetimeFigureOut">
               <a:rPr lang="es-ES" smtClean="0"/>
               <a:pPr/>
-              <a:t>26/04/2013</a:t>
+              <a:t>19/12/2013</a:t>
             </a:fld>
             <a:endParaRPr lang="es-ES"/>
           </a:p>
@@ -8522,11 +8864,7 @@
           <a:p>
             <a:r>
               <a:rPr lang="en-US" sz="2200" dirty="0" smtClean="0"/>
-              <a:t>"Test Automation </a:t>
-            </a:r>
-            <a:r>
-              <a:rPr lang="en-US" sz="2200" dirty="0" smtClean="0"/>
-              <a:t>Java"</a:t>
+              <a:t>"Test Automation Java"</a:t>
             </a:r>
             <a:r>
               <a:rPr lang="en-US" sz="2200" dirty="0"/>
@@ -9522,7 +9860,7 @@
       </p:grpSpPr>
       <p:sp>
         <p:nvSpPr>
-          <p:cNvPr id="3" name="2 Título"/>
+          <p:cNvPr id="5" name="2 Título"/>
           <p:cNvSpPr>
             <a:spLocks noGrp="1"/>
           </p:cNvSpPr>
@@ -9532,8 +9870,8 @@
         </p:nvSpPr>
         <p:spPr>
           <a:xfrm>
-            <a:off x="556805" y="225009"/>
-            <a:ext cx="8229600" cy="724942"/>
+            <a:off x="481299" y="188640"/>
+            <a:ext cx="8229600" cy="2088232"/>
           </a:xfrm>
         </p:spPr>
         <p:txBody>
@@ -9543,14 +9881,45 @@
             <a:r>
               <a:rPr lang="es-PE" dirty="0" smtClean="0">
                 <a:solidFill>
-                  <a:srgbClr val="00823B"/>
-                </a:solidFill>
-              </a:rPr>
-              <a:t>Ventajas y Desventajas</a:t>
+                  <a:srgbClr val="FFC000"/>
+                </a:solidFill>
+              </a:rPr>
+              <a:t>Ejercicio</a:t>
+            </a:r>
+            <a:br>
+              <a:rPr lang="es-PE" dirty="0" smtClean="0">
+                <a:solidFill>
+                  <a:srgbClr val="FFC000"/>
+                </a:solidFill>
+              </a:rPr>
+            </a:br>
+            <a:r>
+              <a:rPr lang="es-PE" dirty="0" smtClean="0">
+                <a:solidFill>
+                  <a:srgbClr val="00B050"/>
+                </a:solidFill>
+              </a:rPr>
+              <a:t>Crear pruebas de Interfaz Web utilizando </a:t>
+            </a:r>
+            <a:r>
+              <a:rPr lang="es-PE" dirty="0" err="1" smtClean="0">
+                <a:solidFill>
+                  <a:srgbClr val="00B050"/>
+                </a:solidFill>
+              </a:rPr>
+              <a:t>Selenium</a:t>
+            </a:r>
+            <a:r>
+              <a:rPr lang="es-PE" dirty="0" smtClean="0">
+                <a:solidFill>
+                  <a:srgbClr val="00B050"/>
+                </a:solidFill>
+              </a:rPr>
+              <a:t> IDE</a:t>
             </a:r>
             <a:endParaRPr lang="es-PE" dirty="0">
               <a:solidFill>
-                <a:srgbClr val="00823B"/>
+                <a:srgbClr val="00B050"/>
               </a:solidFill>
             </a:endParaRPr>
           </a:p>
@@ -9558,147 +9927,322 @@
       </p:sp>
       <p:sp>
         <p:nvSpPr>
-          <p:cNvPr id="4" name="3 Rectángulo"/>
-          <p:cNvSpPr/>
+          <p:cNvPr id="7" name="5 Marcador de contenido"/>
+          <p:cNvSpPr txBox="1">
+            <a:spLocks/>
+          </p:cNvSpPr>
           <p:nvPr/>
         </p:nvSpPr>
-        <p:spPr>
+        <p:spPr bwMode="auto">
           <a:xfrm>
-            <a:off x="492356" y="1165975"/>
-            <a:ext cx="8208000" cy="4093428"/>
+            <a:off x="599655" y="2420888"/>
+            <a:ext cx="7992888" cy="3888432"/>
           </a:xfrm>
           <a:prstGeom prst="rect">
             <a:avLst/>
           </a:prstGeom>
+          <a:noFill/>
+          <a:ln w="9525">
+            <a:noFill/>
+            <a:miter lim="800000"/>
+            <a:headEnd/>
+            <a:tailEnd/>
+          </a:ln>
         </p:spPr>
         <p:txBody>
-          <a:bodyPr wrap="square">
-            <a:spAutoFit/>
+          <a:bodyPr vert="horz" wrap="square" lIns="91440" tIns="45720" rIns="91440" bIns="45720" numCol="1" anchor="t" anchorCtr="0" compatLnSpc="1">
+            <a:prstTxWarp prst="textNoShape">
+              <a:avLst/>
+            </a:prstTxWarp>
           </a:bodyPr>
-          <a:lstStyle/>
-          <a:p>
-            <a:r>
-              <a:rPr lang="es-PE" sz="2600" dirty="0" smtClean="0">
-                <a:solidFill>
-                  <a:srgbClr val="FFC000"/>
-                </a:solidFill>
-              </a:rPr>
-              <a:t>PROS</a:t>
-            </a:r>
-          </a:p>
-          <a:p>
-            <a:pPr marL="342900" indent="-342900">
-              <a:buFont typeface="Courier New" pitchFamily="49" charset="0"/>
-              <a:buChar char="o"/>
+          <a:lstStyle>
+            <a:lvl1pPr marL="342900" indent="-342900" algn="l" rtl="0" eaLnBrk="1" fontAlgn="base" hangingPunct="1">
+              <a:spcBef>
+                <a:spcPct val="20000"/>
+              </a:spcBef>
+              <a:spcAft>
+                <a:spcPct val="0"/>
+              </a:spcAft>
+              <a:buFont typeface="Arial" charset="0"/>
+              <a:buChar char="•"/>
+              <a:defRPr sz="3200" kern="1200">
+                <a:solidFill>
+                  <a:schemeClr val="tx1"/>
+                </a:solidFill>
+                <a:latin typeface="+mn-lt"/>
+                <a:ea typeface="+mn-ea"/>
+                <a:cs typeface="+mn-cs"/>
+              </a:defRPr>
+            </a:lvl1pPr>
+            <a:lvl2pPr marL="742950" indent="-285750" algn="l" rtl="0" eaLnBrk="1" fontAlgn="base" hangingPunct="1">
+              <a:spcBef>
+                <a:spcPct val="20000"/>
+              </a:spcBef>
+              <a:spcAft>
+                <a:spcPct val="0"/>
+              </a:spcAft>
+              <a:buFont typeface="Arial" charset="0"/>
+              <a:buChar char="–"/>
+              <a:defRPr sz="2800" kern="1200">
+                <a:solidFill>
+                  <a:schemeClr val="tx1"/>
+                </a:solidFill>
+                <a:latin typeface="+mn-lt"/>
+                <a:ea typeface="+mn-ea"/>
+                <a:cs typeface="+mn-cs"/>
+              </a:defRPr>
+            </a:lvl2pPr>
+            <a:lvl3pPr marL="1143000" indent="-228600" algn="l" rtl="0" eaLnBrk="1" fontAlgn="base" hangingPunct="1">
+              <a:spcBef>
+                <a:spcPct val="20000"/>
+              </a:spcBef>
+              <a:spcAft>
+                <a:spcPct val="0"/>
+              </a:spcAft>
+              <a:buFont typeface="Arial" charset="0"/>
+              <a:buChar char="•"/>
+              <a:defRPr sz="2400" kern="1200">
+                <a:solidFill>
+                  <a:schemeClr val="tx1"/>
+                </a:solidFill>
+                <a:latin typeface="+mn-lt"/>
+                <a:ea typeface="+mn-ea"/>
+                <a:cs typeface="+mn-cs"/>
+              </a:defRPr>
+            </a:lvl3pPr>
+            <a:lvl4pPr marL="1600200" indent="-228600" algn="l" rtl="0" eaLnBrk="1" fontAlgn="base" hangingPunct="1">
+              <a:spcBef>
+                <a:spcPct val="20000"/>
+              </a:spcBef>
+              <a:spcAft>
+                <a:spcPct val="0"/>
+              </a:spcAft>
+              <a:buFont typeface="Arial" charset="0"/>
+              <a:buChar char="–"/>
+              <a:defRPr sz="2000" kern="1200">
+                <a:solidFill>
+                  <a:schemeClr val="tx1"/>
+                </a:solidFill>
+                <a:latin typeface="+mn-lt"/>
+                <a:ea typeface="+mn-ea"/>
+                <a:cs typeface="+mn-cs"/>
+              </a:defRPr>
+            </a:lvl4pPr>
+            <a:lvl5pPr marL="2057400" indent="-228600" algn="l" rtl="0" eaLnBrk="1" fontAlgn="base" hangingPunct="1">
+              <a:spcBef>
+                <a:spcPct val="20000"/>
+              </a:spcBef>
+              <a:spcAft>
+                <a:spcPct val="0"/>
+              </a:spcAft>
+              <a:buFont typeface="Arial" charset="0"/>
+              <a:buChar char="»"/>
+              <a:defRPr sz="2000" kern="1200">
+                <a:solidFill>
+                  <a:schemeClr val="tx1"/>
+                </a:solidFill>
+                <a:latin typeface="+mn-lt"/>
+                <a:ea typeface="+mn-ea"/>
+                <a:cs typeface="+mn-cs"/>
+              </a:defRPr>
+            </a:lvl5pPr>
+            <a:lvl6pPr marL="2514600" indent="-228600" algn="l" defTabSz="914400" rtl="0" eaLnBrk="1" latinLnBrk="0" hangingPunct="1">
+              <a:spcBef>
+                <a:spcPct val="20000"/>
+              </a:spcBef>
+              <a:buFont typeface="Arial" pitchFamily="34" charset="0"/>
+              <a:buChar char="•"/>
+              <a:defRPr sz="2000" kern="1200">
+                <a:solidFill>
+                  <a:schemeClr val="tx1"/>
+                </a:solidFill>
+                <a:latin typeface="+mn-lt"/>
+                <a:ea typeface="+mn-ea"/>
+                <a:cs typeface="+mn-cs"/>
+              </a:defRPr>
+            </a:lvl6pPr>
+            <a:lvl7pPr marL="2971800" indent="-228600" algn="l" defTabSz="914400" rtl="0" eaLnBrk="1" latinLnBrk="0" hangingPunct="1">
+              <a:spcBef>
+                <a:spcPct val="20000"/>
+              </a:spcBef>
+              <a:buFont typeface="Arial" pitchFamily="34" charset="0"/>
+              <a:buChar char="•"/>
+              <a:defRPr sz="2000" kern="1200">
+                <a:solidFill>
+                  <a:schemeClr val="tx1"/>
+                </a:solidFill>
+                <a:latin typeface="+mn-lt"/>
+                <a:ea typeface="+mn-ea"/>
+                <a:cs typeface="+mn-cs"/>
+              </a:defRPr>
+            </a:lvl7pPr>
+            <a:lvl8pPr marL="3429000" indent="-228600" algn="l" defTabSz="914400" rtl="0" eaLnBrk="1" latinLnBrk="0" hangingPunct="1">
+              <a:spcBef>
+                <a:spcPct val="20000"/>
+              </a:spcBef>
+              <a:buFont typeface="Arial" pitchFamily="34" charset="0"/>
+              <a:buChar char="•"/>
+              <a:defRPr sz="2000" kern="1200">
+                <a:solidFill>
+                  <a:schemeClr val="tx1"/>
+                </a:solidFill>
+                <a:latin typeface="+mn-lt"/>
+                <a:ea typeface="+mn-ea"/>
+                <a:cs typeface="+mn-cs"/>
+              </a:defRPr>
+            </a:lvl8pPr>
+            <a:lvl9pPr marL="3886200" indent="-228600" algn="l" defTabSz="914400" rtl="0" eaLnBrk="1" latinLnBrk="0" hangingPunct="1">
+              <a:spcBef>
+                <a:spcPct val="20000"/>
+              </a:spcBef>
+              <a:buFont typeface="Arial" pitchFamily="34" charset="0"/>
+              <a:buChar char="•"/>
+              <a:defRPr sz="2000" kern="1200">
+                <a:solidFill>
+                  <a:schemeClr val="tx1"/>
+                </a:solidFill>
+                <a:latin typeface="+mn-lt"/>
+                <a:ea typeface="+mn-ea"/>
+                <a:cs typeface="+mn-cs"/>
+              </a:defRPr>
+            </a:lvl9pPr>
+          </a:lstStyle>
+          <a:p>
+            <a:pPr marL="0" indent="0">
+              <a:buNone/>
             </a:pPr>
             <a:r>
-              <a:rPr lang="es-PE" sz="2600" dirty="0" smtClean="0"/>
-              <a:t>Fácil de empezar. </a:t>
-            </a:r>
-          </a:p>
-          <a:p>
-            <a:pPr marL="342900" indent="-342900">
-              <a:buFont typeface="Courier New" pitchFamily="49" charset="0"/>
-              <a:buChar char="o"/>
+              <a:rPr lang="es-PE" sz="2400" dirty="0" smtClean="0">
+                <a:solidFill>
+                  <a:srgbClr val="FF0000"/>
+                </a:solidFill>
+              </a:rPr>
+              <a:t>Datos de Acceso</a:t>
+            </a:r>
+          </a:p>
+          <a:p>
+            <a:pPr marL="0" indent="0">
+              <a:buNone/>
             </a:pPr>
             <a:r>
-              <a:rPr lang="es-PE" sz="2600" dirty="0" smtClean="0"/>
-              <a:t>No necesita habilidades de programación </a:t>
-            </a:r>
-            <a:br>
-              <a:rPr lang="es-PE" sz="2600" dirty="0" smtClean="0"/>
-            </a:br>
-            <a:r>
-              <a:rPr lang="es-PE" sz="2600" dirty="0" smtClean="0"/>
-              <a:t>(pero sí ciertos conocimientos técnicos de diseñ</a:t>
-            </a:r>
-            <a:r>
-              <a:rPr lang="en-US" sz="2600" dirty="0" smtClean="0"/>
-              <a:t>o web)</a:t>
-            </a:r>
-            <a:endParaRPr lang="es-PE" sz="2600" dirty="0" smtClean="0"/>
-          </a:p>
-          <a:p>
-            <a:pPr marL="342900" indent="-342900">
-              <a:buFont typeface="Courier New" pitchFamily="49" charset="0"/>
-              <a:buChar char="o"/>
+              <a:rPr lang="es-PE" sz="2400" dirty="0" smtClean="0"/>
+              <a:t>Sitio: </a:t>
+            </a:r>
+            <a:r>
+              <a:rPr lang="es-PE" sz="2400" dirty="0"/>
+              <a:t>http://keventer-test.herokuapp.com</a:t>
+            </a:r>
+          </a:p>
+          <a:p>
+            <a:pPr marL="0" indent="0">
+              <a:buNone/>
             </a:pPr>
-            <a:endParaRPr lang="es-PE" sz="2600" dirty="0" smtClean="0"/>
-          </a:p>
-          <a:p>
-            <a:r>
-              <a:rPr lang="es-PE" sz="2600" dirty="0" smtClean="0">
-                <a:solidFill>
-                  <a:srgbClr val="FFC000"/>
-                </a:solidFill>
-              </a:rPr>
-              <a:t>CONS</a:t>
-            </a:r>
-          </a:p>
-          <a:p>
-            <a:pPr marL="342900" indent="-342900">
-              <a:buFont typeface="Courier New" pitchFamily="49" charset="0"/>
-              <a:buChar char="o"/>
+            <a:r>
+              <a:rPr lang="es-PE" sz="2400" dirty="0" smtClean="0"/>
+              <a:t>Usuario: </a:t>
+            </a:r>
+            <a:r>
+              <a:rPr lang="es-PE" sz="2400" dirty="0"/>
+              <a:t>pepe@comercial.com</a:t>
+            </a:r>
+          </a:p>
+          <a:p>
+            <a:pPr marL="0" indent="0">
+              <a:buNone/>
             </a:pPr>
             <a:r>
-              <a:rPr lang="es-PE" sz="2600" dirty="0" smtClean="0"/>
-              <a:t>Muy frágil: Pequeños cambios en la UI ocasionan que las pruebas fallen.</a:t>
-            </a:r>
-          </a:p>
-          <a:p>
-            <a:pPr marL="342900" indent="-342900">
-              <a:buFont typeface="Courier New" pitchFamily="49" charset="0"/>
-              <a:buChar char="o"/>
+              <a:rPr lang="es-PE" sz="2400" dirty="0" smtClean="0"/>
+              <a:t>Clave: comercial</a:t>
+            </a:r>
+          </a:p>
+          <a:p>
+            <a:pPr marL="0" indent="0">
+              <a:buNone/>
             </a:pPr>
-            <a:r>
-              <a:rPr lang="es-PE" sz="2600" dirty="0" smtClean="0"/>
-              <a:t>Poco mantenible: Generan código poco modular, poco entendible y no reutilizable.</a:t>
-            </a:r>
-          </a:p>
-        </p:txBody>
-      </p:sp>
-      <p:sp>
-        <p:nvSpPr>
-          <p:cNvPr id="5" name="4 Rectángulo"/>
-          <p:cNvSpPr/>
-          <p:nvPr/>
-        </p:nvSpPr>
-        <p:spPr>
-          <a:xfrm>
-            <a:off x="865165" y="5376118"/>
-            <a:ext cx="7272808" cy="1077218"/>
-          </a:xfrm>
-          <a:prstGeom prst="rect">
-            <a:avLst/>
-          </a:prstGeom>
-        </p:spPr>
-        <p:txBody>
-          <a:bodyPr wrap="square">
-            <a:spAutoFit/>
-          </a:bodyPr>
-          <a:lstStyle/>
-          <a:p>
-            <a:pPr algn="ctr"/>
-            <a:r>
-              <a:rPr lang="es-PE" sz="3200" dirty="0" smtClean="0">
+            <a:endParaRPr lang="es-PE" sz="2400" dirty="0"/>
+          </a:p>
+          <a:p>
+            <a:pPr marL="0" indent="0">
+              <a:buNone/>
+            </a:pPr>
+            <a:r>
+              <a:rPr lang="es-PE" sz="2400" dirty="0" smtClean="0">
                 <a:solidFill>
                   <a:srgbClr val="FF0000"/>
                 </a:solidFill>
               </a:rPr>
-              <a:t>Poco adecuado para automatización a gran escala.</a:t>
-            </a:r>
-            <a:endParaRPr lang="es-PE" sz="3200" dirty="0">
-              <a:solidFill>
-                <a:srgbClr val="FF0000"/>
-              </a:solidFill>
-            </a:endParaRPr>
+              <a:t>Pruebas</a:t>
+            </a:r>
+          </a:p>
+          <a:p>
+            <a:r>
+              <a:rPr lang="es-PE" sz="2400" dirty="0"/>
+              <a:t>Acceso con </a:t>
+            </a:r>
+            <a:r>
+              <a:rPr lang="es-PE" sz="2400" dirty="0" smtClean="0"/>
+              <a:t>contraseña inválida -&gt; </a:t>
+            </a:r>
+            <a:r>
+              <a:rPr lang="es-PE" sz="2400" dirty="0"/>
+              <a:t>mensaje de </a:t>
+            </a:r>
+            <a:r>
+              <a:rPr lang="es-PE" sz="2400" dirty="0" smtClean="0"/>
+              <a:t>error</a:t>
+            </a:r>
+            <a:endParaRPr lang="es-PE" sz="2400" dirty="0"/>
+          </a:p>
+          <a:p>
+            <a:r>
+              <a:rPr lang="es-PE" sz="2400" dirty="0" smtClean="0"/>
+              <a:t>Acceso </a:t>
+            </a:r>
+            <a:r>
+              <a:rPr lang="es-PE" sz="2400" dirty="0"/>
+              <a:t>con </a:t>
+            </a:r>
+            <a:r>
+              <a:rPr lang="es-PE" sz="2400" dirty="0" smtClean="0"/>
+              <a:t>contraseña válida -&gt; debe ingresar al </a:t>
+            </a:r>
+            <a:r>
+              <a:rPr lang="es-PE" sz="2400" dirty="0" err="1"/>
+              <a:t>d</a:t>
+            </a:r>
+            <a:r>
+              <a:rPr lang="es-PE" sz="2400" dirty="0" err="1" smtClean="0"/>
+              <a:t>ashboard</a:t>
+            </a:r>
+            <a:endParaRPr lang="es-PE" sz="2400" dirty="0"/>
+          </a:p>
+          <a:p>
+            <a:pPr marL="0" indent="0">
+              <a:buNone/>
+            </a:pPr>
+            <a:endParaRPr lang="es-PE" sz="2400" dirty="0" smtClean="0"/>
+          </a:p>
+          <a:p>
+            <a:pPr marL="0" indent="0">
+              <a:buNone/>
+            </a:pPr>
+            <a:endParaRPr lang="es-PE" sz="2400" dirty="0"/>
+          </a:p>
+          <a:p>
+            <a:endParaRPr lang="es-PE" sz="2400" dirty="0"/>
+          </a:p>
+          <a:p>
+            <a:pPr marL="0" indent="0">
+              <a:buNone/>
+            </a:pPr>
+            <a:endParaRPr lang="es-PE" sz="2400" dirty="0" smtClean="0"/>
           </a:p>
         </p:txBody>
       </p:sp>
     </p:spTree>
     <p:extLst>
       <p:ext uri="{BB962C8B-B14F-4D97-AF65-F5344CB8AC3E}">
-        <p14:creationId xmlns:p14="http://schemas.microsoft.com/office/powerpoint/2010/main" val="3462575703"/>
+        <p14:creationId xmlns:p14="http://schemas.microsoft.com/office/powerpoint/2010/main" val="3743101536"/>
       </p:ext>
     </p:extLst>
   </p:cSld>
@@ -9744,7 +10288,7 @@
         </p:nvSpPr>
         <p:spPr>
           <a:xfrm>
-            <a:off x="556805" y="255786"/>
+            <a:off x="556805" y="225009"/>
             <a:ext cx="8229600" cy="724942"/>
           </a:xfrm>
         </p:spPr>
@@ -9758,7 +10302,7 @@
                   <a:srgbClr val="00823B"/>
                 </a:solidFill>
               </a:rPr>
-              <a:t>Scripting</a:t>
+              <a:t>Ventajas y Desventajas</a:t>
             </a:r>
             <a:endParaRPr lang="es-PE" dirty="0">
               <a:solidFill>
@@ -9776,8 +10320,8 @@
         </p:nvSpPr>
         <p:spPr>
           <a:xfrm>
-            <a:off x="457882" y="2512055"/>
-            <a:ext cx="8208000" cy="2492990"/>
+            <a:off x="492356" y="1165975"/>
+            <a:ext cx="8208000" cy="4093428"/>
           </a:xfrm>
           <a:prstGeom prst="rect">
             <a:avLst/>
@@ -9789,48 +10333,96 @@
           </a:bodyPr>
           <a:lstStyle/>
           <a:p>
-            <a:pPr marL="457200" indent="-457200">
-              <a:buFont typeface="Arial" pitchFamily="34" charset="0"/>
-              <a:buChar char="•"/>
+            <a:r>
+              <a:rPr lang="es-PE" sz="2600" dirty="0" smtClean="0">
+                <a:solidFill>
+                  <a:srgbClr val="FFC000"/>
+                </a:solidFill>
+              </a:rPr>
+              <a:t>PROS</a:t>
+            </a:r>
+          </a:p>
+          <a:p>
+            <a:pPr marL="342900" indent="-342900">
+              <a:buFont typeface="Courier New" pitchFamily="49" charset="0"/>
+              <a:buChar char="o"/>
             </a:pPr>
             <a:r>
               <a:rPr lang="es-PE" sz="2600" dirty="0" smtClean="0"/>
-              <a:t>Utilizar una </a:t>
-            </a:r>
-            <a:r>
-              <a:rPr lang="es-PE" sz="2600" dirty="0" err="1" smtClean="0"/>
-              <a:t>xUnit</a:t>
-            </a:r>
+              <a:t>Fácil de empezar. </a:t>
+            </a:r>
+          </a:p>
+          <a:p>
+            <a:pPr marL="342900" indent="-342900">
+              <a:buFont typeface="Courier New" pitchFamily="49" charset="0"/>
+              <a:buChar char="o"/>
+            </a:pPr>
             <a:r>
               <a:rPr lang="es-PE" sz="2600" dirty="0" smtClean="0"/>
-              <a:t> Framework para la creación de las pruebas y una framework de automatización de UI para la ejecución de acciones en la pantalla.</a:t>
-            </a:r>
-          </a:p>
-          <a:p>
+              <a:t>No necesita habilidades de programación </a:t>
+            </a:r>
+            <a:br>
+              <a:rPr lang="es-PE" sz="2600" dirty="0" smtClean="0"/>
+            </a:br>
+            <a:r>
+              <a:rPr lang="es-PE" sz="2600" dirty="0" smtClean="0"/>
+              <a:t>(pero sí ciertos conocimientos técnicos de diseñ</a:t>
+            </a:r>
+            <a:r>
+              <a:rPr lang="en-US" sz="2600" dirty="0" smtClean="0"/>
+              <a:t>o web)</a:t>
+            </a:r>
             <a:endParaRPr lang="es-PE" sz="2600" dirty="0" smtClean="0"/>
           </a:p>
           <a:p>
-            <a:pPr marL="457200" indent="-457200">
-              <a:buFont typeface="Arial" pitchFamily="34" charset="0"/>
-              <a:buChar char="•"/>
+            <a:pPr marL="342900" indent="-342900">
+              <a:buFont typeface="Courier New" pitchFamily="49" charset="0"/>
+              <a:buChar char="o"/>
             </a:pPr>
+            <a:endParaRPr lang="es-PE" sz="2600" dirty="0" smtClean="0"/>
+          </a:p>
+          <a:p>
+            <a:r>
+              <a:rPr lang="es-PE" sz="2600" dirty="0" smtClean="0">
+                <a:solidFill>
+                  <a:srgbClr val="FFC000"/>
+                </a:solidFill>
+              </a:rPr>
+              <a:t>CONS</a:t>
+            </a:r>
+          </a:p>
+          <a:p>
+            <a:pPr marL="342900" indent="-342900">
+              <a:buFont typeface="Courier New" pitchFamily="49" charset="0"/>
+              <a:buChar char="o"/>
+            </a:pPr>
             <a:r>
               <a:rPr lang="es-PE" sz="2600" dirty="0" smtClean="0"/>
-              <a:t>Toma más tiempo comenzar pero nos permite organizar las pruebas de la manera más conveniente.</a:t>
-            </a:r>
-          </a:p>
-        </p:txBody>
-      </p:sp>
-      <p:sp>
-        <p:nvSpPr>
-          <p:cNvPr id="6" name="5 Rectángulo"/>
+              <a:t>Muy frágil: Pequeños cambios en la UI ocasionan que las pruebas fallen.</a:t>
+            </a:r>
+          </a:p>
+          <a:p>
+            <a:pPr marL="342900" indent="-342900">
+              <a:buFont typeface="Courier New" pitchFamily="49" charset="0"/>
+              <a:buChar char="o"/>
+            </a:pPr>
+            <a:r>
+              <a:rPr lang="es-PE" sz="2600" dirty="0" smtClean="0"/>
+              <a:t>Poco mantenible: Generan código poco modular, poco entendible y no reutilizable.</a:t>
+            </a:r>
+          </a:p>
+        </p:txBody>
+      </p:sp>
+      <p:sp>
+        <p:nvSpPr>
+          <p:cNvPr id="5" name="4 Rectángulo"/>
           <p:cNvSpPr/>
           <p:nvPr/>
         </p:nvSpPr>
         <p:spPr>
           <a:xfrm>
-            <a:off x="323528" y="1287919"/>
-            <a:ext cx="8568000" cy="892552"/>
+            <a:off x="865165" y="5376118"/>
+            <a:ext cx="7272808" cy="1077218"/>
           </a:xfrm>
           <a:prstGeom prst="rect">
             <a:avLst/>
@@ -9844,17 +10436,25 @@
           <a:p>
             <a:pPr algn="ctr"/>
             <a:r>
-              <a:rPr lang="es-PE" sz="2600" dirty="0" smtClean="0"/>
-              <a:t>Programar manualmente cada prueba utilizando alguna framework de automatización de UI.</a:t>
-            </a:r>
-            <a:endParaRPr lang="es-PE" sz="2600" dirty="0"/>
+              <a:rPr lang="es-PE" sz="3200" dirty="0" smtClean="0">
+                <a:solidFill>
+                  <a:srgbClr val="FF0000"/>
+                </a:solidFill>
+              </a:rPr>
+              <a:t>Poco adecuado para automatización a gran escala.</a:t>
+            </a:r>
+            <a:endParaRPr lang="es-PE" sz="3200" dirty="0">
+              <a:solidFill>
+                <a:srgbClr val="FF0000"/>
+              </a:solidFill>
+            </a:endParaRPr>
           </a:p>
         </p:txBody>
       </p:sp>
     </p:spTree>
     <p:extLst>
       <p:ext uri="{BB962C8B-B14F-4D97-AF65-F5344CB8AC3E}">
-        <p14:creationId xmlns:p14="http://schemas.microsoft.com/office/powerpoint/2010/main" val="2531494339"/>
+        <p14:creationId xmlns:p14="http://schemas.microsoft.com/office/powerpoint/2010/main" val="3462575703"/>
       </p:ext>
     </p:extLst>
   </p:cSld>
@@ -9890,7 +10490,7 @@
       </p:grpSpPr>
       <p:sp>
         <p:nvSpPr>
-          <p:cNvPr id="5" name="2 Título"/>
+          <p:cNvPr id="3" name="2 Título"/>
           <p:cNvSpPr>
             <a:spLocks noGrp="1"/>
           </p:cNvSpPr>
@@ -9900,8 +10500,8 @@
         </p:nvSpPr>
         <p:spPr>
           <a:xfrm>
-            <a:off x="457200" y="1340768"/>
-            <a:ext cx="8229600" cy="2088232"/>
+            <a:off x="556805" y="255786"/>
+            <a:ext cx="8229600" cy="724942"/>
           </a:xfrm>
         </p:spPr>
         <p:txBody>
@@ -9911,45 +10511,14 @@
             <a:r>
               <a:rPr lang="es-PE" dirty="0" smtClean="0">
                 <a:solidFill>
-                  <a:srgbClr val="FFC000"/>
-                </a:solidFill>
-              </a:rPr>
-              <a:t>Ejercicio</a:t>
-            </a:r>
-            <a:br>
-              <a:rPr lang="es-PE" dirty="0" smtClean="0">
-                <a:solidFill>
-                  <a:srgbClr val="FFC000"/>
-                </a:solidFill>
-              </a:rPr>
-            </a:br>
-            <a:r>
-              <a:rPr lang="es-PE" dirty="0" smtClean="0">
-                <a:solidFill>
-                  <a:srgbClr val="00B050"/>
-                </a:solidFill>
-              </a:rPr>
-              <a:t>Crear pruebas de Interfaz Web utilizando </a:t>
-            </a:r>
-            <a:r>
-              <a:rPr lang="es-PE" dirty="0" err="1" smtClean="0">
-                <a:solidFill>
-                  <a:srgbClr val="00B050"/>
-                </a:solidFill>
-              </a:rPr>
-              <a:t>Selenium</a:t>
-            </a:r>
-            <a:r>
-              <a:rPr lang="es-PE" dirty="0" smtClean="0">
-                <a:solidFill>
-                  <a:srgbClr val="00B050"/>
-                </a:solidFill>
-              </a:rPr>
-              <a:t> Web Driver</a:t>
+                  <a:srgbClr val="00823B"/>
+                </a:solidFill>
+              </a:rPr>
+              <a:t>Scripting</a:t>
             </a:r>
             <a:endParaRPr lang="es-PE" dirty="0">
               <a:solidFill>
-                <a:srgbClr val="00B050"/>
+                <a:srgbClr val="00823B"/>
               </a:solidFill>
             </a:endParaRPr>
           </a:p>
@@ -9957,209 +10526,91 @@
       </p:sp>
       <p:sp>
         <p:nvSpPr>
-          <p:cNvPr id="7" name="5 Marcador de contenido"/>
-          <p:cNvSpPr txBox="1">
-            <a:spLocks/>
-          </p:cNvSpPr>
+          <p:cNvPr id="4" name="3 Rectángulo"/>
+          <p:cNvSpPr/>
           <p:nvPr/>
         </p:nvSpPr>
-        <p:spPr bwMode="auto">
+        <p:spPr>
           <a:xfrm>
-            <a:off x="599655" y="3573016"/>
-            <a:ext cx="7992888" cy="1440160"/>
+            <a:off x="457882" y="2512055"/>
+            <a:ext cx="8208000" cy="2492990"/>
           </a:xfrm>
           <a:prstGeom prst="rect">
             <a:avLst/>
           </a:prstGeom>
-          <a:noFill/>
-          <a:ln w="9525">
-            <a:noFill/>
-            <a:miter lim="800000"/>
-            <a:headEnd/>
-            <a:tailEnd/>
-          </a:ln>
         </p:spPr>
         <p:txBody>
-          <a:bodyPr vert="horz" wrap="square" lIns="91440" tIns="45720" rIns="91440" bIns="45720" numCol="1" anchor="t" anchorCtr="0" compatLnSpc="1">
-            <a:prstTxWarp prst="textNoShape">
-              <a:avLst/>
-            </a:prstTxWarp>
+          <a:bodyPr wrap="square">
+            <a:spAutoFit/>
           </a:bodyPr>
-          <a:lstStyle>
-            <a:lvl1pPr marL="342900" indent="-342900" algn="l" rtl="0" eaLnBrk="1" fontAlgn="base" hangingPunct="1">
-              <a:spcBef>
-                <a:spcPct val="20000"/>
-              </a:spcBef>
-              <a:spcAft>
-                <a:spcPct val="0"/>
-              </a:spcAft>
-              <a:buFont typeface="Arial" charset="0"/>
-              <a:buChar char="•"/>
-              <a:defRPr sz="3200" kern="1200">
-                <a:solidFill>
-                  <a:schemeClr val="tx1"/>
-                </a:solidFill>
-                <a:latin typeface="+mn-lt"/>
-                <a:ea typeface="+mn-ea"/>
-                <a:cs typeface="+mn-cs"/>
-              </a:defRPr>
-            </a:lvl1pPr>
-            <a:lvl2pPr marL="742950" indent="-285750" algn="l" rtl="0" eaLnBrk="1" fontAlgn="base" hangingPunct="1">
-              <a:spcBef>
-                <a:spcPct val="20000"/>
-              </a:spcBef>
-              <a:spcAft>
-                <a:spcPct val="0"/>
-              </a:spcAft>
-              <a:buFont typeface="Arial" charset="0"/>
-              <a:buChar char="–"/>
-              <a:defRPr sz="2800" kern="1200">
-                <a:solidFill>
-                  <a:schemeClr val="tx1"/>
-                </a:solidFill>
-                <a:latin typeface="+mn-lt"/>
-                <a:ea typeface="+mn-ea"/>
-                <a:cs typeface="+mn-cs"/>
-              </a:defRPr>
-            </a:lvl2pPr>
-            <a:lvl3pPr marL="1143000" indent="-228600" algn="l" rtl="0" eaLnBrk="1" fontAlgn="base" hangingPunct="1">
-              <a:spcBef>
-                <a:spcPct val="20000"/>
-              </a:spcBef>
-              <a:spcAft>
-                <a:spcPct val="0"/>
-              </a:spcAft>
-              <a:buFont typeface="Arial" charset="0"/>
-              <a:buChar char="•"/>
-              <a:defRPr sz="2400" kern="1200">
-                <a:solidFill>
-                  <a:schemeClr val="tx1"/>
-                </a:solidFill>
-                <a:latin typeface="+mn-lt"/>
-                <a:ea typeface="+mn-ea"/>
-                <a:cs typeface="+mn-cs"/>
-              </a:defRPr>
-            </a:lvl3pPr>
-            <a:lvl4pPr marL="1600200" indent="-228600" algn="l" rtl="0" eaLnBrk="1" fontAlgn="base" hangingPunct="1">
-              <a:spcBef>
-                <a:spcPct val="20000"/>
-              </a:spcBef>
-              <a:spcAft>
-                <a:spcPct val="0"/>
-              </a:spcAft>
-              <a:buFont typeface="Arial" charset="0"/>
-              <a:buChar char="–"/>
-              <a:defRPr sz="2000" kern="1200">
-                <a:solidFill>
-                  <a:schemeClr val="tx1"/>
-                </a:solidFill>
-                <a:latin typeface="+mn-lt"/>
-                <a:ea typeface="+mn-ea"/>
-                <a:cs typeface="+mn-cs"/>
-              </a:defRPr>
-            </a:lvl4pPr>
-            <a:lvl5pPr marL="2057400" indent="-228600" algn="l" rtl="0" eaLnBrk="1" fontAlgn="base" hangingPunct="1">
-              <a:spcBef>
-                <a:spcPct val="20000"/>
-              </a:spcBef>
-              <a:spcAft>
-                <a:spcPct val="0"/>
-              </a:spcAft>
-              <a:buFont typeface="Arial" charset="0"/>
-              <a:buChar char="»"/>
-              <a:defRPr sz="2000" kern="1200">
-                <a:solidFill>
-                  <a:schemeClr val="tx1"/>
-                </a:solidFill>
-                <a:latin typeface="+mn-lt"/>
-                <a:ea typeface="+mn-ea"/>
-                <a:cs typeface="+mn-cs"/>
-              </a:defRPr>
-            </a:lvl5pPr>
-            <a:lvl6pPr marL="2514600" indent="-228600" algn="l" defTabSz="914400" rtl="0" eaLnBrk="1" latinLnBrk="0" hangingPunct="1">
-              <a:spcBef>
-                <a:spcPct val="20000"/>
-              </a:spcBef>
+          <a:lstStyle/>
+          <a:p>
+            <a:pPr marL="457200" indent="-457200">
               <a:buFont typeface="Arial" pitchFamily="34" charset="0"/>
               <a:buChar char="•"/>
-              <a:defRPr sz="2000" kern="1200">
-                <a:solidFill>
-                  <a:schemeClr val="tx1"/>
-                </a:solidFill>
-                <a:latin typeface="+mn-lt"/>
-                <a:ea typeface="+mn-ea"/>
-                <a:cs typeface="+mn-cs"/>
-              </a:defRPr>
-            </a:lvl6pPr>
-            <a:lvl7pPr marL="2971800" indent="-228600" algn="l" defTabSz="914400" rtl="0" eaLnBrk="1" latinLnBrk="0" hangingPunct="1">
-              <a:spcBef>
-                <a:spcPct val="20000"/>
-              </a:spcBef>
+            </a:pPr>
+            <a:r>
+              <a:rPr lang="es-PE" sz="2600" dirty="0" smtClean="0"/>
+              <a:t>Utilizar una </a:t>
+            </a:r>
+            <a:r>
+              <a:rPr lang="es-PE" sz="2600" dirty="0" err="1" smtClean="0"/>
+              <a:t>xUnit</a:t>
+            </a:r>
+            <a:r>
+              <a:rPr lang="es-PE" sz="2600" dirty="0" smtClean="0"/>
+              <a:t> Framework para la creación de las pruebas y una framework de automatización de UI para la ejecución de acciones en la pantalla.</a:t>
+            </a:r>
+          </a:p>
+          <a:p>
+            <a:endParaRPr lang="es-PE" sz="2600" dirty="0" smtClean="0"/>
+          </a:p>
+          <a:p>
+            <a:pPr marL="457200" indent="-457200">
               <a:buFont typeface="Arial" pitchFamily="34" charset="0"/>
               <a:buChar char="•"/>
-              <a:defRPr sz="2000" kern="1200">
-                <a:solidFill>
-                  <a:schemeClr val="tx1"/>
-                </a:solidFill>
-                <a:latin typeface="+mn-lt"/>
-                <a:ea typeface="+mn-ea"/>
-                <a:cs typeface="+mn-cs"/>
-              </a:defRPr>
-            </a:lvl7pPr>
-            <a:lvl8pPr marL="3429000" indent="-228600" algn="l" defTabSz="914400" rtl="0" eaLnBrk="1" latinLnBrk="0" hangingPunct="1">
-              <a:spcBef>
-                <a:spcPct val="20000"/>
-              </a:spcBef>
-              <a:buFont typeface="Arial" pitchFamily="34" charset="0"/>
-              <a:buChar char="•"/>
-              <a:defRPr sz="2000" kern="1200">
-                <a:solidFill>
-                  <a:schemeClr val="tx1"/>
-                </a:solidFill>
-                <a:latin typeface="+mn-lt"/>
-                <a:ea typeface="+mn-ea"/>
-                <a:cs typeface="+mn-cs"/>
-              </a:defRPr>
-            </a:lvl8pPr>
-            <a:lvl9pPr marL="3886200" indent="-228600" algn="l" defTabSz="914400" rtl="0" eaLnBrk="1" latinLnBrk="0" hangingPunct="1">
-              <a:spcBef>
-                <a:spcPct val="20000"/>
-              </a:spcBef>
-              <a:buFont typeface="Arial" pitchFamily="34" charset="0"/>
-              <a:buChar char="•"/>
-              <a:defRPr sz="2000" kern="1200">
-                <a:solidFill>
-                  <a:schemeClr val="tx1"/>
-                </a:solidFill>
-                <a:latin typeface="+mn-lt"/>
-                <a:ea typeface="+mn-ea"/>
-                <a:cs typeface="+mn-cs"/>
-              </a:defRPr>
-            </a:lvl9pPr>
-          </a:lstStyle>
-          <a:p>
-            <a:pPr marL="0" indent="0" algn="ctr">
-              <a:buNone/>
             </a:pPr>
             <a:r>
-              <a:rPr lang="es-PE" sz="2800" dirty="0" smtClean="0"/>
-              <a:t>Utilizar el enfoque "Scripting" y </a:t>
-            </a:r>
-            <a:r>
-              <a:rPr lang="es-PE" sz="2800" dirty="0" err="1" smtClean="0"/>
-              <a:t>Selenium</a:t>
-            </a:r>
-            <a:r>
-              <a:rPr lang="es-PE" sz="2800" dirty="0" smtClean="0"/>
-              <a:t> Web Driver crear pruebas de interfaz web para una página de traducción ("translate.reference.com")</a:t>
-            </a:r>
+              <a:rPr lang="es-PE" sz="2600" dirty="0" smtClean="0"/>
+              <a:t>Toma más tiempo comenzar pero nos permite organizar las pruebas de la manera más conveniente.</a:t>
+            </a:r>
+          </a:p>
+        </p:txBody>
+      </p:sp>
+      <p:sp>
+        <p:nvSpPr>
+          <p:cNvPr id="6" name="5 Rectángulo"/>
+          <p:cNvSpPr/>
+          <p:nvPr/>
+        </p:nvSpPr>
+        <p:spPr>
+          <a:xfrm>
+            <a:off x="323528" y="1287919"/>
+            <a:ext cx="8568000" cy="892552"/>
+          </a:xfrm>
+          <a:prstGeom prst="rect">
+            <a:avLst/>
+          </a:prstGeom>
+        </p:spPr>
+        <p:txBody>
+          <a:bodyPr wrap="square">
+            <a:spAutoFit/>
+          </a:bodyPr>
+          <a:lstStyle/>
+          <a:p>
+            <a:pPr algn="ctr"/>
+            <a:r>
+              <a:rPr lang="es-PE" sz="2600" dirty="0" smtClean="0"/>
+              <a:t>Programar manualmente cada prueba utilizando alguna framework de automatización de UI.</a:t>
+            </a:r>
+            <a:endParaRPr lang="es-PE" sz="2600" dirty="0"/>
           </a:p>
         </p:txBody>
       </p:sp>
     </p:spTree>
     <p:extLst>
       <p:ext uri="{BB962C8B-B14F-4D97-AF65-F5344CB8AC3E}">
-        <p14:creationId xmlns:p14="http://schemas.microsoft.com/office/powerpoint/2010/main" val="2618358289"/>
+        <p14:creationId xmlns:p14="http://schemas.microsoft.com/office/powerpoint/2010/main" val="2531494339"/>
       </p:ext>
     </p:extLst>
   </p:cSld>
@@ -10195,7 +10646,7 @@
       </p:grpSpPr>
       <p:sp>
         <p:nvSpPr>
-          <p:cNvPr id="3" name="2 Título"/>
+          <p:cNvPr id="5" name="2 Título"/>
           <p:cNvSpPr>
             <a:spLocks noGrp="1"/>
           </p:cNvSpPr>
@@ -10205,8 +10656,8 @@
         </p:nvSpPr>
         <p:spPr>
           <a:xfrm>
-            <a:off x="556805" y="266814"/>
-            <a:ext cx="8229600" cy="724942"/>
+            <a:off x="457200" y="1340768"/>
+            <a:ext cx="8229600" cy="2088232"/>
           </a:xfrm>
         </p:spPr>
         <p:txBody>
@@ -10216,14 +10667,45 @@
             <a:r>
               <a:rPr lang="es-PE" dirty="0" smtClean="0">
                 <a:solidFill>
-                  <a:srgbClr val="00823B"/>
-                </a:solidFill>
-              </a:rPr>
-              <a:t>Ventajas y Desventajas</a:t>
+                  <a:srgbClr val="FFC000"/>
+                </a:solidFill>
+              </a:rPr>
+              <a:t>Ejercicio</a:t>
+            </a:r>
+            <a:br>
+              <a:rPr lang="es-PE" dirty="0" smtClean="0">
+                <a:solidFill>
+                  <a:srgbClr val="FFC000"/>
+                </a:solidFill>
+              </a:rPr>
+            </a:br>
+            <a:r>
+              <a:rPr lang="es-PE" dirty="0" smtClean="0">
+                <a:solidFill>
+                  <a:srgbClr val="00B050"/>
+                </a:solidFill>
+              </a:rPr>
+              <a:t>Crear pruebas de Interfaz Web utilizando </a:t>
+            </a:r>
+            <a:r>
+              <a:rPr lang="es-PE" dirty="0" err="1" smtClean="0">
+                <a:solidFill>
+                  <a:srgbClr val="00B050"/>
+                </a:solidFill>
+              </a:rPr>
+              <a:t>Selenium</a:t>
+            </a:r>
+            <a:r>
+              <a:rPr lang="es-PE" dirty="0" smtClean="0">
+                <a:solidFill>
+                  <a:srgbClr val="00B050"/>
+                </a:solidFill>
+              </a:rPr>
+              <a:t> Web Driver</a:t>
             </a:r>
             <a:endParaRPr lang="es-PE" dirty="0">
               <a:solidFill>
-                <a:srgbClr val="00823B"/>
+                <a:srgbClr val="00B050"/>
               </a:solidFill>
             </a:endParaRPr>
           </a:p>
@@ -10231,125 +10713,201 @@
       </p:sp>
       <p:sp>
         <p:nvSpPr>
-          <p:cNvPr id="4" name="3 Rectángulo"/>
-          <p:cNvSpPr/>
+          <p:cNvPr id="7" name="5 Marcador de contenido"/>
+          <p:cNvSpPr txBox="1">
+            <a:spLocks/>
+          </p:cNvSpPr>
           <p:nvPr/>
         </p:nvSpPr>
-        <p:spPr>
+        <p:spPr bwMode="auto">
           <a:xfrm>
-            <a:off x="492356" y="1124744"/>
-            <a:ext cx="8208000" cy="4893647"/>
+            <a:off x="599655" y="3573016"/>
+            <a:ext cx="7992888" cy="1440160"/>
           </a:xfrm>
           <a:prstGeom prst="rect">
             <a:avLst/>
           </a:prstGeom>
+          <a:noFill/>
+          <a:ln w="9525">
+            <a:noFill/>
+            <a:miter lim="800000"/>
+            <a:headEnd/>
+            <a:tailEnd/>
+          </a:ln>
         </p:spPr>
         <p:txBody>
-          <a:bodyPr wrap="square">
-            <a:spAutoFit/>
+          <a:bodyPr vert="horz" wrap="square" lIns="91440" tIns="45720" rIns="91440" bIns="45720" numCol="1" anchor="t" anchorCtr="0" compatLnSpc="1">
+            <a:prstTxWarp prst="textNoShape">
+              <a:avLst/>
+            </a:prstTxWarp>
           </a:bodyPr>
-          <a:lstStyle/>
-          <a:p>
-            <a:r>
-              <a:rPr lang="es-PE" sz="2600" dirty="0" smtClean="0">
-                <a:solidFill>
-                  <a:srgbClr val="FFC000"/>
-                </a:solidFill>
-              </a:rPr>
-              <a:t>PROS</a:t>
-            </a:r>
-          </a:p>
-          <a:p>
-            <a:pPr marL="342900" indent="-342900">
-              <a:buFont typeface="Courier New" pitchFamily="49" charset="0"/>
-              <a:buChar char="o"/>
+          <a:lstStyle>
+            <a:lvl1pPr marL="342900" indent="-342900" algn="l" rtl="0" eaLnBrk="1" fontAlgn="base" hangingPunct="1">
+              <a:spcBef>
+                <a:spcPct val="20000"/>
+              </a:spcBef>
+              <a:spcAft>
+                <a:spcPct val="0"/>
+              </a:spcAft>
+              <a:buFont typeface="Arial" charset="0"/>
+              <a:buChar char="•"/>
+              <a:defRPr sz="3200" kern="1200">
+                <a:solidFill>
+                  <a:schemeClr val="tx1"/>
+                </a:solidFill>
+                <a:latin typeface="+mn-lt"/>
+                <a:ea typeface="+mn-ea"/>
+                <a:cs typeface="+mn-cs"/>
+              </a:defRPr>
+            </a:lvl1pPr>
+            <a:lvl2pPr marL="742950" indent="-285750" algn="l" rtl="0" eaLnBrk="1" fontAlgn="base" hangingPunct="1">
+              <a:spcBef>
+                <a:spcPct val="20000"/>
+              </a:spcBef>
+              <a:spcAft>
+                <a:spcPct val="0"/>
+              </a:spcAft>
+              <a:buFont typeface="Arial" charset="0"/>
+              <a:buChar char="–"/>
+              <a:defRPr sz="2800" kern="1200">
+                <a:solidFill>
+                  <a:schemeClr val="tx1"/>
+                </a:solidFill>
+                <a:latin typeface="+mn-lt"/>
+                <a:ea typeface="+mn-ea"/>
+                <a:cs typeface="+mn-cs"/>
+              </a:defRPr>
+            </a:lvl2pPr>
+            <a:lvl3pPr marL="1143000" indent="-228600" algn="l" rtl="0" eaLnBrk="1" fontAlgn="base" hangingPunct="1">
+              <a:spcBef>
+                <a:spcPct val="20000"/>
+              </a:spcBef>
+              <a:spcAft>
+                <a:spcPct val="0"/>
+              </a:spcAft>
+              <a:buFont typeface="Arial" charset="0"/>
+              <a:buChar char="•"/>
+              <a:defRPr sz="2400" kern="1200">
+                <a:solidFill>
+                  <a:schemeClr val="tx1"/>
+                </a:solidFill>
+                <a:latin typeface="+mn-lt"/>
+                <a:ea typeface="+mn-ea"/>
+                <a:cs typeface="+mn-cs"/>
+              </a:defRPr>
+            </a:lvl3pPr>
+            <a:lvl4pPr marL="1600200" indent="-228600" algn="l" rtl="0" eaLnBrk="1" fontAlgn="base" hangingPunct="1">
+              <a:spcBef>
+                <a:spcPct val="20000"/>
+              </a:spcBef>
+              <a:spcAft>
+                <a:spcPct val="0"/>
+              </a:spcAft>
+              <a:buFont typeface="Arial" charset="0"/>
+              <a:buChar char="–"/>
+              <a:defRPr sz="2000" kern="1200">
+                <a:solidFill>
+                  <a:schemeClr val="tx1"/>
+                </a:solidFill>
+                <a:latin typeface="+mn-lt"/>
+                <a:ea typeface="+mn-ea"/>
+                <a:cs typeface="+mn-cs"/>
+              </a:defRPr>
+            </a:lvl4pPr>
+            <a:lvl5pPr marL="2057400" indent="-228600" algn="l" rtl="0" eaLnBrk="1" fontAlgn="base" hangingPunct="1">
+              <a:spcBef>
+                <a:spcPct val="20000"/>
+              </a:spcBef>
+              <a:spcAft>
+                <a:spcPct val="0"/>
+              </a:spcAft>
+              <a:buFont typeface="Arial" charset="0"/>
+              <a:buChar char="»"/>
+              <a:defRPr sz="2000" kern="1200">
+                <a:solidFill>
+                  <a:schemeClr val="tx1"/>
+                </a:solidFill>
+                <a:latin typeface="+mn-lt"/>
+                <a:ea typeface="+mn-ea"/>
+                <a:cs typeface="+mn-cs"/>
+              </a:defRPr>
+            </a:lvl5pPr>
+            <a:lvl6pPr marL="2514600" indent="-228600" algn="l" defTabSz="914400" rtl="0" eaLnBrk="1" latinLnBrk="0" hangingPunct="1">
+              <a:spcBef>
+                <a:spcPct val="20000"/>
+              </a:spcBef>
+              <a:buFont typeface="Arial" pitchFamily="34" charset="0"/>
+              <a:buChar char="•"/>
+              <a:defRPr sz="2000" kern="1200">
+                <a:solidFill>
+                  <a:schemeClr val="tx1"/>
+                </a:solidFill>
+                <a:latin typeface="+mn-lt"/>
+                <a:ea typeface="+mn-ea"/>
+                <a:cs typeface="+mn-cs"/>
+              </a:defRPr>
+            </a:lvl6pPr>
+            <a:lvl7pPr marL="2971800" indent="-228600" algn="l" defTabSz="914400" rtl="0" eaLnBrk="1" latinLnBrk="0" hangingPunct="1">
+              <a:spcBef>
+                <a:spcPct val="20000"/>
+              </a:spcBef>
+              <a:buFont typeface="Arial" pitchFamily="34" charset="0"/>
+              <a:buChar char="•"/>
+              <a:defRPr sz="2000" kern="1200">
+                <a:solidFill>
+                  <a:schemeClr val="tx1"/>
+                </a:solidFill>
+                <a:latin typeface="+mn-lt"/>
+                <a:ea typeface="+mn-ea"/>
+                <a:cs typeface="+mn-cs"/>
+              </a:defRPr>
+            </a:lvl7pPr>
+            <a:lvl8pPr marL="3429000" indent="-228600" algn="l" defTabSz="914400" rtl="0" eaLnBrk="1" latinLnBrk="0" hangingPunct="1">
+              <a:spcBef>
+                <a:spcPct val="20000"/>
+              </a:spcBef>
+              <a:buFont typeface="Arial" pitchFamily="34" charset="0"/>
+              <a:buChar char="•"/>
+              <a:defRPr sz="2000" kern="1200">
+                <a:solidFill>
+                  <a:schemeClr val="tx1"/>
+                </a:solidFill>
+                <a:latin typeface="+mn-lt"/>
+                <a:ea typeface="+mn-ea"/>
+                <a:cs typeface="+mn-cs"/>
+              </a:defRPr>
+            </a:lvl8pPr>
+            <a:lvl9pPr marL="3886200" indent="-228600" algn="l" defTabSz="914400" rtl="0" eaLnBrk="1" latinLnBrk="0" hangingPunct="1">
+              <a:spcBef>
+                <a:spcPct val="20000"/>
+              </a:spcBef>
+              <a:buFont typeface="Arial" pitchFamily="34" charset="0"/>
+              <a:buChar char="•"/>
+              <a:defRPr sz="2000" kern="1200">
+                <a:solidFill>
+                  <a:schemeClr val="tx1"/>
+                </a:solidFill>
+                <a:latin typeface="+mn-lt"/>
+                <a:ea typeface="+mn-ea"/>
+                <a:cs typeface="+mn-cs"/>
+              </a:defRPr>
+            </a:lvl9pPr>
+          </a:lstStyle>
+          <a:p>
+            <a:pPr marL="0" indent="0" algn="ctr">
+              <a:buNone/>
             </a:pPr>
             <a:r>
-              <a:rPr lang="es-PE" sz="2600" dirty="0" smtClean="0"/>
-              <a:t>Habilita la posibilidad de crear una framework propia que sirva como mediador entre las pruebas y la pantalla.</a:t>
-            </a:r>
-          </a:p>
-          <a:p>
-            <a:pPr marL="800100" lvl="1" indent="-342900">
-              <a:buFont typeface="Courier New" pitchFamily="49" charset="0"/>
-              <a:buChar char="o"/>
-            </a:pPr>
-            <a:r>
-              <a:rPr lang="es-PE" sz="2600" dirty="0" smtClean="0"/>
-              <a:t>Más mantenible: Cambios requieren modificar los </a:t>
-            </a:r>
-            <a:r>
-              <a:rPr lang="es-PE" sz="2600" dirty="0" err="1" smtClean="0"/>
-              <a:t>tests</a:t>
-            </a:r>
-            <a:r>
-              <a:rPr lang="es-PE" sz="2600" dirty="0" smtClean="0"/>
-              <a:t> en pequeñas áreas.</a:t>
-            </a:r>
-          </a:p>
-          <a:p>
-            <a:pPr marL="800100" lvl="1" indent="-342900">
-              <a:buFont typeface="Courier New" pitchFamily="49" charset="0"/>
-              <a:buChar char="o"/>
-            </a:pPr>
-            <a:r>
-              <a:rPr lang="es-PE" sz="2600" dirty="0" smtClean="0"/>
-              <a:t>Reutilización a largo plazo: nuevas pruebas se </a:t>
-            </a:r>
-            <a:r>
-              <a:rPr lang="es-PE" sz="2600" dirty="0"/>
-              <a:t>crean más rápido</a:t>
-            </a:r>
-            <a:r>
-              <a:rPr lang="es-PE" sz="2600" dirty="0" smtClean="0"/>
-              <a:t>.</a:t>
-            </a:r>
-          </a:p>
-          <a:p>
-            <a:pPr marL="342900" indent="-342900">
-              <a:buFont typeface="Courier New" pitchFamily="49" charset="0"/>
-              <a:buChar char="o"/>
-            </a:pPr>
-            <a:endParaRPr lang="es-PE" sz="2600" dirty="0" smtClean="0"/>
-          </a:p>
-          <a:p>
-            <a:r>
-              <a:rPr lang="es-PE" sz="2600" dirty="0" smtClean="0">
-                <a:solidFill>
-                  <a:srgbClr val="FFC000"/>
-                </a:solidFill>
-              </a:rPr>
-              <a:t>CONS</a:t>
-            </a:r>
-          </a:p>
-          <a:p>
-            <a:pPr marL="342900" indent="-342900">
-              <a:buFont typeface="Courier New" pitchFamily="49" charset="0"/>
-              <a:buChar char="o"/>
-            </a:pPr>
-            <a:r>
-              <a:rPr lang="es-PE" sz="2600" dirty="0" smtClean="0"/>
-              <a:t>Toma más tiempo de manera inicial.</a:t>
-            </a:r>
-          </a:p>
-          <a:p>
-            <a:pPr marL="342900" indent="-342900">
-              <a:buFont typeface="Courier New" pitchFamily="49" charset="0"/>
-              <a:buChar char="o"/>
-            </a:pPr>
-            <a:r>
-              <a:rPr lang="es-PE" sz="2600" dirty="0" smtClean="0"/>
-              <a:t>Requiere habilidades de programación.</a:t>
-            </a:r>
-          </a:p>
-          <a:p>
-            <a:pPr marL="342900" indent="-342900">
-              <a:buFont typeface="Courier New" pitchFamily="49" charset="0"/>
-              <a:buChar char="o"/>
-            </a:pPr>
-            <a:r>
-              <a:rPr lang="es-PE" sz="2600" dirty="0" smtClean="0"/>
-              <a:t>Requiere construir un API.</a:t>
+              <a:rPr lang="es-PE" sz="2800" dirty="0" smtClean="0"/>
+              <a:t>Utilizar el enfoque "Scripting" y </a:t>
+            </a:r>
+            <a:r>
+              <a:rPr lang="es-PE" sz="2800" dirty="0" err="1" smtClean="0"/>
+              <a:t>Selenium</a:t>
+            </a:r>
+            <a:r>
+              <a:rPr lang="es-PE" sz="2800" dirty="0" smtClean="0"/>
+              <a:t> Web Driver crear pruebas de interfaz web para una página de traducción ("translate.reference.com")</a:t>
             </a:r>
           </a:p>
         </p:txBody>
@@ -10357,7 +10915,7 @@
     </p:spTree>
     <p:extLst>
       <p:ext uri="{BB962C8B-B14F-4D97-AF65-F5344CB8AC3E}">
-        <p14:creationId xmlns:p14="http://schemas.microsoft.com/office/powerpoint/2010/main" val="2345205617"/>
+        <p14:creationId xmlns:p14="http://schemas.microsoft.com/office/powerpoint/2010/main" val="2618358289"/>
       </p:ext>
     </p:extLst>
   </p:cSld>
@@ -10403,7 +10961,7 @@
         </p:nvSpPr>
         <p:spPr>
           <a:xfrm>
-            <a:off x="556805" y="225009"/>
+            <a:off x="556805" y="266814"/>
             <a:ext cx="8229600" cy="724942"/>
           </a:xfrm>
         </p:spPr>
@@ -10417,7 +10975,7 @@
                   <a:srgbClr val="00823B"/>
                 </a:solidFill>
               </a:rPr>
-              <a:t>¿Cuál es más apropiada?</a:t>
+              <a:t>Ventajas y Desventajas</a:t>
             </a:r>
             <a:endParaRPr lang="es-PE" dirty="0">
               <a:solidFill>
@@ -10435,8 +10993,8 @@
         </p:nvSpPr>
         <p:spPr>
           <a:xfrm>
-            <a:off x="492356" y="1165975"/>
-            <a:ext cx="8208000" cy="4832092"/>
+            <a:off x="492356" y="1124744"/>
+            <a:ext cx="8208000" cy="4893647"/>
           </a:xfrm>
           <a:prstGeom prst="rect">
             <a:avLst/>
@@ -10449,85 +11007,105 @@
           <a:lstStyle/>
           <a:p>
             <a:r>
-              <a:rPr lang="es-PE" sz="2800" dirty="0" smtClean="0">
-                <a:solidFill>
-                  <a:srgbClr val="FF0000"/>
-                </a:solidFill>
-              </a:rPr>
-              <a:t>Record and Playback</a:t>
-            </a:r>
-          </a:p>
-          <a:p>
-            <a:pPr marL="457200" indent="-457200">
-              <a:buFont typeface="Arial" pitchFamily="34" charset="0"/>
-              <a:buChar char="•"/>
+              <a:rPr lang="es-PE" sz="2600" dirty="0" smtClean="0">
+                <a:solidFill>
+                  <a:srgbClr val="FFC000"/>
+                </a:solidFill>
+              </a:rPr>
+              <a:t>PROS</a:t>
+            </a:r>
+          </a:p>
+          <a:p>
+            <a:pPr marL="342900" indent="-342900">
+              <a:buFont typeface="Courier New" pitchFamily="49" charset="0"/>
+              <a:buChar char="o"/>
             </a:pPr>
             <a:r>
-              <a:rPr lang="es-PE" sz="2800" dirty="0" smtClean="0"/>
-              <a:t>Reproducción de bugs:  Comunicar errores encontrados a través de scripts que permitan reproducirlos.</a:t>
-            </a:r>
-          </a:p>
-          <a:p>
-            <a:pPr marL="457200" indent="-457200">
-              <a:buFont typeface="Arial" pitchFamily="34" charset="0"/>
-              <a:buChar char="•"/>
+              <a:rPr lang="es-PE" sz="2600" dirty="0" smtClean="0"/>
+              <a:t>Habilita la posibilidad de crear una framework propia que sirva como mediador entre las pruebas y la pantalla.</a:t>
+            </a:r>
+          </a:p>
+          <a:p>
+            <a:pPr marL="800100" lvl="1" indent="-342900">
+              <a:buFont typeface="Courier New" pitchFamily="49" charset="0"/>
+              <a:buChar char="o"/>
             </a:pPr>
             <a:r>
-              <a:rPr lang="es-PE" sz="2800" dirty="0" err="1" smtClean="0"/>
-              <a:t>Exploratory</a:t>
-            </a:r>
-            <a:r>
-              <a:rPr lang="es-PE" sz="2800" dirty="0" smtClean="0"/>
-              <a:t> </a:t>
-            </a:r>
-            <a:r>
-              <a:rPr lang="es-PE" sz="2800" dirty="0" err="1" smtClean="0"/>
-              <a:t>Testing</a:t>
-            </a:r>
-            <a:r>
-              <a:rPr lang="es-PE" sz="2800" dirty="0" smtClean="0"/>
-              <a:t>: Scripts que ayuden en la realización de </a:t>
-            </a:r>
-            <a:r>
-              <a:rPr lang="es-PE" sz="2800" dirty="0" err="1" smtClean="0"/>
-              <a:t>Testing</a:t>
-            </a:r>
-            <a:r>
-              <a:rPr lang="es-PE" sz="2800" dirty="0" smtClean="0"/>
-              <a:t> Exploratorio.</a:t>
-            </a:r>
-          </a:p>
-          <a:p>
-            <a:endParaRPr lang="es-PE" sz="2800" dirty="0" smtClean="0"/>
-          </a:p>
-          <a:p>
-            <a:r>
-              <a:rPr lang="es-PE" sz="2800" dirty="0" smtClean="0">
-                <a:solidFill>
-                  <a:srgbClr val="FF0000"/>
-                </a:solidFill>
-              </a:rPr>
-              <a:t>Scripting</a:t>
-            </a:r>
-          </a:p>
-          <a:p>
-            <a:pPr marL="457200" indent="-457200">
-              <a:buFont typeface="Arial" pitchFamily="34" charset="0"/>
-              <a:buChar char="•"/>
+              <a:rPr lang="es-PE" sz="2600" dirty="0" smtClean="0"/>
+              <a:t>Más mantenible: Cambios requieren modificar los </a:t>
+            </a:r>
+            <a:r>
+              <a:rPr lang="es-PE" sz="2600" dirty="0" err="1" smtClean="0"/>
+              <a:t>tests</a:t>
+            </a:r>
+            <a:r>
+              <a:rPr lang="es-PE" sz="2600" dirty="0" smtClean="0"/>
+              <a:t> en pequeñas áreas.</a:t>
+            </a:r>
+          </a:p>
+          <a:p>
+            <a:pPr marL="800100" lvl="1" indent="-342900">
+              <a:buFont typeface="Courier New" pitchFamily="49" charset="0"/>
+              <a:buChar char="o"/>
             </a:pPr>
             <a:r>
-              <a:rPr lang="es-PE" sz="2800" dirty="0" smtClean="0"/>
-              <a:t>Crear una suite de pruebas robusta y mantenible.</a:t>
-            </a:r>
-          </a:p>
-          <a:p>
-            <a:pPr marL="457200" indent="-457200">
-              <a:buFont typeface="Arial" pitchFamily="34" charset="0"/>
-              <a:buChar char="•"/>
+              <a:rPr lang="es-PE" sz="2600" dirty="0" smtClean="0"/>
+              <a:t>Reutilización a largo plazo: nuevas pruebas se </a:t>
+            </a:r>
+            <a:r>
+              <a:rPr lang="es-PE" sz="2600" dirty="0"/>
+              <a:t>crean más rápido</a:t>
+            </a:r>
+            <a:r>
+              <a:rPr lang="es-PE" sz="2600" dirty="0" smtClean="0"/>
+              <a:t>.</a:t>
+            </a:r>
+          </a:p>
+          <a:p>
+            <a:pPr marL="342900" indent="-342900">
+              <a:buFont typeface="Courier New" pitchFamily="49" charset="0"/>
+              <a:buChar char="o"/>
             </a:pPr>
-            <a:r>
-              <a:rPr lang="es-PE" sz="2800" dirty="0" smtClean="0"/>
-              <a:t>Escalar y distribuir las pruebas alrededor de múltiples ambientes.</a:t>
+            <a:endParaRPr lang="es-PE" sz="2600" dirty="0" smtClean="0"/>
+          </a:p>
+          <a:p>
+            <a:r>
+              <a:rPr lang="es-PE" sz="2600" dirty="0" smtClean="0">
+                <a:solidFill>
+                  <a:srgbClr val="FFC000"/>
+                </a:solidFill>
+              </a:rPr>
+              <a:t>CONS</a:t>
+            </a:r>
+          </a:p>
+          <a:p>
+            <a:pPr marL="342900" indent="-342900">
+              <a:buFont typeface="Courier New" pitchFamily="49" charset="0"/>
+              <a:buChar char="o"/>
+            </a:pPr>
+            <a:r>
+              <a:rPr lang="es-PE" sz="2600" dirty="0" smtClean="0"/>
+              <a:t>Toma más tiempo de manera inicial.</a:t>
+            </a:r>
+          </a:p>
+          <a:p>
+            <a:pPr marL="342900" indent="-342900">
+              <a:buFont typeface="Courier New" pitchFamily="49" charset="0"/>
+              <a:buChar char="o"/>
+            </a:pPr>
+            <a:r>
+              <a:rPr lang="es-PE" sz="2600" dirty="0" smtClean="0"/>
+              <a:t>Requiere habilidades de programación.</a:t>
+            </a:r>
+          </a:p>
+          <a:p>
+            <a:pPr marL="342900" indent="-342900">
+              <a:buFont typeface="Courier New" pitchFamily="49" charset="0"/>
+              <a:buChar char="o"/>
+            </a:pPr>
+            <a:r>
+              <a:rPr lang="es-PE" sz="2600" dirty="0" smtClean="0"/>
+              <a:t>Requiere construir un API.</a:t>
             </a:r>
           </a:p>
         </p:txBody>
@@ -10535,7 +11113,7 @@
     </p:spTree>
     <p:extLst>
       <p:ext uri="{BB962C8B-B14F-4D97-AF65-F5344CB8AC3E}">
-        <p14:creationId xmlns:p14="http://schemas.microsoft.com/office/powerpoint/2010/main" val="1711629101"/>
+        <p14:creationId xmlns:p14="http://schemas.microsoft.com/office/powerpoint/2010/main" val="2345205617"/>
       </p:ext>
     </p:extLst>
   </p:cSld>
@@ -10571,7 +11149,7 @@
       </p:grpSpPr>
       <p:sp>
         <p:nvSpPr>
-          <p:cNvPr id="3" name="2 Título"/>
+          <p:cNvPr id="5" name="2 Título"/>
           <p:cNvSpPr>
             <a:spLocks noGrp="1"/>
           </p:cNvSpPr>
@@ -10581,8 +11159,8 @@
         </p:nvSpPr>
         <p:spPr>
           <a:xfrm>
-            <a:off x="556805" y="225009"/>
-            <a:ext cx="8229600" cy="724942"/>
+            <a:off x="481299" y="188640"/>
+            <a:ext cx="8229600" cy="2088232"/>
           </a:xfrm>
         </p:spPr>
         <p:txBody>
@@ -10592,14 +11170,29 @@
             <a:r>
               <a:rPr lang="es-PE" dirty="0" smtClean="0">
                 <a:solidFill>
-                  <a:srgbClr val="00823B"/>
-                </a:solidFill>
-              </a:rPr>
-              <a:t>Otros Componentes</a:t>
+                  <a:srgbClr val="FFC000"/>
+                </a:solidFill>
+              </a:rPr>
+              <a:t>Ejercicio</a:t>
+            </a:r>
+            <a:br>
+              <a:rPr lang="es-PE" dirty="0" smtClean="0">
+                <a:solidFill>
+                  <a:srgbClr val="FFC000"/>
+                </a:solidFill>
+              </a:rPr>
+            </a:br>
+            <a:r>
+              <a:rPr lang="es-PE" dirty="0" smtClean="0">
+                <a:solidFill>
+                  <a:srgbClr val="00B050"/>
+                </a:solidFill>
+              </a:rPr>
+              <a:t>Crear pruebas de Interfaz Web utilizando Web Driver</a:t>
             </a:r>
             <a:endParaRPr lang="es-PE" dirty="0">
               <a:solidFill>
-                <a:srgbClr val="00823B"/>
+                <a:srgbClr val="00B050"/>
               </a:solidFill>
             </a:endParaRPr>
           </a:p>
@@ -10607,162 +11200,322 @@
       </p:sp>
       <p:sp>
         <p:nvSpPr>
-          <p:cNvPr id="4" name="3 Rectángulo"/>
-          <p:cNvSpPr/>
+          <p:cNvPr id="7" name="5 Marcador de contenido"/>
+          <p:cNvSpPr txBox="1">
+            <a:spLocks/>
+          </p:cNvSpPr>
           <p:nvPr/>
         </p:nvSpPr>
-        <p:spPr>
+        <p:spPr bwMode="auto">
           <a:xfrm>
-            <a:off x="492356" y="1165975"/>
-            <a:ext cx="8208000" cy="5262979"/>
+            <a:off x="599655" y="2420888"/>
+            <a:ext cx="7992888" cy="3888432"/>
           </a:xfrm>
           <a:prstGeom prst="rect">
             <a:avLst/>
           </a:prstGeom>
+          <a:noFill/>
+          <a:ln w="9525">
+            <a:noFill/>
+            <a:miter lim="800000"/>
+            <a:headEnd/>
+            <a:tailEnd/>
+          </a:ln>
         </p:spPr>
         <p:txBody>
-          <a:bodyPr wrap="square">
-            <a:spAutoFit/>
+          <a:bodyPr vert="horz" wrap="square" lIns="91440" tIns="45720" rIns="91440" bIns="45720" numCol="1" anchor="t" anchorCtr="0" compatLnSpc="1">
+            <a:prstTxWarp prst="textNoShape">
+              <a:avLst/>
+            </a:prstTxWarp>
           </a:bodyPr>
-          <a:lstStyle/>
-          <a:p>
-            <a:r>
-              <a:rPr lang="es-PE" sz="2800" dirty="0" err="1" smtClean="0">
-                <a:solidFill>
-                  <a:srgbClr val="FF0000"/>
-                </a:solidFill>
-              </a:rPr>
-              <a:t>Selenium</a:t>
-            </a:r>
-            <a:r>
-              <a:rPr lang="es-PE" sz="2800" dirty="0" smtClean="0">
-                <a:solidFill>
-                  <a:srgbClr val="FF0000"/>
-                </a:solidFill>
-              </a:rPr>
-              <a:t> </a:t>
-            </a:r>
-            <a:r>
-              <a:rPr lang="es-PE" sz="2800" dirty="0" err="1" smtClean="0">
-                <a:solidFill>
-                  <a:srgbClr val="FF0000"/>
-                </a:solidFill>
-              </a:rPr>
-              <a:t>Grid</a:t>
-            </a:r>
-            <a:endParaRPr lang="es-PE" sz="2800" dirty="0" smtClean="0">
-              <a:solidFill>
-                <a:srgbClr val="FF0000"/>
-              </a:solidFill>
-            </a:endParaRPr>
-          </a:p>
-          <a:p>
-            <a:r>
-              <a:rPr lang="es-PE" sz="2800" dirty="0" smtClean="0"/>
-              <a:t>Ejecutar test de manera paralela en red distribuida de computadores o máquinas virtuales.</a:t>
-            </a:r>
-          </a:p>
-          <a:p>
-            <a:endParaRPr lang="es-PE" sz="2800" dirty="0" smtClean="0"/>
-          </a:p>
-          <a:p>
-            <a:r>
-              <a:rPr lang="es-PE" sz="2800" dirty="0" err="1" smtClean="0">
-                <a:solidFill>
-                  <a:srgbClr val="FF0000"/>
-                </a:solidFill>
-              </a:rPr>
-              <a:t>Selenium</a:t>
-            </a:r>
-            <a:r>
-              <a:rPr lang="es-PE" sz="2800" dirty="0" smtClean="0">
-                <a:solidFill>
-                  <a:srgbClr val="FF0000"/>
-                </a:solidFill>
-              </a:rPr>
-              <a:t> Server: </a:t>
-            </a:r>
-          </a:p>
-          <a:p>
-            <a:r>
-              <a:rPr lang="es-PE" sz="2800" dirty="0" smtClean="0"/>
-              <a:t>Ejecutar </a:t>
-            </a:r>
-            <a:r>
-              <a:rPr lang="es-PE" sz="2800" dirty="0" err="1" smtClean="0"/>
-              <a:t>tests</a:t>
-            </a:r>
-            <a:r>
-              <a:rPr lang="es-PE" sz="2800" dirty="0" smtClean="0"/>
-              <a:t> en máquinas remotas.</a:t>
-            </a:r>
-          </a:p>
-          <a:p>
-            <a:pPr marL="457200" indent="-457200">
+          <a:lstStyle>
+            <a:lvl1pPr marL="342900" indent="-342900" algn="l" rtl="0" eaLnBrk="1" fontAlgn="base" hangingPunct="1">
+              <a:spcBef>
+                <a:spcPct val="20000"/>
+              </a:spcBef>
+              <a:spcAft>
+                <a:spcPct val="0"/>
+              </a:spcAft>
+              <a:buFont typeface="Arial" charset="0"/>
+              <a:buChar char="•"/>
+              <a:defRPr sz="3200" kern="1200">
+                <a:solidFill>
+                  <a:schemeClr val="tx1"/>
+                </a:solidFill>
+                <a:latin typeface="+mn-lt"/>
+                <a:ea typeface="+mn-ea"/>
+                <a:cs typeface="+mn-cs"/>
+              </a:defRPr>
+            </a:lvl1pPr>
+            <a:lvl2pPr marL="742950" indent="-285750" algn="l" rtl="0" eaLnBrk="1" fontAlgn="base" hangingPunct="1">
+              <a:spcBef>
+                <a:spcPct val="20000"/>
+              </a:spcBef>
+              <a:spcAft>
+                <a:spcPct val="0"/>
+              </a:spcAft>
+              <a:buFont typeface="Arial" charset="0"/>
+              <a:buChar char="–"/>
+              <a:defRPr sz="2800" kern="1200">
+                <a:solidFill>
+                  <a:schemeClr val="tx1"/>
+                </a:solidFill>
+                <a:latin typeface="+mn-lt"/>
+                <a:ea typeface="+mn-ea"/>
+                <a:cs typeface="+mn-cs"/>
+              </a:defRPr>
+            </a:lvl2pPr>
+            <a:lvl3pPr marL="1143000" indent="-228600" algn="l" rtl="0" eaLnBrk="1" fontAlgn="base" hangingPunct="1">
+              <a:spcBef>
+                <a:spcPct val="20000"/>
+              </a:spcBef>
+              <a:spcAft>
+                <a:spcPct val="0"/>
+              </a:spcAft>
+              <a:buFont typeface="Arial" charset="0"/>
+              <a:buChar char="•"/>
+              <a:defRPr sz="2400" kern="1200">
+                <a:solidFill>
+                  <a:schemeClr val="tx1"/>
+                </a:solidFill>
+                <a:latin typeface="+mn-lt"/>
+                <a:ea typeface="+mn-ea"/>
+                <a:cs typeface="+mn-cs"/>
+              </a:defRPr>
+            </a:lvl3pPr>
+            <a:lvl4pPr marL="1600200" indent="-228600" algn="l" rtl="0" eaLnBrk="1" fontAlgn="base" hangingPunct="1">
+              <a:spcBef>
+                <a:spcPct val="20000"/>
+              </a:spcBef>
+              <a:spcAft>
+                <a:spcPct val="0"/>
+              </a:spcAft>
+              <a:buFont typeface="Arial" charset="0"/>
+              <a:buChar char="–"/>
+              <a:defRPr sz="2000" kern="1200">
+                <a:solidFill>
+                  <a:schemeClr val="tx1"/>
+                </a:solidFill>
+                <a:latin typeface="+mn-lt"/>
+                <a:ea typeface="+mn-ea"/>
+                <a:cs typeface="+mn-cs"/>
+              </a:defRPr>
+            </a:lvl4pPr>
+            <a:lvl5pPr marL="2057400" indent="-228600" algn="l" rtl="0" eaLnBrk="1" fontAlgn="base" hangingPunct="1">
+              <a:spcBef>
+                <a:spcPct val="20000"/>
+              </a:spcBef>
+              <a:spcAft>
+                <a:spcPct val="0"/>
+              </a:spcAft>
+              <a:buFont typeface="Arial" charset="0"/>
+              <a:buChar char="»"/>
+              <a:defRPr sz="2000" kern="1200">
+                <a:solidFill>
+                  <a:schemeClr val="tx1"/>
+                </a:solidFill>
+                <a:latin typeface="+mn-lt"/>
+                <a:ea typeface="+mn-ea"/>
+                <a:cs typeface="+mn-cs"/>
+              </a:defRPr>
+            </a:lvl5pPr>
+            <a:lvl6pPr marL="2514600" indent="-228600" algn="l" defTabSz="914400" rtl="0" eaLnBrk="1" latinLnBrk="0" hangingPunct="1">
+              <a:spcBef>
+                <a:spcPct val="20000"/>
+              </a:spcBef>
               <a:buFont typeface="Arial" pitchFamily="34" charset="0"/>
               <a:buChar char="•"/>
-            </a:pPr>
-            <a:r>
-              <a:rPr lang="es-PE" sz="2800" dirty="0" smtClean="0"/>
-              <a:t>Navegadores que no se encuentran instalados o soportados por la máquina local (IE en Linux).</a:t>
-            </a:r>
-          </a:p>
-          <a:p>
-            <a:pPr marL="457200" indent="-457200">
+              <a:defRPr sz="2000" kern="1200">
+                <a:solidFill>
+                  <a:schemeClr val="tx1"/>
+                </a:solidFill>
+                <a:latin typeface="+mn-lt"/>
+                <a:ea typeface="+mn-ea"/>
+                <a:cs typeface="+mn-cs"/>
+              </a:defRPr>
+            </a:lvl6pPr>
+            <a:lvl7pPr marL="2971800" indent="-228600" algn="l" defTabSz="914400" rtl="0" eaLnBrk="1" latinLnBrk="0" hangingPunct="1">
+              <a:spcBef>
+                <a:spcPct val="20000"/>
+              </a:spcBef>
               <a:buFont typeface="Arial" pitchFamily="34" charset="0"/>
               <a:buChar char="•"/>
+              <a:defRPr sz="2000" kern="1200">
+                <a:solidFill>
+                  <a:schemeClr val="tx1"/>
+                </a:solidFill>
+                <a:latin typeface="+mn-lt"/>
+                <a:ea typeface="+mn-ea"/>
+                <a:cs typeface="+mn-cs"/>
+              </a:defRPr>
+            </a:lvl7pPr>
+            <a:lvl8pPr marL="3429000" indent="-228600" algn="l" defTabSz="914400" rtl="0" eaLnBrk="1" latinLnBrk="0" hangingPunct="1">
+              <a:spcBef>
+                <a:spcPct val="20000"/>
+              </a:spcBef>
+              <a:buFont typeface="Arial" pitchFamily="34" charset="0"/>
+              <a:buChar char="•"/>
+              <a:defRPr sz="2000" kern="1200">
+                <a:solidFill>
+                  <a:schemeClr val="tx1"/>
+                </a:solidFill>
+                <a:latin typeface="+mn-lt"/>
+                <a:ea typeface="+mn-ea"/>
+                <a:cs typeface="+mn-cs"/>
+              </a:defRPr>
+            </a:lvl8pPr>
+            <a:lvl9pPr marL="3886200" indent="-228600" algn="l" defTabSz="914400" rtl="0" eaLnBrk="1" latinLnBrk="0" hangingPunct="1">
+              <a:spcBef>
+                <a:spcPct val="20000"/>
+              </a:spcBef>
+              <a:buFont typeface="Arial" pitchFamily="34" charset="0"/>
+              <a:buChar char="•"/>
+              <a:defRPr sz="2000" kern="1200">
+                <a:solidFill>
+                  <a:schemeClr val="tx1"/>
+                </a:solidFill>
+                <a:latin typeface="+mn-lt"/>
+                <a:ea typeface="+mn-ea"/>
+                <a:cs typeface="+mn-cs"/>
+              </a:defRPr>
+            </a:lvl9pPr>
+          </a:lstStyle>
+          <a:p>
+            <a:pPr marL="0" indent="0">
+              <a:buNone/>
             </a:pPr>
             <a:r>
-              <a:rPr lang="es-PE" sz="2800" dirty="0" smtClean="0"/>
-              <a:t>Utilizar drivers especiales: </a:t>
-            </a:r>
-          </a:p>
-          <a:p>
-            <a:pPr marL="914400" lvl="1" indent="-457200">
-              <a:buFont typeface="Courier New" pitchFamily="49" charset="0"/>
-              <a:buChar char="o"/>
+              <a:rPr lang="es-PE" sz="2400" dirty="0" smtClean="0">
+                <a:solidFill>
+                  <a:srgbClr val="FF0000"/>
+                </a:solidFill>
+              </a:rPr>
+              <a:t>Datos de Acceso</a:t>
+            </a:r>
+          </a:p>
+          <a:p>
+            <a:pPr marL="0" indent="0">
+              <a:buNone/>
             </a:pPr>
             <a:r>
-              <a:rPr lang="es-PE" sz="2800" dirty="0" smtClean="0"/>
-              <a:t>Mobile drivers: </a:t>
-            </a:r>
-            <a:r>
-              <a:rPr lang="es-PE" sz="2800" dirty="0" err="1" smtClean="0"/>
-              <a:t>Android</a:t>
-            </a:r>
-            <a:r>
-              <a:rPr lang="es-PE" sz="2800" dirty="0" smtClean="0"/>
-              <a:t>, IPhone.</a:t>
-            </a:r>
-          </a:p>
-          <a:p>
-            <a:pPr marL="914400" lvl="1" indent="-457200">
-              <a:buFont typeface="Courier New" pitchFamily="49" charset="0"/>
-              <a:buChar char="o"/>
+              <a:rPr lang="es-PE" sz="2400" dirty="0" smtClean="0"/>
+              <a:t>Sitio: </a:t>
+            </a:r>
+            <a:r>
+              <a:rPr lang="es-PE" sz="2400" dirty="0"/>
+              <a:t>http://keventer-test.herokuapp.com</a:t>
+            </a:r>
+          </a:p>
+          <a:p>
+            <a:pPr marL="0" indent="0">
+              <a:buNone/>
             </a:pPr>
             <a:r>
-              <a:rPr lang="es-PE" sz="2800" dirty="0" err="1" smtClean="0"/>
-              <a:t>HtmlUnit</a:t>
-            </a:r>
-            <a:r>
-              <a:rPr lang="es-PE" sz="2800" dirty="0" smtClean="0"/>
-              <a:t> driver (</a:t>
-            </a:r>
-            <a:r>
-              <a:rPr lang="es-PE" sz="2800" dirty="0" err="1" smtClean="0"/>
-              <a:t>Headless</a:t>
-            </a:r>
-            <a:r>
-              <a:rPr lang="es-PE" sz="2800" dirty="0" smtClean="0"/>
-              <a:t> Browser): Reduce considerablemente el tiempo de ejecución.</a:t>
-            </a:r>
+              <a:rPr lang="es-PE" sz="2400" dirty="0" smtClean="0"/>
+              <a:t>Usuario: </a:t>
+            </a:r>
+            <a:r>
+              <a:rPr lang="es-PE" sz="2400" dirty="0"/>
+              <a:t>pepe@comercial.com</a:t>
+            </a:r>
+          </a:p>
+          <a:p>
+            <a:pPr marL="0" indent="0">
+              <a:buNone/>
+            </a:pPr>
+            <a:r>
+              <a:rPr lang="es-PE" sz="2400" dirty="0" smtClean="0"/>
+              <a:t>Clave: comercial</a:t>
+            </a:r>
+          </a:p>
+          <a:p>
+            <a:pPr marL="0" indent="0">
+              <a:buNone/>
+            </a:pPr>
+            <a:endParaRPr lang="es-PE" sz="2400" dirty="0"/>
+          </a:p>
+          <a:p>
+            <a:pPr marL="0" indent="0">
+              <a:buNone/>
+            </a:pPr>
+            <a:r>
+              <a:rPr lang="es-PE" sz="2400" dirty="0" smtClean="0">
+                <a:solidFill>
+                  <a:srgbClr val="FF0000"/>
+                </a:solidFill>
+              </a:rPr>
+              <a:t>Pruebas</a:t>
+            </a:r>
+          </a:p>
+          <a:p>
+            <a:r>
+              <a:rPr lang="es-PE" sz="2400" dirty="0"/>
+              <a:t>Acceso con </a:t>
+            </a:r>
+            <a:r>
+              <a:rPr lang="es-PE" sz="2400" dirty="0" smtClean="0"/>
+              <a:t>contraseña inválida -&gt; </a:t>
+            </a:r>
+            <a:r>
+              <a:rPr lang="es-PE" sz="2400" dirty="0"/>
+              <a:t>mensaje de </a:t>
+            </a:r>
+            <a:r>
+              <a:rPr lang="es-PE" sz="2400" dirty="0" smtClean="0"/>
+              <a:t>error</a:t>
+            </a:r>
+            <a:endParaRPr lang="es-PE" sz="2400" dirty="0"/>
+          </a:p>
+          <a:p>
+            <a:r>
+              <a:rPr lang="es-PE" sz="2400" dirty="0" smtClean="0"/>
+              <a:t>Acceso </a:t>
+            </a:r>
+            <a:r>
+              <a:rPr lang="es-PE" sz="2400" dirty="0"/>
+              <a:t>con </a:t>
+            </a:r>
+            <a:r>
+              <a:rPr lang="es-PE" sz="2400" dirty="0" smtClean="0"/>
+              <a:t>contraseña válida -&gt; debe ingresar al </a:t>
+            </a:r>
+            <a:r>
+              <a:rPr lang="es-PE" sz="2400" dirty="0" err="1"/>
+              <a:t>d</a:t>
+            </a:r>
+            <a:r>
+              <a:rPr lang="es-PE" sz="2400" dirty="0" err="1" smtClean="0"/>
+              <a:t>ashboard</a:t>
+            </a:r>
+            <a:endParaRPr lang="es-PE" sz="2400" dirty="0"/>
+          </a:p>
+          <a:p>
+            <a:pPr marL="0" indent="0">
+              <a:buNone/>
+            </a:pPr>
+            <a:endParaRPr lang="es-PE" sz="2400" dirty="0" smtClean="0"/>
+          </a:p>
+          <a:p>
+            <a:pPr marL="0" indent="0">
+              <a:buNone/>
+            </a:pPr>
+            <a:endParaRPr lang="es-PE" sz="2400" dirty="0"/>
+          </a:p>
+          <a:p>
+            <a:endParaRPr lang="es-PE" sz="2400" dirty="0"/>
+          </a:p>
+          <a:p>
+            <a:pPr marL="0" indent="0">
+              <a:buNone/>
+            </a:pPr>
+            <a:endParaRPr lang="es-PE" sz="2400" dirty="0" smtClean="0"/>
           </a:p>
         </p:txBody>
       </p:sp>
     </p:spTree>
     <p:extLst>
       <p:ext uri="{BB962C8B-B14F-4D97-AF65-F5344CB8AC3E}">
-        <p14:creationId xmlns:p14="http://schemas.microsoft.com/office/powerpoint/2010/main" val="3621264740"/>
+        <p14:creationId xmlns:p14="http://schemas.microsoft.com/office/powerpoint/2010/main" val="2147057432"/>
       </p:ext>
     </p:extLst>
   </p:cSld>
@@ -11100,6 +11853,411 @@
 </file>
 
 <file path=ppt/slides/slide20.xml><?xml version="1.0" encoding="utf-8"?>
+<p:sld xmlns:a="http://schemas.openxmlformats.org/drawingml/2006/main" xmlns:r="http://schemas.openxmlformats.org/officeDocument/2006/relationships" xmlns:p="http://schemas.openxmlformats.org/presentationml/2006/main">
+  <p:cSld>
+    <p:spTree>
+      <p:nvGrpSpPr>
+        <p:cNvPr id="1" name=""/>
+        <p:cNvGrpSpPr/>
+        <p:nvPr/>
+      </p:nvGrpSpPr>
+      <p:grpSpPr>
+        <a:xfrm>
+          <a:off x="0" y="0"/>
+          <a:ext cx="0" cy="0"/>
+          <a:chOff x="0" y="0"/>
+          <a:chExt cx="0" cy="0"/>
+        </a:xfrm>
+      </p:grpSpPr>
+      <p:sp>
+        <p:nvSpPr>
+          <p:cNvPr id="3" name="2 Título"/>
+          <p:cNvSpPr>
+            <a:spLocks noGrp="1"/>
+          </p:cNvSpPr>
+          <p:nvPr>
+            <p:ph type="title"/>
+          </p:nvPr>
+        </p:nvSpPr>
+        <p:spPr>
+          <a:xfrm>
+            <a:off x="556805" y="225009"/>
+            <a:ext cx="8229600" cy="724942"/>
+          </a:xfrm>
+        </p:spPr>
+        <p:txBody>
+          <a:bodyPr/>
+          <a:lstStyle/>
+          <a:p>
+            <a:r>
+              <a:rPr lang="es-PE" dirty="0" smtClean="0">
+                <a:solidFill>
+                  <a:srgbClr val="00823B"/>
+                </a:solidFill>
+              </a:rPr>
+              <a:t>¿Cuál es más apropiada?</a:t>
+            </a:r>
+            <a:endParaRPr lang="es-PE" dirty="0">
+              <a:solidFill>
+                <a:srgbClr val="00823B"/>
+              </a:solidFill>
+            </a:endParaRPr>
+          </a:p>
+        </p:txBody>
+      </p:sp>
+      <p:sp>
+        <p:nvSpPr>
+          <p:cNvPr id="4" name="3 Rectángulo"/>
+          <p:cNvSpPr/>
+          <p:nvPr/>
+        </p:nvSpPr>
+        <p:spPr>
+          <a:xfrm>
+            <a:off x="492356" y="1165975"/>
+            <a:ext cx="8208000" cy="4832092"/>
+          </a:xfrm>
+          <a:prstGeom prst="rect">
+            <a:avLst/>
+          </a:prstGeom>
+        </p:spPr>
+        <p:txBody>
+          <a:bodyPr wrap="square">
+            <a:spAutoFit/>
+          </a:bodyPr>
+          <a:lstStyle/>
+          <a:p>
+            <a:r>
+              <a:rPr lang="es-PE" sz="2800" dirty="0" smtClean="0">
+                <a:solidFill>
+                  <a:srgbClr val="FF0000"/>
+                </a:solidFill>
+              </a:rPr>
+              <a:t>Record and Playback</a:t>
+            </a:r>
+          </a:p>
+          <a:p>
+            <a:pPr marL="457200" indent="-457200">
+              <a:buFont typeface="Arial" pitchFamily="34" charset="0"/>
+              <a:buChar char="•"/>
+            </a:pPr>
+            <a:r>
+              <a:rPr lang="es-PE" sz="2800" dirty="0" smtClean="0"/>
+              <a:t>Reproducción de bugs:  Comunicar errores encontrados a través de scripts que permitan reproducirlos.</a:t>
+            </a:r>
+          </a:p>
+          <a:p>
+            <a:pPr marL="457200" indent="-457200">
+              <a:buFont typeface="Arial" pitchFamily="34" charset="0"/>
+              <a:buChar char="•"/>
+            </a:pPr>
+            <a:r>
+              <a:rPr lang="es-PE" sz="2800" dirty="0" err="1" smtClean="0"/>
+              <a:t>Exploratory</a:t>
+            </a:r>
+            <a:r>
+              <a:rPr lang="es-PE" sz="2800" dirty="0" smtClean="0"/>
+              <a:t> </a:t>
+            </a:r>
+            <a:r>
+              <a:rPr lang="es-PE" sz="2800" dirty="0" err="1" smtClean="0"/>
+              <a:t>Testing</a:t>
+            </a:r>
+            <a:r>
+              <a:rPr lang="es-PE" sz="2800" dirty="0" smtClean="0"/>
+              <a:t>: Scripts que ayuden en la realización de </a:t>
+            </a:r>
+            <a:r>
+              <a:rPr lang="es-PE" sz="2800" dirty="0" err="1" smtClean="0"/>
+              <a:t>Testing</a:t>
+            </a:r>
+            <a:r>
+              <a:rPr lang="es-PE" sz="2800" dirty="0" smtClean="0"/>
+              <a:t> Exploratorio.</a:t>
+            </a:r>
+          </a:p>
+          <a:p>
+            <a:endParaRPr lang="es-PE" sz="2800" dirty="0" smtClean="0"/>
+          </a:p>
+          <a:p>
+            <a:r>
+              <a:rPr lang="es-PE" sz="2800" dirty="0" smtClean="0">
+                <a:solidFill>
+                  <a:srgbClr val="FF0000"/>
+                </a:solidFill>
+              </a:rPr>
+              <a:t>Scripting</a:t>
+            </a:r>
+          </a:p>
+          <a:p>
+            <a:pPr marL="457200" indent="-457200">
+              <a:buFont typeface="Arial" pitchFamily="34" charset="0"/>
+              <a:buChar char="•"/>
+            </a:pPr>
+            <a:r>
+              <a:rPr lang="es-PE" sz="2800" dirty="0" smtClean="0"/>
+              <a:t>Crear una suite de pruebas robusta y mantenible.</a:t>
+            </a:r>
+          </a:p>
+          <a:p>
+            <a:pPr marL="457200" indent="-457200">
+              <a:buFont typeface="Arial" pitchFamily="34" charset="0"/>
+              <a:buChar char="•"/>
+            </a:pPr>
+            <a:r>
+              <a:rPr lang="es-PE" sz="2800" dirty="0" smtClean="0"/>
+              <a:t>Escalar y distribuir las pruebas alrededor de múltiples ambientes.</a:t>
+            </a:r>
+          </a:p>
+        </p:txBody>
+      </p:sp>
+    </p:spTree>
+    <p:extLst>
+      <p:ext uri="{BB962C8B-B14F-4D97-AF65-F5344CB8AC3E}">
+        <p14:creationId xmlns:p14="http://schemas.microsoft.com/office/powerpoint/2010/main" val="1711629101"/>
+      </p:ext>
+    </p:extLst>
+  </p:cSld>
+  <p:clrMapOvr>
+    <a:masterClrMapping/>
+  </p:clrMapOvr>
+  <p:timing>
+    <p:tnLst>
+      <p:par>
+        <p:cTn id="1" dur="indefinite" restart="never" nodeType="tmRoot"/>
+      </p:par>
+    </p:tnLst>
+  </p:timing>
+</p:sld>
+</file>
+
+<file path=ppt/slides/slide21.xml><?xml version="1.0" encoding="utf-8"?>
+<p:sld xmlns:a="http://schemas.openxmlformats.org/drawingml/2006/main" xmlns:r="http://schemas.openxmlformats.org/officeDocument/2006/relationships" xmlns:p="http://schemas.openxmlformats.org/presentationml/2006/main">
+  <p:cSld>
+    <p:spTree>
+      <p:nvGrpSpPr>
+        <p:cNvPr id="1" name=""/>
+        <p:cNvGrpSpPr/>
+        <p:nvPr/>
+      </p:nvGrpSpPr>
+      <p:grpSpPr>
+        <a:xfrm>
+          <a:off x="0" y="0"/>
+          <a:ext cx="0" cy="0"/>
+          <a:chOff x="0" y="0"/>
+          <a:chExt cx="0" cy="0"/>
+        </a:xfrm>
+      </p:grpSpPr>
+      <p:sp>
+        <p:nvSpPr>
+          <p:cNvPr id="3" name="2 Título"/>
+          <p:cNvSpPr>
+            <a:spLocks noGrp="1"/>
+          </p:cNvSpPr>
+          <p:nvPr>
+            <p:ph type="title"/>
+          </p:nvPr>
+        </p:nvSpPr>
+        <p:spPr>
+          <a:xfrm>
+            <a:off x="556805" y="225009"/>
+            <a:ext cx="8229600" cy="724942"/>
+          </a:xfrm>
+        </p:spPr>
+        <p:txBody>
+          <a:bodyPr/>
+          <a:lstStyle/>
+          <a:p>
+            <a:r>
+              <a:rPr lang="es-PE" dirty="0" smtClean="0">
+                <a:solidFill>
+                  <a:srgbClr val="00823B"/>
+                </a:solidFill>
+              </a:rPr>
+              <a:t>Otros Componentes</a:t>
+            </a:r>
+            <a:endParaRPr lang="es-PE" dirty="0">
+              <a:solidFill>
+                <a:srgbClr val="00823B"/>
+              </a:solidFill>
+            </a:endParaRPr>
+          </a:p>
+        </p:txBody>
+      </p:sp>
+      <p:sp>
+        <p:nvSpPr>
+          <p:cNvPr id="4" name="3 Rectángulo"/>
+          <p:cNvSpPr/>
+          <p:nvPr/>
+        </p:nvSpPr>
+        <p:spPr>
+          <a:xfrm>
+            <a:off x="492356" y="1165975"/>
+            <a:ext cx="8208000" cy="5262979"/>
+          </a:xfrm>
+          <a:prstGeom prst="rect">
+            <a:avLst/>
+          </a:prstGeom>
+        </p:spPr>
+        <p:txBody>
+          <a:bodyPr wrap="square">
+            <a:spAutoFit/>
+          </a:bodyPr>
+          <a:lstStyle/>
+          <a:p>
+            <a:r>
+              <a:rPr lang="es-PE" sz="2800" dirty="0" err="1" smtClean="0">
+                <a:solidFill>
+                  <a:srgbClr val="FF0000"/>
+                </a:solidFill>
+              </a:rPr>
+              <a:t>Selenium</a:t>
+            </a:r>
+            <a:r>
+              <a:rPr lang="es-PE" sz="2800" dirty="0" smtClean="0">
+                <a:solidFill>
+                  <a:srgbClr val="FF0000"/>
+                </a:solidFill>
+              </a:rPr>
+              <a:t> </a:t>
+            </a:r>
+            <a:r>
+              <a:rPr lang="es-PE" sz="2800" dirty="0" err="1" smtClean="0">
+                <a:solidFill>
+                  <a:srgbClr val="FF0000"/>
+                </a:solidFill>
+              </a:rPr>
+              <a:t>Grid</a:t>
+            </a:r>
+            <a:endParaRPr lang="es-PE" sz="2800" dirty="0" smtClean="0">
+              <a:solidFill>
+                <a:srgbClr val="FF0000"/>
+              </a:solidFill>
+            </a:endParaRPr>
+          </a:p>
+          <a:p>
+            <a:r>
+              <a:rPr lang="es-PE" sz="2800" dirty="0" smtClean="0"/>
+              <a:t>Ejecutar test de manera paralela en red distribuida de computadores o máquinas virtuales.</a:t>
+            </a:r>
+          </a:p>
+          <a:p>
+            <a:endParaRPr lang="es-PE" sz="2800" dirty="0" smtClean="0"/>
+          </a:p>
+          <a:p>
+            <a:r>
+              <a:rPr lang="es-PE" sz="2800" dirty="0" err="1" smtClean="0">
+                <a:solidFill>
+                  <a:srgbClr val="FF0000"/>
+                </a:solidFill>
+              </a:rPr>
+              <a:t>Selenium</a:t>
+            </a:r>
+            <a:r>
+              <a:rPr lang="es-PE" sz="2800" dirty="0" smtClean="0">
+                <a:solidFill>
+                  <a:srgbClr val="FF0000"/>
+                </a:solidFill>
+              </a:rPr>
+              <a:t> Server: </a:t>
+            </a:r>
+          </a:p>
+          <a:p>
+            <a:r>
+              <a:rPr lang="es-PE" sz="2800" dirty="0" smtClean="0"/>
+              <a:t>Ejecutar </a:t>
+            </a:r>
+            <a:r>
+              <a:rPr lang="es-PE" sz="2800" dirty="0" err="1" smtClean="0"/>
+              <a:t>tests</a:t>
+            </a:r>
+            <a:r>
+              <a:rPr lang="es-PE" sz="2800" dirty="0" smtClean="0"/>
+              <a:t> en máquinas remotas.</a:t>
+            </a:r>
+          </a:p>
+          <a:p>
+            <a:pPr marL="457200" indent="-457200">
+              <a:buFont typeface="Arial" pitchFamily="34" charset="0"/>
+              <a:buChar char="•"/>
+            </a:pPr>
+            <a:r>
+              <a:rPr lang="es-PE" sz="2800" dirty="0" smtClean="0"/>
+              <a:t>Navegadores que no se encuentran instalados o soportados por la máquina local (IE en Linux).</a:t>
+            </a:r>
+          </a:p>
+          <a:p>
+            <a:pPr marL="457200" indent="-457200">
+              <a:buFont typeface="Arial" pitchFamily="34" charset="0"/>
+              <a:buChar char="•"/>
+            </a:pPr>
+            <a:r>
+              <a:rPr lang="es-PE" sz="2800" dirty="0" smtClean="0"/>
+              <a:t>Utilizar drivers especiales: </a:t>
+            </a:r>
+          </a:p>
+          <a:p>
+            <a:pPr marL="914400" lvl="1" indent="-457200">
+              <a:buFont typeface="Courier New" pitchFamily="49" charset="0"/>
+              <a:buChar char="o"/>
+            </a:pPr>
+            <a:r>
+              <a:rPr lang="es-PE" sz="2800" dirty="0" smtClean="0"/>
+              <a:t>Mobile drivers: </a:t>
+            </a:r>
+            <a:r>
+              <a:rPr lang="es-PE" sz="2800" dirty="0" err="1" smtClean="0"/>
+              <a:t>Android</a:t>
+            </a:r>
+            <a:r>
+              <a:rPr lang="es-PE" sz="2800" dirty="0" smtClean="0"/>
+              <a:t>, IPhone.</a:t>
+            </a:r>
+          </a:p>
+          <a:p>
+            <a:pPr marL="914400" lvl="1" indent="-457200">
+              <a:buFont typeface="Courier New" pitchFamily="49" charset="0"/>
+              <a:buChar char="o"/>
+            </a:pPr>
+            <a:r>
+              <a:rPr lang="es-PE" sz="2800" dirty="0" err="1" smtClean="0"/>
+              <a:t>HtmlUnit</a:t>
+            </a:r>
+            <a:r>
+              <a:rPr lang="es-PE" sz="2800" dirty="0" smtClean="0"/>
+              <a:t> driver (</a:t>
+            </a:r>
+            <a:r>
+              <a:rPr lang="es-PE" sz="2800" dirty="0" err="1" smtClean="0"/>
+              <a:t>Headless</a:t>
+            </a:r>
+            <a:r>
+              <a:rPr lang="es-PE" sz="2800" dirty="0" smtClean="0"/>
+              <a:t> Browser): Reduce considerablemente el tiempo de ejecución.</a:t>
+            </a:r>
+          </a:p>
+        </p:txBody>
+      </p:sp>
+    </p:spTree>
+    <p:extLst>
+      <p:ext uri="{BB962C8B-B14F-4D97-AF65-F5344CB8AC3E}">
+        <p14:creationId xmlns:p14="http://schemas.microsoft.com/office/powerpoint/2010/main" val="3621264740"/>
+      </p:ext>
+    </p:extLst>
+  </p:cSld>
+  <p:clrMapOvr>
+    <a:masterClrMapping/>
+  </p:clrMapOvr>
+  <p:timing>
+    <p:tnLst>
+      <p:par>
+        <p:cTn id="1" dur="indefinite" restart="never" nodeType="tmRoot"/>
+      </p:par>
+    </p:tnLst>
+  </p:timing>
+</p:sld>
+</file>
+
+<file path=ppt/slides/slide22.xml><?xml version="1.0" encoding="utf-8"?>
 <p:sld xmlns:a="http://schemas.openxmlformats.org/drawingml/2006/main" xmlns:r="http://schemas.openxmlformats.org/officeDocument/2006/relationships" xmlns:p="http://schemas.openxmlformats.org/presentationml/2006/main">
   <p:cSld>
     <p:spTree>
@@ -11460,7 +12618,7 @@
 </p:sld>
 </file>
 
-<file path=ppt/slides/slide21.xml><?xml version="1.0" encoding="utf-8"?>
+<file path=ppt/slides/slide23.xml><?xml version="1.0" encoding="utf-8"?>
 <p:sld xmlns:a="http://schemas.openxmlformats.org/drawingml/2006/main" xmlns:r="http://schemas.openxmlformats.org/officeDocument/2006/relationships" xmlns:p="http://schemas.openxmlformats.org/presentationml/2006/main">
   <p:cSld>
     <p:spTree>
@@ -11858,7 +13016,7 @@
 </p:sld>
 </file>
 
-<file path=ppt/slides/slide22.xml><?xml version="1.0" encoding="utf-8"?>
+<file path=ppt/slides/slide24.xml><?xml version="1.0" encoding="utf-8"?>
 <p:sld xmlns:a="http://schemas.openxmlformats.org/drawingml/2006/main" xmlns:r="http://schemas.openxmlformats.org/officeDocument/2006/relationships" xmlns:p="http://schemas.openxmlformats.org/presentationml/2006/main">
   <p:cSld>
     <p:spTree>
@@ -12032,7 +13190,7 @@
 </p:sld>
 </file>
 
-<file path=ppt/slides/slide23.xml><?xml version="1.0" encoding="utf-8"?>
+<file path=ppt/slides/slide25.xml><?xml version="1.0" encoding="utf-8"?>
 <p:sld xmlns:a="http://schemas.openxmlformats.org/drawingml/2006/main" xmlns:r="http://schemas.openxmlformats.org/officeDocument/2006/relationships" xmlns:p="http://schemas.openxmlformats.org/presentationml/2006/main">
   <p:cSld>
     <p:spTree>
@@ -12598,7 +13756,7 @@
 </p:sld>
 </file>
 
-<file path=ppt/slides/slide24.xml><?xml version="1.0" encoding="utf-8"?>
+<file path=ppt/slides/slide26.xml><?xml version="1.0" encoding="utf-8"?>
 <p:sld xmlns:a="http://schemas.openxmlformats.org/drawingml/2006/main" xmlns:r="http://schemas.openxmlformats.org/officeDocument/2006/relationships" xmlns:p="http://schemas.openxmlformats.org/presentationml/2006/main">
   <p:cSld>
     <p:spTree>
@@ -12657,7 +13815,156 @@
                   <a:srgbClr val="00823B"/>
                 </a:solidFill>
               </a:rPr>
-              <a:t> - Ejemplo</a:t>
+              <a:t> </a:t>
+            </a:r>
+            <a:r>
+              <a:rPr lang="es-PE" dirty="0" smtClean="0">
+                <a:solidFill>
+                  <a:srgbClr val="00823B"/>
+                </a:solidFill>
+              </a:rPr>
+              <a:t>– Google </a:t>
+            </a:r>
+            <a:r>
+              <a:rPr lang="es-PE" dirty="0" err="1" smtClean="0">
+                <a:solidFill>
+                  <a:srgbClr val="00823B"/>
+                </a:solidFill>
+              </a:rPr>
+              <a:t>Search</a:t>
+            </a:r>
+            <a:endParaRPr lang="es-PE" dirty="0">
+              <a:solidFill>
+                <a:srgbClr val="00823B"/>
+              </a:solidFill>
+            </a:endParaRPr>
+          </a:p>
+        </p:txBody>
+      </p:sp>
+      <p:pic>
+        <p:nvPicPr>
+          <p:cNvPr id="5" name="Imagen 4"/>
+          <p:cNvPicPr>
+            <a:picLocks noChangeAspect="1"/>
+          </p:cNvPicPr>
+          <p:nvPr/>
+        </p:nvPicPr>
+        <p:blipFill>
+          <a:blip r:embed="rId3"/>
+          <a:stretch>
+            <a:fillRect/>
+          </a:stretch>
+        </p:blipFill>
+        <p:spPr>
+          <a:xfrm>
+            <a:off x="790079" y="2132856"/>
+            <a:ext cx="7584529" cy="3090838"/>
+          </a:xfrm>
+          <a:prstGeom prst="rect">
+            <a:avLst/>
+          </a:prstGeom>
+          <a:noFill/>
+          <a:ln>
+            <a:noFill/>
+          </a:ln>
+        </p:spPr>
+      </p:pic>
+    </p:spTree>
+    <p:extLst>
+      <p:ext uri="{BB962C8B-B14F-4D97-AF65-F5344CB8AC3E}">
+        <p14:creationId xmlns:p14="http://schemas.microsoft.com/office/powerpoint/2010/main" val="1581890633"/>
+      </p:ext>
+    </p:extLst>
+  </p:cSld>
+  <p:clrMapOvr>
+    <a:masterClrMapping/>
+  </p:clrMapOvr>
+  <p:timing>
+    <p:tnLst>
+      <p:par>
+        <p:cTn id="1" dur="indefinite" restart="never" nodeType="tmRoot"/>
+      </p:par>
+    </p:tnLst>
+  </p:timing>
+</p:sld>
+</file>
+
+<file path=ppt/slides/slide27.xml><?xml version="1.0" encoding="utf-8"?>
+<p:sld xmlns:a="http://schemas.openxmlformats.org/drawingml/2006/main" xmlns:r="http://schemas.openxmlformats.org/officeDocument/2006/relationships" xmlns:p="http://schemas.openxmlformats.org/presentationml/2006/main">
+  <p:cSld>
+    <p:spTree>
+      <p:nvGrpSpPr>
+        <p:cNvPr id="1" name=""/>
+        <p:cNvGrpSpPr/>
+        <p:nvPr/>
+      </p:nvGrpSpPr>
+      <p:grpSpPr>
+        <a:xfrm>
+          <a:off x="0" y="0"/>
+          <a:ext cx="0" cy="0"/>
+          <a:chOff x="0" y="0"/>
+          <a:chExt cx="0" cy="0"/>
+        </a:xfrm>
+      </p:grpSpPr>
+      <p:sp>
+        <p:nvSpPr>
+          <p:cNvPr id="3" name="2 Título"/>
+          <p:cNvSpPr>
+            <a:spLocks noGrp="1"/>
+          </p:cNvSpPr>
+          <p:nvPr>
+            <p:ph type="title"/>
+          </p:nvPr>
+        </p:nvSpPr>
+        <p:spPr>
+          <a:xfrm>
+            <a:off x="467544" y="188640"/>
+            <a:ext cx="8229600" cy="724942"/>
+          </a:xfrm>
+        </p:spPr>
+        <p:txBody>
+          <a:bodyPr/>
+          <a:lstStyle/>
+          <a:p>
+            <a:r>
+              <a:rPr lang="es-PE" dirty="0" smtClean="0">
+                <a:solidFill>
+                  <a:srgbClr val="00823B"/>
+                </a:solidFill>
+              </a:rPr>
+              <a:t>Page </a:t>
+            </a:r>
+            <a:r>
+              <a:rPr lang="es-PE" dirty="0" err="1" smtClean="0">
+                <a:solidFill>
+                  <a:srgbClr val="00823B"/>
+                </a:solidFill>
+              </a:rPr>
+              <a:t>Object</a:t>
+            </a:r>
+            <a:r>
+              <a:rPr lang="es-PE" dirty="0" smtClean="0">
+                <a:solidFill>
+                  <a:srgbClr val="00823B"/>
+                </a:solidFill>
+              </a:rPr>
+              <a:t> </a:t>
+            </a:r>
+            <a:r>
+              <a:rPr lang="es-PE" dirty="0" smtClean="0">
+                <a:solidFill>
+                  <a:srgbClr val="00823B"/>
+                </a:solidFill>
+              </a:rPr>
+              <a:t>– Google </a:t>
+            </a:r>
+            <a:r>
+              <a:rPr lang="es-PE" dirty="0" err="1" smtClean="0">
+                <a:solidFill>
+                  <a:srgbClr val="00823B"/>
+                </a:solidFill>
+              </a:rPr>
+              <a:t>Search</a:t>
             </a:r>
             <a:endParaRPr lang="es-PE" dirty="0">
               <a:solidFill>
@@ -12778,7 +14085,7 @@
 </p:sld>
 </file>
 
-<file path=ppt/slides/slide25.xml><?xml version="1.0" encoding="utf-8"?>
+<file path=ppt/slides/slide28.xml><?xml version="1.0" encoding="utf-8"?>
 <p:sld xmlns:a="http://schemas.openxmlformats.org/drawingml/2006/main" xmlns:r="http://schemas.openxmlformats.org/officeDocument/2006/relationships" xmlns:p="http://schemas.openxmlformats.org/presentationml/2006/main">
   <p:cSld>
     <p:spTree>
@@ -12837,7 +14144,23 @@
                   <a:srgbClr val="00823B"/>
                 </a:solidFill>
               </a:rPr>
-              <a:t> - Ejemplo</a:t>
+              <a:t> </a:t>
+            </a:r>
+            <a:r>
+              <a:rPr lang="es-PE" dirty="0" smtClean="0">
+                <a:solidFill>
+                  <a:srgbClr val="00823B"/>
+                </a:solidFill>
+              </a:rPr>
+              <a:t>– Google </a:t>
+            </a:r>
+            <a:r>
+              <a:rPr lang="es-PE" dirty="0" err="1" smtClean="0">
+                <a:solidFill>
+                  <a:srgbClr val="00823B"/>
+                </a:solidFill>
+              </a:rPr>
+              <a:t>Search</a:t>
             </a:r>
             <a:endParaRPr lang="es-PE" dirty="0">
               <a:solidFill>
@@ -12966,657 +14289,6 @@
 </p:sld>
 </file>
 
-<file path=ppt/slides/slide26.xml><?xml version="1.0" encoding="utf-8"?>
-<p:sld xmlns:a="http://schemas.openxmlformats.org/drawingml/2006/main" xmlns:r="http://schemas.openxmlformats.org/officeDocument/2006/relationships" xmlns:p="http://schemas.openxmlformats.org/presentationml/2006/main">
-  <p:cSld>
-    <p:spTree>
-      <p:nvGrpSpPr>
-        <p:cNvPr id="1" name=""/>
-        <p:cNvGrpSpPr/>
-        <p:nvPr/>
-      </p:nvGrpSpPr>
-      <p:grpSpPr>
-        <a:xfrm>
-          <a:off x="0" y="0"/>
-          <a:ext cx="0" cy="0"/>
-          <a:chOff x="0" y="0"/>
-          <a:chExt cx="0" cy="0"/>
-        </a:xfrm>
-      </p:grpSpPr>
-      <p:sp>
-        <p:nvSpPr>
-          <p:cNvPr id="5" name="2 Título"/>
-          <p:cNvSpPr>
-            <a:spLocks noGrp="1"/>
-          </p:cNvSpPr>
-          <p:nvPr>
-            <p:ph type="title"/>
-          </p:nvPr>
-        </p:nvSpPr>
-        <p:spPr>
-          <a:xfrm>
-            <a:off x="457200" y="1916832"/>
-            <a:ext cx="8229600" cy="2088232"/>
-          </a:xfrm>
-        </p:spPr>
-        <p:txBody>
-          <a:bodyPr/>
-          <a:lstStyle/>
-          <a:p>
-            <a:r>
-              <a:rPr lang="es-PE" dirty="0" smtClean="0">
-                <a:solidFill>
-                  <a:srgbClr val="FFC000"/>
-                </a:solidFill>
-              </a:rPr>
-              <a:t>Ejercicio</a:t>
-            </a:r>
-            <a:br>
-              <a:rPr lang="es-PE" dirty="0" smtClean="0">
-                <a:solidFill>
-                  <a:srgbClr val="FFC000"/>
-                </a:solidFill>
-              </a:rPr>
-            </a:br>
-            <a:r>
-              <a:rPr lang="es-PE" dirty="0" smtClean="0">
-                <a:solidFill>
-                  <a:srgbClr val="00B050"/>
-                </a:solidFill>
-              </a:rPr>
-              <a:t>Crear nuestro propio Framework para realizar </a:t>
-            </a:r>
-            <a:br>
-              <a:rPr lang="es-PE" dirty="0" smtClean="0">
-                <a:solidFill>
-                  <a:srgbClr val="00B050"/>
-                </a:solidFill>
-              </a:rPr>
-            </a:br>
-            <a:r>
-              <a:rPr lang="es-PE" dirty="0" smtClean="0">
-                <a:solidFill>
-                  <a:srgbClr val="00B050"/>
-                </a:solidFill>
-              </a:rPr>
-              <a:t>Pruebas Web Automatizadas.</a:t>
-            </a:r>
-            <a:endParaRPr lang="es-PE" dirty="0">
-              <a:solidFill>
-                <a:srgbClr val="00B050"/>
-              </a:solidFill>
-            </a:endParaRPr>
-          </a:p>
-        </p:txBody>
-      </p:sp>
-    </p:spTree>
-    <p:extLst>
-      <p:ext uri="{BB962C8B-B14F-4D97-AF65-F5344CB8AC3E}">
-        <p14:creationId xmlns:p14="http://schemas.microsoft.com/office/powerpoint/2010/main" val="3053417318"/>
-      </p:ext>
-    </p:extLst>
-  </p:cSld>
-  <p:clrMapOvr>
-    <a:masterClrMapping/>
-  </p:clrMapOvr>
-  <p:timing>
-    <p:tnLst>
-      <p:par>
-        <p:cTn id="1" dur="indefinite" restart="never" nodeType="tmRoot"/>
-      </p:par>
-    </p:tnLst>
-  </p:timing>
-</p:sld>
-</file>
-
-<file path=ppt/slides/slide27.xml><?xml version="1.0" encoding="utf-8"?>
-<p:sld xmlns:a="http://schemas.openxmlformats.org/drawingml/2006/main" xmlns:r="http://schemas.openxmlformats.org/officeDocument/2006/relationships" xmlns:p="http://schemas.openxmlformats.org/presentationml/2006/main">
-  <p:cSld>
-    <p:spTree>
-      <p:nvGrpSpPr>
-        <p:cNvPr id="1" name=""/>
-        <p:cNvGrpSpPr/>
-        <p:nvPr/>
-      </p:nvGrpSpPr>
-      <p:grpSpPr>
-        <a:xfrm>
-          <a:off x="0" y="0"/>
-          <a:ext cx="0" cy="0"/>
-          <a:chOff x="0" y="0"/>
-          <a:chExt cx="0" cy="0"/>
-        </a:xfrm>
-      </p:grpSpPr>
-      <p:sp>
-        <p:nvSpPr>
-          <p:cNvPr id="3" name="2 Título"/>
-          <p:cNvSpPr>
-            <a:spLocks noGrp="1"/>
-          </p:cNvSpPr>
-          <p:nvPr>
-            <p:ph type="title"/>
-          </p:nvPr>
-        </p:nvSpPr>
-        <p:spPr>
-          <a:xfrm>
-            <a:off x="683568" y="188736"/>
-            <a:ext cx="8229600" cy="864000"/>
-          </a:xfrm>
-        </p:spPr>
-        <p:txBody>
-          <a:bodyPr/>
-          <a:lstStyle/>
-          <a:p>
-            <a:r>
-              <a:rPr lang="es-PE" dirty="0" err="1" smtClean="0">
-                <a:solidFill>
-                  <a:srgbClr val="00823B"/>
-                </a:solidFill>
-              </a:rPr>
-              <a:t>Unit</a:t>
-            </a:r>
-            <a:r>
-              <a:rPr lang="es-PE" dirty="0" smtClean="0">
-                <a:solidFill>
-                  <a:srgbClr val="00823B"/>
-                </a:solidFill>
-              </a:rPr>
-              <a:t> vs Integration vs </a:t>
-            </a:r>
-            <a:r>
-              <a:rPr lang="es-PE" dirty="0" err="1" smtClean="0">
-                <a:solidFill>
-                  <a:srgbClr val="00823B"/>
-                </a:solidFill>
-              </a:rPr>
-              <a:t>System</a:t>
-            </a:r>
-            <a:endParaRPr lang="es-PE" dirty="0">
-              <a:solidFill>
-                <a:srgbClr val="00823B"/>
-              </a:solidFill>
-            </a:endParaRPr>
-          </a:p>
-        </p:txBody>
-      </p:sp>
-      <p:cxnSp>
-        <p:nvCxnSpPr>
-          <p:cNvPr id="11" name="10 Conector recto de flecha"/>
-          <p:cNvCxnSpPr>
-            <a:stCxn id="12" idx="0"/>
-            <a:endCxn id="13" idx="2"/>
-          </p:cNvCxnSpPr>
-          <p:nvPr/>
-        </p:nvCxnSpPr>
-        <p:spPr>
-          <a:xfrm flipV="1">
-            <a:off x="7472154" y="2561422"/>
-            <a:ext cx="37639" cy="2836093"/>
-          </a:xfrm>
-          <a:prstGeom prst="straightConnector1">
-            <a:avLst/>
-          </a:prstGeom>
-          <a:ln w="57150">
-            <a:solidFill>
-              <a:srgbClr val="FFC000"/>
-            </a:solidFill>
-            <a:headEnd type="none" w="med" len="med"/>
-            <a:tailEnd type="arrow" w="med" len="med"/>
-          </a:ln>
-        </p:spPr>
-        <p:style>
-          <a:lnRef idx="3">
-            <a:schemeClr val="accent4"/>
-          </a:lnRef>
-          <a:fillRef idx="0">
-            <a:schemeClr val="accent4"/>
-          </a:fillRef>
-          <a:effectRef idx="2">
-            <a:schemeClr val="accent4"/>
-          </a:effectRef>
-          <a:fontRef idx="minor">
-            <a:schemeClr val="tx1"/>
-          </a:fontRef>
-        </p:style>
-      </p:cxnSp>
-      <p:sp>
-        <p:nvSpPr>
-          <p:cNvPr id="12" name="11 CuadroTexto"/>
-          <p:cNvSpPr txBox="1"/>
-          <p:nvPr/>
-        </p:nvSpPr>
-        <p:spPr>
-          <a:xfrm>
-            <a:off x="6126305" y="5397515"/>
-            <a:ext cx="2691698" cy="892552"/>
-          </a:xfrm>
-          <a:prstGeom prst="rect">
-            <a:avLst/>
-          </a:prstGeom>
-          <a:noFill/>
-        </p:spPr>
-        <p:txBody>
-          <a:bodyPr vert="horz" wrap="none" rtlCol="0">
-            <a:spAutoFit/>
-          </a:bodyPr>
-          <a:lstStyle/>
-          <a:p>
-            <a:pPr algn="ctr"/>
-            <a:r>
-              <a:rPr lang="es-PE" sz="2600" b="1" dirty="0" smtClean="0">
-                <a:solidFill>
-                  <a:srgbClr val="FFC000"/>
-                </a:solidFill>
-              </a:rPr>
-              <a:t>Fácil </a:t>
-            </a:r>
-            <a:r>
-              <a:rPr lang="es-PE" sz="2600" b="1" dirty="0" smtClean="0"/>
-              <a:t>de escribir</a:t>
-            </a:r>
-          </a:p>
-          <a:p>
-            <a:pPr algn="ctr"/>
-            <a:r>
-              <a:rPr lang="es-PE" sz="2600" b="1" dirty="0" err="1" smtClean="0">
-                <a:solidFill>
-                  <a:srgbClr val="FFC000"/>
-                </a:solidFill>
-              </a:rPr>
-              <a:t>Rapido</a:t>
-            </a:r>
-            <a:r>
-              <a:rPr lang="es-PE" sz="2600" b="1" dirty="0" smtClean="0">
-                <a:solidFill>
-                  <a:srgbClr val="FFC000"/>
-                </a:solidFill>
-              </a:rPr>
-              <a:t> </a:t>
-            </a:r>
-            <a:r>
-              <a:rPr lang="es-PE" sz="2600" b="1" dirty="0" smtClean="0"/>
-              <a:t>al ejecutar</a:t>
-            </a:r>
-            <a:endParaRPr lang="es-PE" sz="2600" b="1" dirty="0"/>
-          </a:p>
-        </p:txBody>
-      </p:sp>
-      <p:sp>
-        <p:nvSpPr>
-          <p:cNvPr id="13" name="12 CuadroTexto"/>
-          <p:cNvSpPr txBox="1"/>
-          <p:nvPr/>
-        </p:nvSpPr>
-        <p:spPr>
-          <a:xfrm>
-            <a:off x="6126305" y="1268760"/>
-            <a:ext cx="2766976" cy="1292662"/>
-          </a:xfrm>
-          <a:prstGeom prst="rect">
-            <a:avLst/>
-          </a:prstGeom>
-          <a:noFill/>
-        </p:spPr>
-        <p:txBody>
-          <a:bodyPr vert="horz" wrap="none" rtlCol="0">
-            <a:spAutoFit/>
-          </a:bodyPr>
-          <a:lstStyle/>
-          <a:p>
-            <a:pPr algn="ctr"/>
-            <a:r>
-              <a:rPr lang="es-PE" sz="2600" b="1" dirty="0" smtClean="0">
-                <a:solidFill>
-                  <a:srgbClr val="FFC000"/>
-                </a:solidFill>
-              </a:rPr>
-              <a:t>Difícil</a:t>
-            </a:r>
-            <a:r>
-              <a:rPr lang="es-PE" sz="2600" b="1" dirty="0" smtClean="0"/>
-              <a:t> de escribir</a:t>
-            </a:r>
-          </a:p>
-          <a:p>
-            <a:pPr algn="ctr"/>
-            <a:r>
-              <a:rPr lang="es-PE" sz="2600" b="1" dirty="0" smtClean="0">
-                <a:solidFill>
-                  <a:srgbClr val="FFC000"/>
-                </a:solidFill>
-              </a:rPr>
-              <a:t>Lento </a:t>
-            </a:r>
-            <a:r>
-              <a:rPr lang="es-PE" sz="2600" b="1" dirty="0" smtClean="0"/>
-              <a:t>al ejecutar</a:t>
-            </a:r>
-          </a:p>
-          <a:p>
-            <a:pPr algn="ctr"/>
-            <a:r>
-              <a:rPr lang="es-PE" sz="2600" b="1" dirty="0" smtClean="0">
-                <a:solidFill>
-                  <a:srgbClr val="FFC000"/>
-                </a:solidFill>
-              </a:rPr>
-              <a:t>Frágiles </a:t>
-            </a:r>
-            <a:r>
-              <a:rPr lang="es-PE" sz="2600" b="1" dirty="0" smtClean="0"/>
-              <a:t>de romper</a:t>
-            </a:r>
-            <a:endParaRPr lang="es-PE" sz="2600" b="1" dirty="0"/>
-          </a:p>
-        </p:txBody>
-      </p:sp>
-      <p:grpSp>
-        <p:nvGrpSpPr>
-          <p:cNvPr id="2" name="1 Grupo"/>
-          <p:cNvGrpSpPr/>
-          <p:nvPr/>
-        </p:nvGrpSpPr>
-        <p:grpSpPr>
-          <a:xfrm>
-            <a:off x="323528" y="1439556"/>
-            <a:ext cx="5616000" cy="4735410"/>
-            <a:chOff x="323528" y="1439556"/>
-            <a:chExt cx="5616000" cy="4735410"/>
-          </a:xfrm>
-        </p:grpSpPr>
-        <p:sp>
-          <p:nvSpPr>
-            <p:cNvPr id="24" name="23 Trapecio"/>
-            <p:cNvSpPr>
-              <a:spLocks noChangeAspect="1"/>
-            </p:cNvSpPr>
-            <p:nvPr/>
-          </p:nvSpPr>
-          <p:spPr>
-            <a:xfrm>
-              <a:off x="1058451" y="3717317"/>
-              <a:ext cx="4109940" cy="1140417"/>
-            </a:xfrm>
-            <a:prstGeom prst="trapezoid">
-              <a:avLst>
-                <a:gd name="adj" fmla="val 58288"/>
-              </a:avLst>
-            </a:prstGeom>
-          </p:spPr>
-          <p:style>
-            <a:lnRef idx="2">
-              <a:schemeClr val="accent2">
-                <a:shade val="50000"/>
-              </a:schemeClr>
-            </a:lnRef>
-            <a:fillRef idx="1">
-              <a:schemeClr val="accent2"/>
-            </a:fillRef>
-            <a:effectRef idx="0">
-              <a:schemeClr val="accent2"/>
-            </a:effectRef>
-            <a:fontRef idx="minor">
-              <a:schemeClr val="lt1"/>
-            </a:fontRef>
-          </p:style>
-          <p:txBody>
-            <a:bodyPr rtlCol="0" anchor="ctr"/>
-            <a:lstStyle/>
-            <a:p>
-              <a:pPr algn="ctr"/>
-              <a:r>
-                <a:rPr lang="es-PE" sz="2700" b="1" dirty="0" smtClean="0"/>
-                <a:t>Integración</a:t>
-              </a:r>
-              <a:endParaRPr lang="es-PE" sz="2700" b="1" dirty="0"/>
-            </a:p>
-          </p:txBody>
-        </p:sp>
-        <p:sp>
-          <p:nvSpPr>
-            <p:cNvPr id="25" name="24 Trapecio"/>
-            <p:cNvSpPr>
-              <a:spLocks noChangeAspect="1"/>
-            </p:cNvSpPr>
-            <p:nvPr/>
-          </p:nvSpPr>
-          <p:spPr>
-            <a:xfrm>
-              <a:off x="323528" y="4983709"/>
-              <a:ext cx="5616000" cy="1191257"/>
-            </a:xfrm>
-            <a:prstGeom prst="trapezoid">
-              <a:avLst>
-                <a:gd name="adj" fmla="val 57416"/>
-              </a:avLst>
-            </a:prstGeom>
-          </p:spPr>
-          <p:style>
-            <a:lnRef idx="2">
-              <a:schemeClr val="accent6">
-                <a:shade val="50000"/>
-              </a:schemeClr>
-            </a:lnRef>
-            <a:fillRef idx="1">
-              <a:schemeClr val="accent6"/>
-            </a:fillRef>
-            <a:effectRef idx="0">
-              <a:schemeClr val="accent6"/>
-            </a:effectRef>
-            <a:fontRef idx="minor">
-              <a:schemeClr val="lt1"/>
-            </a:fontRef>
-          </p:style>
-          <p:txBody>
-            <a:bodyPr rtlCol="0" anchor="ctr"/>
-            <a:lstStyle/>
-            <a:p>
-              <a:pPr algn="ctr"/>
-              <a:r>
-                <a:rPr lang="es-PE" sz="2700" b="1" dirty="0" smtClean="0"/>
-                <a:t>Unitarios</a:t>
-              </a:r>
-              <a:endParaRPr lang="es-PE" sz="2700" b="1" dirty="0"/>
-            </a:p>
-          </p:txBody>
-        </p:sp>
-        <p:sp>
-          <p:nvSpPr>
-            <p:cNvPr id="26" name="25 Triángulo isósceles"/>
-            <p:cNvSpPr>
-              <a:spLocks noChangeAspect="1"/>
-            </p:cNvSpPr>
-            <p:nvPr/>
-          </p:nvSpPr>
-          <p:spPr>
-            <a:xfrm>
-              <a:off x="1779493" y="1439556"/>
-              <a:ext cx="2667856" cy="2127589"/>
-            </a:xfrm>
-            <a:prstGeom prst="triangle">
-              <a:avLst>
-                <a:gd name="adj" fmla="val 49436"/>
-              </a:avLst>
-            </a:prstGeom>
-          </p:spPr>
-          <p:style>
-            <a:lnRef idx="2">
-              <a:schemeClr val="accent5">
-                <a:shade val="50000"/>
-              </a:schemeClr>
-            </a:lnRef>
-            <a:fillRef idx="1">
-              <a:schemeClr val="accent5"/>
-            </a:fillRef>
-            <a:effectRef idx="0">
-              <a:schemeClr val="accent5"/>
-            </a:effectRef>
-            <a:fontRef idx="minor">
-              <a:schemeClr val="lt1"/>
-            </a:fontRef>
-          </p:style>
-          <p:txBody>
-            <a:bodyPr rtlCol="0" anchor="ctr"/>
-            <a:lstStyle/>
-            <a:p>
-              <a:pPr algn="ctr"/>
-              <a:endParaRPr lang="es-PE" sz="2700" b="1" dirty="0"/>
-            </a:p>
-          </p:txBody>
-        </p:sp>
-        <p:sp>
-          <p:nvSpPr>
-            <p:cNvPr id="28" name="27 CuadroTexto"/>
-            <p:cNvSpPr txBox="1"/>
-            <p:nvPr/>
-          </p:nvSpPr>
-          <p:spPr>
-            <a:xfrm>
-              <a:off x="2457696" y="2276872"/>
-              <a:ext cx="1311449" cy="923330"/>
-            </a:xfrm>
-            <a:prstGeom prst="rect">
-              <a:avLst/>
-            </a:prstGeom>
-            <a:noFill/>
-          </p:spPr>
-          <p:txBody>
-            <a:bodyPr wrap="none" rtlCol="0">
-              <a:spAutoFit/>
-            </a:bodyPr>
-            <a:lstStyle/>
-            <a:p>
-              <a:pPr algn="ctr"/>
-              <a:r>
-                <a:rPr lang="es-PE" sz="2700" b="1" dirty="0" smtClean="0"/>
-                <a:t>UI</a:t>
-              </a:r>
-              <a:br>
-                <a:rPr lang="es-PE" sz="2700" b="1" dirty="0" smtClean="0"/>
-              </a:br>
-              <a:r>
-                <a:rPr lang="es-PE" sz="2700" b="1" dirty="0" smtClean="0"/>
-                <a:t>Sistema</a:t>
-              </a:r>
-              <a:endParaRPr lang="es-PE" sz="2700" b="1" dirty="0"/>
-            </a:p>
-          </p:txBody>
-        </p:sp>
-      </p:grpSp>
-    </p:spTree>
-    <p:extLst>
-      <p:ext uri="{BB962C8B-B14F-4D97-AF65-F5344CB8AC3E}">
-        <p14:creationId xmlns:p14="http://schemas.microsoft.com/office/powerpoint/2010/main" val="3629691023"/>
-      </p:ext>
-    </p:extLst>
-  </p:cSld>
-  <p:clrMapOvr>
-    <a:masterClrMapping/>
-  </p:clrMapOvr>
-  <p:timing>
-    <p:tnLst>
-      <p:par>
-        <p:cTn id="1" dur="indefinite" restart="never" nodeType="tmRoot"/>
-      </p:par>
-    </p:tnLst>
-  </p:timing>
-</p:sld>
-</file>
-
-<file path=ppt/slides/slide28.xml><?xml version="1.0" encoding="utf-8"?>
-<p:sld xmlns:a="http://schemas.openxmlformats.org/drawingml/2006/main" xmlns:r="http://schemas.openxmlformats.org/officeDocument/2006/relationships" xmlns:p="http://schemas.openxmlformats.org/presentationml/2006/main">
-  <p:cSld>
-    <p:spTree>
-      <p:nvGrpSpPr>
-        <p:cNvPr id="1" name=""/>
-        <p:cNvGrpSpPr/>
-        <p:nvPr/>
-      </p:nvGrpSpPr>
-      <p:grpSpPr>
-        <a:xfrm>
-          <a:off x="0" y="0"/>
-          <a:ext cx="0" cy="0"/>
-          <a:chOff x="0" y="0"/>
-          <a:chExt cx="0" cy="0"/>
-        </a:xfrm>
-      </p:grpSpPr>
-      <p:sp>
-        <p:nvSpPr>
-          <p:cNvPr id="3" name="2 Título"/>
-          <p:cNvSpPr>
-            <a:spLocks noGrp="1"/>
-          </p:cNvSpPr>
-          <p:nvPr>
-            <p:ph type="title"/>
-          </p:nvPr>
-        </p:nvSpPr>
-        <p:spPr>
-          <a:xfrm>
-            <a:off x="683568" y="188736"/>
-            <a:ext cx="8229600" cy="864000"/>
-          </a:xfrm>
-        </p:spPr>
-        <p:txBody>
-          <a:bodyPr/>
-          <a:lstStyle/>
-          <a:p>
-            <a:r>
-              <a:rPr lang="es-PE" dirty="0" smtClean="0">
-                <a:solidFill>
-                  <a:srgbClr val="00823B"/>
-                </a:solidFill>
-              </a:rPr>
-              <a:t>Proporción de los Tipos de Pruebas</a:t>
-            </a:r>
-            <a:endParaRPr lang="es-PE" dirty="0">
-              <a:solidFill>
-                <a:srgbClr val="00823B"/>
-              </a:solidFill>
-            </a:endParaRPr>
-          </a:p>
-        </p:txBody>
-      </p:sp>
-      <p:graphicFrame>
-        <p:nvGraphicFramePr>
-          <p:cNvPr id="2" name="1 Gráfico"/>
-          <p:cNvGraphicFramePr/>
-          <p:nvPr>
-            <p:extLst>
-              <p:ext uri="{D42A27DB-BD31-4B8C-83A1-F6EECF244321}">
-                <p14:modId xmlns:p14="http://schemas.microsoft.com/office/powerpoint/2010/main" val="2386624454"/>
-              </p:ext>
-            </p:extLst>
-          </p:nvPr>
-        </p:nvGraphicFramePr>
-        <p:xfrm>
-          <a:off x="1043608" y="1268760"/>
-          <a:ext cx="7080448" cy="4840312"/>
-        </p:xfrm>
-        <a:graphic>
-          <a:graphicData uri="http://schemas.openxmlformats.org/drawingml/2006/chart">
-            <c:chart xmlns:c="http://schemas.openxmlformats.org/drawingml/2006/chart" xmlns:r="http://schemas.openxmlformats.org/officeDocument/2006/relationships" r:id="rId3"/>
-          </a:graphicData>
-        </a:graphic>
-      </p:graphicFrame>
-    </p:spTree>
-    <p:extLst>
-      <p:ext uri="{BB962C8B-B14F-4D97-AF65-F5344CB8AC3E}">
-        <p14:creationId xmlns:p14="http://schemas.microsoft.com/office/powerpoint/2010/main" val="4027035452"/>
-      </p:ext>
-    </p:extLst>
-  </p:cSld>
-  <p:clrMapOvr>
-    <a:masterClrMapping/>
-  </p:clrMapOvr>
-  <p:timing>
-    <p:tnLst>
-      <p:par>
-        <p:cTn id="1" dur="indefinite" restart="never" nodeType="tmRoot"/>
-      </p:par>
-    </p:tnLst>
-  </p:timing>
-</p:sld>
-</file>
-
 <file path=ppt/slides/slide29.xml><?xml version="1.0" encoding="utf-8"?>
 <p:sld xmlns:a="http://schemas.openxmlformats.org/drawingml/2006/main" xmlns:r="http://schemas.openxmlformats.org/officeDocument/2006/relationships" xmlns:p="http://schemas.openxmlformats.org/presentationml/2006/main">
   <p:cSld>
@@ -13636,7 +14308,7 @@
       </p:grpSpPr>
       <p:sp>
         <p:nvSpPr>
-          <p:cNvPr id="3" name="2 Título"/>
+          <p:cNvPr id="5" name="2 Título"/>
           <p:cNvSpPr>
             <a:spLocks noGrp="1"/>
           </p:cNvSpPr>
@@ -13646,8 +14318,8 @@
         </p:nvSpPr>
         <p:spPr>
           <a:xfrm>
-            <a:off x="524338" y="216030"/>
-            <a:ext cx="8229600" cy="724942"/>
+            <a:off x="457200" y="1916832"/>
+            <a:ext cx="8229600" cy="2088232"/>
           </a:xfrm>
         </p:spPr>
         <p:txBody>
@@ -13657,199 +14329,53 @@
             <a:r>
               <a:rPr lang="es-PE" dirty="0" smtClean="0">
                 <a:solidFill>
-                  <a:srgbClr val="00823B"/>
-                </a:solidFill>
-              </a:rPr>
-              <a:t>Información Adicional</a:t>
+                  <a:srgbClr val="FFC000"/>
+                </a:solidFill>
+              </a:rPr>
+              <a:t>Ejercicio</a:t>
+            </a:r>
+            <a:br>
+              <a:rPr lang="es-PE" dirty="0" smtClean="0">
+                <a:solidFill>
+                  <a:srgbClr val="FFC000"/>
+                </a:solidFill>
+              </a:rPr>
+            </a:br>
+            <a:r>
+              <a:rPr lang="es-PE" dirty="0" smtClean="0">
+                <a:solidFill>
+                  <a:srgbClr val="00B050"/>
+                </a:solidFill>
+              </a:rPr>
+              <a:t>Crear nuestro propio Framework para realizar </a:t>
+            </a:r>
+            <a:br>
+              <a:rPr lang="es-PE" dirty="0" smtClean="0">
+                <a:solidFill>
+                  <a:srgbClr val="00B050"/>
+                </a:solidFill>
+              </a:rPr>
+            </a:br>
+            <a:r>
+              <a:rPr lang="es-PE" dirty="0" smtClean="0">
+                <a:solidFill>
+                  <a:srgbClr val="00B050"/>
+                </a:solidFill>
+              </a:rPr>
+              <a:t>Pruebas Web Automatizadas.</a:t>
             </a:r>
             <a:endParaRPr lang="es-PE" dirty="0">
               <a:solidFill>
-                <a:srgbClr val="00823B"/>
+                <a:srgbClr val="00B050"/>
               </a:solidFill>
             </a:endParaRPr>
-          </a:p>
-        </p:txBody>
-      </p:sp>
-      <p:sp>
-        <p:nvSpPr>
-          <p:cNvPr id="13" name="12 CuadroTexto"/>
-          <p:cNvSpPr txBox="1"/>
-          <p:nvPr/>
-        </p:nvSpPr>
-        <p:spPr>
-          <a:xfrm>
-            <a:off x="209672" y="1124744"/>
-            <a:ext cx="8712968" cy="3046988"/>
-          </a:xfrm>
-          <a:prstGeom prst="rect">
-            <a:avLst/>
-          </a:prstGeom>
-          <a:noFill/>
-        </p:spPr>
-        <p:txBody>
-          <a:bodyPr wrap="square" rtlCol="0">
-            <a:spAutoFit/>
-          </a:bodyPr>
-          <a:lstStyle/>
-          <a:p>
-            <a:pPr marL="457200" indent="-457200">
-              <a:buFont typeface="Arial" pitchFamily="34" charset="0"/>
-              <a:buChar char="•"/>
-            </a:pPr>
-            <a:r>
-              <a:rPr lang="es-PE" sz="2400" dirty="0" err="1" smtClean="0"/>
-              <a:t>Selenium</a:t>
-            </a:r>
-            <a:r>
-              <a:rPr lang="es-PE" sz="2400" dirty="0" smtClean="0"/>
-              <a:t> </a:t>
-            </a:r>
-            <a:r>
-              <a:rPr lang="es-PE" sz="2400" dirty="0" err="1" smtClean="0"/>
-              <a:t>Downloads</a:t>
-            </a:r>
-            <a:r>
-              <a:rPr lang="es-PE" sz="2400" dirty="0" smtClean="0"/>
-              <a:t>:</a:t>
-            </a:r>
-            <a:br>
-              <a:rPr lang="es-PE" sz="2400" dirty="0" smtClean="0"/>
-            </a:br>
-            <a:r>
-              <a:rPr lang="es-PE" sz="2400" dirty="0" smtClean="0">
-                <a:solidFill>
-                  <a:srgbClr val="FFC000"/>
-                </a:solidFill>
-              </a:rPr>
-              <a:t>http</a:t>
-            </a:r>
-            <a:r>
-              <a:rPr lang="es-PE" sz="2400" dirty="0">
-                <a:solidFill>
-                  <a:srgbClr val="FFC000"/>
-                </a:solidFill>
-              </a:rPr>
-              <a:t>://seleniumhq.org/download</a:t>
-            </a:r>
-            <a:r>
-              <a:rPr lang="es-PE" sz="2400" dirty="0" smtClean="0">
-                <a:solidFill>
-                  <a:srgbClr val="FFC000"/>
-                </a:solidFill>
-              </a:rPr>
-              <a:t>/</a:t>
-            </a:r>
-          </a:p>
-          <a:p>
-            <a:pPr marL="457200" indent="-457200">
-              <a:buFont typeface="Arial" pitchFamily="34" charset="0"/>
-              <a:buChar char="•"/>
-            </a:pPr>
-            <a:endParaRPr lang="es-PE" sz="2400" dirty="0" smtClean="0"/>
-          </a:p>
-          <a:p>
-            <a:pPr marL="457200" indent="-457200">
-              <a:buFont typeface="Arial" pitchFamily="34" charset="0"/>
-              <a:buChar char="•"/>
-            </a:pPr>
-            <a:r>
-              <a:rPr lang="es-PE" sz="2400" dirty="0" err="1" smtClean="0"/>
-              <a:t>XPath</a:t>
-            </a:r>
-            <a:r>
-              <a:rPr lang="es-PE" sz="2400" dirty="0"/>
-              <a:t> </a:t>
-            </a:r>
-            <a:r>
-              <a:rPr lang="es-PE" sz="2400" dirty="0" err="1" smtClean="0"/>
-              <a:t>Documentation</a:t>
-            </a:r>
-            <a:r>
-              <a:rPr lang="es-PE" sz="2400" dirty="0" smtClean="0"/>
-              <a:t>:</a:t>
-            </a:r>
-            <a:r>
-              <a:rPr lang="es-PE" sz="2400" dirty="0"/>
-              <a:t/>
-            </a:r>
-            <a:br>
-              <a:rPr lang="es-PE" sz="2400" dirty="0"/>
-            </a:br>
-            <a:r>
-              <a:rPr lang="es-PE" sz="2400" dirty="0">
-                <a:solidFill>
-                  <a:srgbClr val="FFC000"/>
-                </a:solidFill>
-              </a:rPr>
-              <a:t>http://</a:t>
-            </a:r>
-            <a:r>
-              <a:rPr lang="es-PE" sz="2400" dirty="0" smtClean="0">
-                <a:solidFill>
-                  <a:srgbClr val="FFC000"/>
-                </a:solidFill>
-              </a:rPr>
-              <a:t>www.w3schools.com/xpath/default.asp</a:t>
-            </a:r>
-          </a:p>
-          <a:p>
-            <a:pPr marL="457200" indent="-457200">
-              <a:buFont typeface="Arial" pitchFamily="34" charset="0"/>
-              <a:buChar char="•"/>
-            </a:pPr>
-            <a:endParaRPr lang="es-PE" sz="2400" dirty="0">
-              <a:solidFill>
-                <a:srgbClr val="FFC000"/>
-              </a:solidFill>
-            </a:endParaRPr>
-          </a:p>
-          <a:p>
-            <a:pPr marL="457200" indent="-457200">
-              <a:buFont typeface="Arial" pitchFamily="34" charset="0"/>
-              <a:buChar char="•"/>
-            </a:pPr>
-            <a:r>
-              <a:rPr lang="es-PE" sz="2400" dirty="0" smtClean="0"/>
-              <a:t>Cómo utilizar </a:t>
-            </a:r>
-            <a:r>
-              <a:rPr lang="es-PE" sz="2400" dirty="0" err="1" smtClean="0"/>
-              <a:t>WebDriver</a:t>
-            </a:r>
-            <a:r>
-              <a:rPr lang="es-PE" sz="2400" dirty="0" smtClean="0"/>
-              <a:t> con IE</a:t>
-            </a:r>
-            <a:r>
-              <a:rPr lang="es-PE" sz="2400" dirty="0">
-                <a:solidFill>
-                  <a:srgbClr val="FFC000"/>
-                </a:solidFill>
-              </a:rPr>
-              <a:t/>
-            </a:r>
-            <a:br>
-              <a:rPr lang="es-PE" sz="2400" dirty="0">
-                <a:solidFill>
-                  <a:srgbClr val="FFC000"/>
-                </a:solidFill>
-              </a:rPr>
-            </a:br>
-            <a:r>
-              <a:rPr lang="es-PE" sz="2400" dirty="0">
-                <a:solidFill>
-                  <a:srgbClr val="FFC000"/>
-                </a:solidFill>
-              </a:rPr>
-              <a:t>http://www.jimmycollins.org/blog/?p=583</a:t>
-            </a:r>
           </a:p>
         </p:txBody>
       </p:sp>
     </p:spTree>
     <p:extLst>
       <p:ext uri="{BB962C8B-B14F-4D97-AF65-F5344CB8AC3E}">
-        <p14:creationId xmlns:p14="http://schemas.microsoft.com/office/powerpoint/2010/main" val="3278265059"/>
+        <p14:creationId xmlns:p14="http://schemas.microsoft.com/office/powerpoint/2010/main" val="3053417318"/>
       </p:ext>
     </p:extLst>
   </p:cSld>
@@ -14780,6 +15306,803 @@
 </p:sld>
 </file>
 
+<file path=ppt/slides/slide30.xml><?xml version="1.0" encoding="utf-8"?>
+<p:sld xmlns:a="http://schemas.openxmlformats.org/drawingml/2006/main" xmlns:r="http://schemas.openxmlformats.org/officeDocument/2006/relationships" xmlns:p="http://schemas.openxmlformats.org/presentationml/2006/main">
+  <p:cSld>
+    <p:spTree>
+      <p:nvGrpSpPr>
+        <p:cNvPr id="1" name=""/>
+        <p:cNvGrpSpPr/>
+        <p:nvPr/>
+      </p:nvGrpSpPr>
+      <p:grpSpPr>
+        <a:xfrm>
+          <a:off x="0" y="0"/>
+          <a:ext cx="0" cy="0"/>
+          <a:chOff x="0" y="0"/>
+          <a:chExt cx="0" cy="0"/>
+        </a:xfrm>
+      </p:grpSpPr>
+      <p:sp>
+        <p:nvSpPr>
+          <p:cNvPr id="3" name="2 Título"/>
+          <p:cNvSpPr>
+            <a:spLocks noGrp="1"/>
+          </p:cNvSpPr>
+          <p:nvPr>
+            <p:ph type="title"/>
+          </p:nvPr>
+        </p:nvSpPr>
+        <p:spPr>
+          <a:xfrm>
+            <a:off x="683568" y="188736"/>
+            <a:ext cx="8229600" cy="864000"/>
+          </a:xfrm>
+        </p:spPr>
+        <p:txBody>
+          <a:bodyPr/>
+          <a:lstStyle/>
+          <a:p>
+            <a:r>
+              <a:rPr lang="es-PE" dirty="0" err="1" smtClean="0">
+                <a:solidFill>
+                  <a:srgbClr val="00823B"/>
+                </a:solidFill>
+              </a:rPr>
+              <a:t>Unit</a:t>
+            </a:r>
+            <a:r>
+              <a:rPr lang="es-PE" dirty="0" smtClean="0">
+                <a:solidFill>
+                  <a:srgbClr val="00823B"/>
+                </a:solidFill>
+              </a:rPr>
+              <a:t> vs Integration vs </a:t>
+            </a:r>
+            <a:r>
+              <a:rPr lang="es-PE" dirty="0" err="1" smtClean="0">
+                <a:solidFill>
+                  <a:srgbClr val="00823B"/>
+                </a:solidFill>
+              </a:rPr>
+              <a:t>System</a:t>
+            </a:r>
+            <a:endParaRPr lang="es-PE" dirty="0">
+              <a:solidFill>
+                <a:srgbClr val="00823B"/>
+              </a:solidFill>
+            </a:endParaRPr>
+          </a:p>
+        </p:txBody>
+      </p:sp>
+      <p:cxnSp>
+        <p:nvCxnSpPr>
+          <p:cNvPr id="11" name="10 Conector recto de flecha"/>
+          <p:cNvCxnSpPr>
+            <a:stCxn id="12" idx="0"/>
+            <a:endCxn id="13" idx="2"/>
+          </p:cNvCxnSpPr>
+          <p:nvPr/>
+        </p:nvCxnSpPr>
+        <p:spPr>
+          <a:xfrm flipV="1">
+            <a:off x="7472154" y="2561422"/>
+            <a:ext cx="37639" cy="2836093"/>
+          </a:xfrm>
+          <a:prstGeom prst="straightConnector1">
+            <a:avLst/>
+          </a:prstGeom>
+          <a:ln w="57150">
+            <a:solidFill>
+              <a:srgbClr val="FFC000"/>
+            </a:solidFill>
+            <a:headEnd type="none" w="med" len="med"/>
+            <a:tailEnd type="arrow" w="med" len="med"/>
+          </a:ln>
+        </p:spPr>
+        <p:style>
+          <a:lnRef idx="3">
+            <a:schemeClr val="accent4"/>
+          </a:lnRef>
+          <a:fillRef idx="0">
+            <a:schemeClr val="accent4"/>
+          </a:fillRef>
+          <a:effectRef idx="2">
+            <a:schemeClr val="accent4"/>
+          </a:effectRef>
+          <a:fontRef idx="minor">
+            <a:schemeClr val="tx1"/>
+          </a:fontRef>
+        </p:style>
+      </p:cxnSp>
+      <p:sp>
+        <p:nvSpPr>
+          <p:cNvPr id="12" name="11 CuadroTexto"/>
+          <p:cNvSpPr txBox="1"/>
+          <p:nvPr/>
+        </p:nvSpPr>
+        <p:spPr>
+          <a:xfrm>
+            <a:off x="6126305" y="5397515"/>
+            <a:ext cx="2691698" cy="892552"/>
+          </a:xfrm>
+          <a:prstGeom prst="rect">
+            <a:avLst/>
+          </a:prstGeom>
+          <a:noFill/>
+        </p:spPr>
+        <p:txBody>
+          <a:bodyPr vert="horz" wrap="none" rtlCol="0">
+            <a:spAutoFit/>
+          </a:bodyPr>
+          <a:lstStyle/>
+          <a:p>
+            <a:pPr algn="ctr"/>
+            <a:r>
+              <a:rPr lang="es-PE" sz="2600" b="1" dirty="0" smtClean="0">
+                <a:solidFill>
+                  <a:srgbClr val="FFC000"/>
+                </a:solidFill>
+              </a:rPr>
+              <a:t>Fácil </a:t>
+            </a:r>
+            <a:r>
+              <a:rPr lang="es-PE" sz="2600" b="1" dirty="0" smtClean="0"/>
+              <a:t>de escribir</a:t>
+            </a:r>
+          </a:p>
+          <a:p>
+            <a:pPr algn="ctr"/>
+            <a:r>
+              <a:rPr lang="es-PE" sz="2600" b="1" dirty="0" err="1" smtClean="0">
+                <a:solidFill>
+                  <a:srgbClr val="FFC000"/>
+                </a:solidFill>
+              </a:rPr>
+              <a:t>Rapido</a:t>
+            </a:r>
+            <a:r>
+              <a:rPr lang="es-PE" sz="2600" b="1" dirty="0" smtClean="0">
+                <a:solidFill>
+                  <a:srgbClr val="FFC000"/>
+                </a:solidFill>
+              </a:rPr>
+              <a:t> </a:t>
+            </a:r>
+            <a:r>
+              <a:rPr lang="es-PE" sz="2600" b="1" dirty="0" smtClean="0"/>
+              <a:t>al ejecutar</a:t>
+            </a:r>
+            <a:endParaRPr lang="es-PE" sz="2600" b="1" dirty="0"/>
+          </a:p>
+        </p:txBody>
+      </p:sp>
+      <p:sp>
+        <p:nvSpPr>
+          <p:cNvPr id="13" name="12 CuadroTexto"/>
+          <p:cNvSpPr txBox="1"/>
+          <p:nvPr/>
+        </p:nvSpPr>
+        <p:spPr>
+          <a:xfrm>
+            <a:off x="6126305" y="1268760"/>
+            <a:ext cx="2766976" cy="1292662"/>
+          </a:xfrm>
+          <a:prstGeom prst="rect">
+            <a:avLst/>
+          </a:prstGeom>
+          <a:noFill/>
+        </p:spPr>
+        <p:txBody>
+          <a:bodyPr vert="horz" wrap="none" rtlCol="0">
+            <a:spAutoFit/>
+          </a:bodyPr>
+          <a:lstStyle/>
+          <a:p>
+            <a:pPr algn="ctr"/>
+            <a:r>
+              <a:rPr lang="es-PE" sz="2600" b="1" dirty="0" smtClean="0">
+                <a:solidFill>
+                  <a:srgbClr val="FFC000"/>
+                </a:solidFill>
+              </a:rPr>
+              <a:t>Difícil</a:t>
+            </a:r>
+            <a:r>
+              <a:rPr lang="es-PE" sz="2600" b="1" dirty="0" smtClean="0"/>
+              <a:t> de escribir</a:t>
+            </a:r>
+          </a:p>
+          <a:p>
+            <a:pPr algn="ctr"/>
+            <a:r>
+              <a:rPr lang="es-PE" sz="2600" b="1" dirty="0" smtClean="0">
+                <a:solidFill>
+                  <a:srgbClr val="FFC000"/>
+                </a:solidFill>
+              </a:rPr>
+              <a:t>Lento </a:t>
+            </a:r>
+            <a:r>
+              <a:rPr lang="es-PE" sz="2600" b="1" dirty="0" smtClean="0"/>
+              <a:t>al ejecutar</a:t>
+            </a:r>
+          </a:p>
+          <a:p>
+            <a:pPr algn="ctr"/>
+            <a:r>
+              <a:rPr lang="es-PE" sz="2600" b="1" dirty="0" smtClean="0">
+                <a:solidFill>
+                  <a:srgbClr val="FFC000"/>
+                </a:solidFill>
+              </a:rPr>
+              <a:t>Frágiles </a:t>
+            </a:r>
+            <a:r>
+              <a:rPr lang="es-PE" sz="2600" b="1" dirty="0" smtClean="0"/>
+              <a:t>de romper</a:t>
+            </a:r>
+            <a:endParaRPr lang="es-PE" sz="2600" b="1" dirty="0"/>
+          </a:p>
+        </p:txBody>
+      </p:sp>
+      <p:grpSp>
+        <p:nvGrpSpPr>
+          <p:cNvPr id="2" name="1 Grupo"/>
+          <p:cNvGrpSpPr/>
+          <p:nvPr/>
+        </p:nvGrpSpPr>
+        <p:grpSpPr>
+          <a:xfrm>
+            <a:off x="323528" y="1439556"/>
+            <a:ext cx="5616000" cy="4735410"/>
+            <a:chOff x="323528" y="1439556"/>
+            <a:chExt cx="5616000" cy="4735410"/>
+          </a:xfrm>
+        </p:grpSpPr>
+        <p:sp>
+          <p:nvSpPr>
+            <p:cNvPr id="24" name="23 Trapecio"/>
+            <p:cNvSpPr>
+              <a:spLocks noChangeAspect="1"/>
+            </p:cNvSpPr>
+            <p:nvPr/>
+          </p:nvSpPr>
+          <p:spPr>
+            <a:xfrm>
+              <a:off x="1058451" y="3717317"/>
+              <a:ext cx="4109940" cy="1140417"/>
+            </a:xfrm>
+            <a:prstGeom prst="trapezoid">
+              <a:avLst>
+                <a:gd name="adj" fmla="val 58288"/>
+              </a:avLst>
+            </a:prstGeom>
+          </p:spPr>
+          <p:style>
+            <a:lnRef idx="2">
+              <a:schemeClr val="accent2">
+                <a:shade val="50000"/>
+              </a:schemeClr>
+            </a:lnRef>
+            <a:fillRef idx="1">
+              <a:schemeClr val="accent2"/>
+            </a:fillRef>
+            <a:effectRef idx="0">
+              <a:schemeClr val="accent2"/>
+            </a:effectRef>
+            <a:fontRef idx="minor">
+              <a:schemeClr val="lt1"/>
+            </a:fontRef>
+          </p:style>
+          <p:txBody>
+            <a:bodyPr rtlCol="0" anchor="ctr"/>
+            <a:lstStyle/>
+            <a:p>
+              <a:pPr algn="ctr"/>
+              <a:r>
+                <a:rPr lang="es-PE" sz="2700" b="1" dirty="0" smtClean="0"/>
+                <a:t>Integración</a:t>
+              </a:r>
+              <a:endParaRPr lang="es-PE" sz="2700" b="1" dirty="0"/>
+            </a:p>
+          </p:txBody>
+        </p:sp>
+        <p:sp>
+          <p:nvSpPr>
+            <p:cNvPr id="25" name="24 Trapecio"/>
+            <p:cNvSpPr>
+              <a:spLocks noChangeAspect="1"/>
+            </p:cNvSpPr>
+            <p:nvPr/>
+          </p:nvSpPr>
+          <p:spPr>
+            <a:xfrm>
+              <a:off x="323528" y="4983709"/>
+              <a:ext cx="5616000" cy="1191257"/>
+            </a:xfrm>
+            <a:prstGeom prst="trapezoid">
+              <a:avLst>
+                <a:gd name="adj" fmla="val 57416"/>
+              </a:avLst>
+            </a:prstGeom>
+          </p:spPr>
+          <p:style>
+            <a:lnRef idx="2">
+              <a:schemeClr val="accent6">
+                <a:shade val="50000"/>
+              </a:schemeClr>
+            </a:lnRef>
+            <a:fillRef idx="1">
+              <a:schemeClr val="accent6"/>
+            </a:fillRef>
+            <a:effectRef idx="0">
+              <a:schemeClr val="accent6"/>
+            </a:effectRef>
+            <a:fontRef idx="minor">
+              <a:schemeClr val="lt1"/>
+            </a:fontRef>
+          </p:style>
+          <p:txBody>
+            <a:bodyPr rtlCol="0" anchor="ctr"/>
+            <a:lstStyle/>
+            <a:p>
+              <a:pPr algn="ctr"/>
+              <a:r>
+                <a:rPr lang="es-PE" sz="2700" b="1" dirty="0" smtClean="0"/>
+                <a:t>Unitarios</a:t>
+              </a:r>
+              <a:endParaRPr lang="es-PE" sz="2700" b="1" dirty="0"/>
+            </a:p>
+          </p:txBody>
+        </p:sp>
+        <p:sp>
+          <p:nvSpPr>
+            <p:cNvPr id="26" name="25 Triángulo isósceles"/>
+            <p:cNvSpPr>
+              <a:spLocks noChangeAspect="1"/>
+            </p:cNvSpPr>
+            <p:nvPr/>
+          </p:nvSpPr>
+          <p:spPr>
+            <a:xfrm>
+              <a:off x="1779493" y="1439556"/>
+              <a:ext cx="2667856" cy="2127589"/>
+            </a:xfrm>
+            <a:prstGeom prst="triangle">
+              <a:avLst>
+                <a:gd name="adj" fmla="val 49436"/>
+              </a:avLst>
+            </a:prstGeom>
+          </p:spPr>
+          <p:style>
+            <a:lnRef idx="2">
+              <a:schemeClr val="accent5">
+                <a:shade val="50000"/>
+              </a:schemeClr>
+            </a:lnRef>
+            <a:fillRef idx="1">
+              <a:schemeClr val="accent5"/>
+            </a:fillRef>
+            <a:effectRef idx="0">
+              <a:schemeClr val="accent5"/>
+            </a:effectRef>
+            <a:fontRef idx="minor">
+              <a:schemeClr val="lt1"/>
+            </a:fontRef>
+          </p:style>
+          <p:txBody>
+            <a:bodyPr rtlCol="0" anchor="ctr"/>
+            <a:lstStyle/>
+            <a:p>
+              <a:pPr algn="ctr"/>
+              <a:endParaRPr lang="es-PE" sz="2700" b="1" dirty="0"/>
+            </a:p>
+          </p:txBody>
+        </p:sp>
+        <p:sp>
+          <p:nvSpPr>
+            <p:cNvPr id="28" name="27 CuadroTexto"/>
+            <p:cNvSpPr txBox="1"/>
+            <p:nvPr/>
+          </p:nvSpPr>
+          <p:spPr>
+            <a:xfrm>
+              <a:off x="2457696" y="2276872"/>
+              <a:ext cx="1311449" cy="923330"/>
+            </a:xfrm>
+            <a:prstGeom prst="rect">
+              <a:avLst/>
+            </a:prstGeom>
+            <a:noFill/>
+          </p:spPr>
+          <p:txBody>
+            <a:bodyPr wrap="none" rtlCol="0">
+              <a:spAutoFit/>
+            </a:bodyPr>
+            <a:lstStyle/>
+            <a:p>
+              <a:pPr algn="ctr"/>
+              <a:r>
+                <a:rPr lang="es-PE" sz="2700" b="1" dirty="0" smtClean="0"/>
+                <a:t>UI</a:t>
+              </a:r>
+              <a:br>
+                <a:rPr lang="es-PE" sz="2700" b="1" dirty="0" smtClean="0"/>
+              </a:br>
+              <a:r>
+                <a:rPr lang="es-PE" sz="2700" b="1" dirty="0" smtClean="0"/>
+                <a:t>Sistema</a:t>
+              </a:r>
+              <a:endParaRPr lang="es-PE" sz="2700" b="1" dirty="0"/>
+            </a:p>
+          </p:txBody>
+        </p:sp>
+      </p:grpSp>
+    </p:spTree>
+    <p:extLst>
+      <p:ext uri="{BB962C8B-B14F-4D97-AF65-F5344CB8AC3E}">
+        <p14:creationId xmlns:p14="http://schemas.microsoft.com/office/powerpoint/2010/main" val="3629691023"/>
+      </p:ext>
+    </p:extLst>
+  </p:cSld>
+  <p:clrMapOvr>
+    <a:masterClrMapping/>
+  </p:clrMapOvr>
+  <p:timing>
+    <p:tnLst>
+      <p:par>
+        <p:cTn id="1" dur="indefinite" restart="never" nodeType="tmRoot"/>
+      </p:par>
+    </p:tnLst>
+  </p:timing>
+</p:sld>
+</file>
+
+<file path=ppt/slides/slide31.xml><?xml version="1.0" encoding="utf-8"?>
+<p:sld xmlns:a="http://schemas.openxmlformats.org/drawingml/2006/main" xmlns:r="http://schemas.openxmlformats.org/officeDocument/2006/relationships" xmlns:p="http://schemas.openxmlformats.org/presentationml/2006/main">
+  <p:cSld>
+    <p:spTree>
+      <p:nvGrpSpPr>
+        <p:cNvPr id="1" name=""/>
+        <p:cNvGrpSpPr/>
+        <p:nvPr/>
+      </p:nvGrpSpPr>
+      <p:grpSpPr>
+        <a:xfrm>
+          <a:off x="0" y="0"/>
+          <a:ext cx="0" cy="0"/>
+          <a:chOff x="0" y="0"/>
+          <a:chExt cx="0" cy="0"/>
+        </a:xfrm>
+      </p:grpSpPr>
+      <p:sp>
+        <p:nvSpPr>
+          <p:cNvPr id="3" name="2 Título"/>
+          <p:cNvSpPr>
+            <a:spLocks noGrp="1"/>
+          </p:cNvSpPr>
+          <p:nvPr>
+            <p:ph type="title"/>
+          </p:nvPr>
+        </p:nvSpPr>
+        <p:spPr>
+          <a:xfrm>
+            <a:off x="683568" y="188736"/>
+            <a:ext cx="8229600" cy="864000"/>
+          </a:xfrm>
+        </p:spPr>
+        <p:txBody>
+          <a:bodyPr/>
+          <a:lstStyle/>
+          <a:p>
+            <a:r>
+              <a:rPr lang="es-PE" dirty="0" smtClean="0">
+                <a:solidFill>
+                  <a:srgbClr val="00823B"/>
+                </a:solidFill>
+              </a:rPr>
+              <a:t>Proporción de los Tipos de Pruebas</a:t>
+            </a:r>
+            <a:endParaRPr lang="es-PE" dirty="0">
+              <a:solidFill>
+                <a:srgbClr val="00823B"/>
+              </a:solidFill>
+            </a:endParaRPr>
+          </a:p>
+        </p:txBody>
+      </p:sp>
+      <p:graphicFrame>
+        <p:nvGraphicFramePr>
+          <p:cNvPr id="2" name="1 Gráfico"/>
+          <p:cNvGraphicFramePr/>
+          <p:nvPr>
+            <p:extLst>
+              <p:ext uri="{D42A27DB-BD31-4B8C-83A1-F6EECF244321}">
+                <p14:modId xmlns:p14="http://schemas.microsoft.com/office/powerpoint/2010/main" val="2386624454"/>
+              </p:ext>
+            </p:extLst>
+          </p:nvPr>
+        </p:nvGraphicFramePr>
+        <p:xfrm>
+          <a:off x="1043608" y="1268760"/>
+          <a:ext cx="7080448" cy="4840312"/>
+        </p:xfrm>
+        <a:graphic>
+          <a:graphicData uri="http://schemas.openxmlformats.org/drawingml/2006/chart">
+            <c:chart xmlns:c="http://schemas.openxmlformats.org/drawingml/2006/chart" xmlns:r="http://schemas.openxmlformats.org/officeDocument/2006/relationships" r:id="rId3"/>
+          </a:graphicData>
+        </a:graphic>
+      </p:graphicFrame>
+    </p:spTree>
+    <p:extLst>
+      <p:ext uri="{BB962C8B-B14F-4D97-AF65-F5344CB8AC3E}">
+        <p14:creationId xmlns:p14="http://schemas.microsoft.com/office/powerpoint/2010/main" val="4027035452"/>
+      </p:ext>
+    </p:extLst>
+  </p:cSld>
+  <p:clrMapOvr>
+    <a:masterClrMapping/>
+  </p:clrMapOvr>
+  <p:timing>
+    <p:tnLst>
+      <p:par>
+        <p:cTn id="1" dur="indefinite" restart="never" nodeType="tmRoot"/>
+      </p:par>
+    </p:tnLst>
+  </p:timing>
+</p:sld>
+</file>
+
+<file path=ppt/slides/slide32.xml><?xml version="1.0" encoding="utf-8"?>
+<p:sld xmlns:a="http://schemas.openxmlformats.org/drawingml/2006/main" xmlns:r="http://schemas.openxmlformats.org/officeDocument/2006/relationships" xmlns:p="http://schemas.openxmlformats.org/presentationml/2006/main">
+  <p:cSld>
+    <p:spTree>
+      <p:nvGrpSpPr>
+        <p:cNvPr id="1" name=""/>
+        <p:cNvGrpSpPr/>
+        <p:nvPr/>
+      </p:nvGrpSpPr>
+      <p:grpSpPr>
+        <a:xfrm>
+          <a:off x="0" y="0"/>
+          <a:ext cx="0" cy="0"/>
+          <a:chOff x="0" y="0"/>
+          <a:chExt cx="0" cy="0"/>
+        </a:xfrm>
+      </p:grpSpPr>
+      <p:sp>
+        <p:nvSpPr>
+          <p:cNvPr id="3" name="2 Título"/>
+          <p:cNvSpPr>
+            <a:spLocks noGrp="1"/>
+          </p:cNvSpPr>
+          <p:nvPr>
+            <p:ph type="title"/>
+          </p:nvPr>
+        </p:nvSpPr>
+        <p:spPr>
+          <a:xfrm>
+            <a:off x="524338" y="216030"/>
+            <a:ext cx="8229600" cy="724942"/>
+          </a:xfrm>
+        </p:spPr>
+        <p:txBody>
+          <a:bodyPr/>
+          <a:lstStyle/>
+          <a:p>
+            <a:r>
+              <a:rPr lang="es-PE" dirty="0" smtClean="0">
+                <a:solidFill>
+                  <a:srgbClr val="00823B"/>
+                </a:solidFill>
+              </a:rPr>
+              <a:t>Información Adicional</a:t>
+            </a:r>
+            <a:endParaRPr lang="es-PE" dirty="0">
+              <a:solidFill>
+                <a:srgbClr val="00823B"/>
+              </a:solidFill>
+            </a:endParaRPr>
+          </a:p>
+        </p:txBody>
+      </p:sp>
+      <p:sp>
+        <p:nvSpPr>
+          <p:cNvPr id="13" name="12 CuadroTexto"/>
+          <p:cNvSpPr txBox="1"/>
+          <p:nvPr/>
+        </p:nvSpPr>
+        <p:spPr>
+          <a:xfrm>
+            <a:off x="209672" y="1124744"/>
+            <a:ext cx="8712968" cy="3046988"/>
+          </a:xfrm>
+          <a:prstGeom prst="rect">
+            <a:avLst/>
+          </a:prstGeom>
+          <a:noFill/>
+        </p:spPr>
+        <p:txBody>
+          <a:bodyPr wrap="square" rtlCol="0">
+            <a:spAutoFit/>
+          </a:bodyPr>
+          <a:lstStyle/>
+          <a:p>
+            <a:pPr marL="457200" indent="-457200">
+              <a:buFont typeface="Arial" pitchFamily="34" charset="0"/>
+              <a:buChar char="•"/>
+            </a:pPr>
+            <a:r>
+              <a:rPr lang="es-PE" sz="2400" dirty="0" err="1" smtClean="0"/>
+              <a:t>Selenium</a:t>
+            </a:r>
+            <a:r>
+              <a:rPr lang="es-PE" sz="2400" dirty="0" smtClean="0"/>
+              <a:t> </a:t>
+            </a:r>
+            <a:r>
+              <a:rPr lang="es-PE" sz="2400" dirty="0" err="1" smtClean="0"/>
+              <a:t>Downloads</a:t>
+            </a:r>
+            <a:r>
+              <a:rPr lang="es-PE" sz="2400" dirty="0" smtClean="0"/>
+              <a:t>:</a:t>
+            </a:r>
+            <a:br>
+              <a:rPr lang="es-PE" sz="2400" dirty="0" smtClean="0"/>
+            </a:br>
+            <a:r>
+              <a:rPr lang="es-PE" sz="2400" dirty="0" smtClean="0">
+                <a:solidFill>
+                  <a:srgbClr val="FFC000"/>
+                </a:solidFill>
+              </a:rPr>
+              <a:t>http</a:t>
+            </a:r>
+            <a:r>
+              <a:rPr lang="es-PE" sz="2400" dirty="0">
+                <a:solidFill>
+                  <a:srgbClr val="FFC000"/>
+                </a:solidFill>
+              </a:rPr>
+              <a:t>://seleniumhq.org/download</a:t>
+            </a:r>
+            <a:r>
+              <a:rPr lang="es-PE" sz="2400" dirty="0" smtClean="0">
+                <a:solidFill>
+                  <a:srgbClr val="FFC000"/>
+                </a:solidFill>
+              </a:rPr>
+              <a:t>/</a:t>
+            </a:r>
+          </a:p>
+          <a:p>
+            <a:pPr marL="457200" indent="-457200">
+              <a:buFont typeface="Arial" pitchFamily="34" charset="0"/>
+              <a:buChar char="•"/>
+            </a:pPr>
+            <a:endParaRPr lang="es-PE" sz="2400" dirty="0" smtClean="0"/>
+          </a:p>
+          <a:p>
+            <a:pPr marL="457200" indent="-457200">
+              <a:buFont typeface="Arial" pitchFamily="34" charset="0"/>
+              <a:buChar char="•"/>
+            </a:pPr>
+            <a:r>
+              <a:rPr lang="es-PE" sz="2400" dirty="0" err="1" smtClean="0"/>
+              <a:t>XPath</a:t>
+            </a:r>
+            <a:r>
+              <a:rPr lang="es-PE" sz="2400" dirty="0"/>
+              <a:t> </a:t>
+            </a:r>
+            <a:r>
+              <a:rPr lang="es-PE" sz="2400" dirty="0" err="1" smtClean="0"/>
+              <a:t>Documentation</a:t>
+            </a:r>
+            <a:r>
+              <a:rPr lang="es-PE" sz="2400" dirty="0" smtClean="0"/>
+              <a:t>:</a:t>
+            </a:r>
+            <a:r>
+              <a:rPr lang="es-PE" sz="2400" dirty="0"/>
+              <a:t/>
+            </a:r>
+            <a:br>
+              <a:rPr lang="es-PE" sz="2400" dirty="0"/>
+            </a:br>
+            <a:r>
+              <a:rPr lang="es-PE" sz="2400" dirty="0">
+                <a:solidFill>
+                  <a:srgbClr val="FFC000"/>
+                </a:solidFill>
+              </a:rPr>
+              <a:t>http://</a:t>
+            </a:r>
+            <a:r>
+              <a:rPr lang="es-PE" sz="2400" dirty="0" smtClean="0">
+                <a:solidFill>
+                  <a:srgbClr val="FFC000"/>
+                </a:solidFill>
+              </a:rPr>
+              <a:t>www.w3schools.com/xpath/default.asp</a:t>
+            </a:r>
+          </a:p>
+          <a:p>
+            <a:pPr marL="457200" indent="-457200">
+              <a:buFont typeface="Arial" pitchFamily="34" charset="0"/>
+              <a:buChar char="•"/>
+            </a:pPr>
+            <a:endParaRPr lang="es-PE" sz="2400" dirty="0">
+              <a:solidFill>
+                <a:srgbClr val="FFC000"/>
+              </a:solidFill>
+            </a:endParaRPr>
+          </a:p>
+          <a:p>
+            <a:pPr marL="457200" indent="-457200">
+              <a:buFont typeface="Arial" pitchFamily="34" charset="0"/>
+              <a:buChar char="•"/>
+            </a:pPr>
+            <a:r>
+              <a:rPr lang="es-PE" sz="2400" dirty="0" smtClean="0"/>
+              <a:t>Cómo utilizar </a:t>
+            </a:r>
+            <a:r>
+              <a:rPr lang="es-PE" sz="2400" dirty="0" err="1" smtClean="0"/>
+              <a:t>WebDriver</a:t>
+            </a:r>
+            <a:r>
+              <a:rPr lang="es-PE" sz="2400" dirty="0" smtClean="0"/>
+              <a:t> con IE</a:t>
+            </a:r>
+            <a:r>
+              <a:rPr lang="es-PE" sz="2400" dirty="0">
+                <a:solidFill>
+                  <a:srgbClr val="FFC000"/>
+                </a:solidFill>
+              </a:rPr>
+              <a:t/>
+            </a:r>
+            <a:br>
+              <a:rPr lang="es-PE" sz="2400" dirty="0">
+                <a:solidFill>
+                  <a:srgbClr val="FFC000"/>
+                </a:solidFill>
+              </a:rPr>
+            </a:br>
+            <a:r>
+              <a:rPr lang="es-PE" sz="2400" dirty="0">
+                <a:solidFill>
+                  <a:srgbClr val="FFC000"/>
+                </a:solidFill>
+              </a:rPr>
+              <a:t>http://www.jimmycollins.org/blog/?p=583</a:t>
+            </a:r>
+          </a:p>
+        </p:txBody>
+      </p:sp>
+    </p:spTree>
+    <p:extLst>
+      <p:ext uri="{BB962C8B-B14F-4D97-AF65-F5344CB8AC3E}">
+        <p14:creationId xmlns:p14="http://schemas.microsoft.com/office/powerpoint/2010/main" val="3278265059"/>
+      </p:ext>
+    </p:extLst>
+  </p:cSld>
+  <p:clrMapOvr>
+    <a:masterClrMapping/>
+  </p:clrMapOvr>
+  <p:timing>
+    <p:tnLst>
+      <p:par>
+        <p:cTn id="1" dur="indefinite" restart="never" nodeType="tmRoot"/>
+      </p:par>
+    </p:tnLst>
+  </p:timing>
+</p:sld>
+</file>
+
 <file path=ppt/slides/slide4.xml><?xml version="1.0" encoding="utf-8"?>
 <p:sld xmlns:a="http://schemas.openxmlformats.org/drawingml/2006/main" xmlns:r="http://schemas.openxmlformats.org/officeDocument/2006/relationships" xmlns:p="http://schemas.openxmlformats.org/presentationml/2006/main">
   <p:cSld>
